--- a/slides/workshop skeleton.pptx
+++ b/slides/workshop skeleton.pptx
@@ -5,7 +5,7 @@
     <p:sldMasterId id="2147483648" r:id="rId1"/>
   </p:sldMasterIdLst>
   <p:notesMasterIdLst>
-    <p:notesMasterId r:id="rId35"/>
+    <p:notesMasterId r:id="rId46"/>
   </p:notesMasterIdLst>
   <p:sldIdLst>
     <p:sldId id="256" r:id="rId2"/>
@@ -28,19 +28,30 @@
     <p:sldId id="290" r:id="rId19"/>
     <p:sldId id="265" r:id="rId20"/>
     <p:sldId id="266" r:id="rId21"/>
-    <p:sldId id="267" r:id="rId22"/>
-    <p:sldId id="268" r:id="rId23"/>
-    <p:sldId id="269" r:id="rId24"/>
-    <p:sldId id="270" r:id="rId25"/>
-    <p:sldId id="271" r:id="rId26"/>
-    <p:sldId id="272" r:id="rId27"/>
-    <p:sldId id="273" r:id="rId28"/>
-    <p:sldId id="274" r:id="rId29"/>
-    <p:sldId id="275" r:id="rId30"/>
-    <p:sldId id="276" r:id="rId31"/>
-    <p:sldId id="277" r:id="rId32"/>
-    <p:sldId id="278" r:id="rId33"/>
-    <p:sldId id="279" r:id="rId34"/>
+    <p:sldId id="292" r:id="rId22"/>
+    <p:sldId id="293" r:id="rId23"/>
+    <p:sldId id="267" r:id="rId24"/>
+    <p:sldId id="297" r:id="rId25"/>
+    <p:sldId id="301" r:id="rId26"/>
+    <p:sldId id="298" r:id="rId27"/>
+    <p:sldId id="302" r:id="rId28"/>
+    <p:sldId id="303" r:id="rId29"/>
+    <p:sldId id="300" r:id="rId30"/>
+    <p:sldId id="295" r:id="rId31"/>
+    <p:sldId id="296" r:id="rId32"/>
+    <p:sldId id="294" r:id="rId33"/>
+    <p:sldId id="268" r:id="rId34"/>
+    <p:sldId id="269" r:id="rId35"/>
+    <p:sldId id="270" r:id="rId36"/>
+    <p:sldId id="271" r:id="rId37"/>
+    <p:sldId id="272" r:id="rId38"/>
+    <p:sldId id="273" r:id="rId39"/>
+    <p:sldId id="274" r:id="rId40"/>
+    <p:sldId id="275" r:id="rId41"/>
+    <p:sldId id="276" r:id="rId42"/>
+    <p:sldId id="277" r:id="rId43"/>
+    <p:sldId id="278" r:id="rId44"/>
+    <p:sldId id="279" r:id="rId45"/>
   </p:sldIdLst>
   <p:sldSz cx="24384000" cy="13716000"/>
   <p:notesSz cx="6858000" cy="9144000"/>
@@ -792,16 +803,7 @@
           <a:p>
             <a:r>
               <a:rPr lang="en-US" dirty="0"/>
-              <a:t>Ok why can’t we just use the traditional stuff? They are doing very well!</a:t>
-            </a:r>
-          </a:p>
-          <a:p>
-            <a:endParaRPr lang="en-US" dirty="0"/>
-          </a:p>
-          <a:p>
-            <a:r>
-              <a:rPr lang="en-US" dirty="0"/>
-              <a:t>Data augmentation is not enough</a:t>
+              <a:t>Inconsistency with physical laws – for example, density field is negative </a:t>
             </a:r>
           </a:p>
         </p:txBody>
@@ -907,7 +909,7 @@
       </p:grpSpPr>
       <p:sp>
         <p:nvSpPr>
-          <p:cNvPr id="229" name="Shape 229"/>
+          <p:cNvPr id="2" name="Slide Image Placeholder 1"/>
           <p:cNvSpPr>
             <a:spLocks noGrp="1" noRot="1" noChangeAspect="1"/>
           </p:cNvSpPr>
@@ -916,54 +918,40 @@
           </p:nvPr>
         </p:nvSpPr>
         <p:spPr>
-          <a:prstGeom prst="rect">
-            <a:avLst/>
-          </a:prstGeom>
-        </p:spPr>
+          <a:xfrm>
+            <a:off x="381000" y="685800"/>
+            <a:ext cx="6096000" cy="3429000"/>
+          </a:xfrm>
+        </p:spPr>
+      </p:sp>
+      <p:sp>
+        <p:nvSpPr>
+          <p:cNvPr id="3" name="Notes Placeholder 2"/>
+          <p:cNvSpPr>
+            <a:spLocks noGrp="1"/>
+          </p:cNvSpPr>
+          <p:nvPr>
+            <p:ph type="body" idx="1"/>
+          </p:nvPr>
+        </p:nvSpPr>
+        <p:spPr/>
         <p:txBody>
           <a:bodyPr/>
           <a:lstStyle/>
           <a:p>
-            <a:endParaRPr/>
-          </a:p>
-        </p:txBody>
-      </p:sp>
-      <p:sp>
-        <p:nvSpPr>
-          <p:cNvPr id="230" name="Shape 230"/>
-          <p:cNvSpPr>
-            <a:spLocks noGrp="1"/>
-          </p:cNvSpPr>
-          <p:nvPr>
-            <p:ph type="body" sz="quarter" idx="1"/>
-          </p:nvPr>
-        </p:nvSpPr>
-        <p:spPr>
-          <a:prstGeom prst="rect">
-            <a:avLst/>
-          </a:prstGeom>
-        </p:spPr>
-        <p:txBody>
-          <a:bodyPr/>
-          <a:lstStyle/>
-          <a:p>
-            <a:r>
-              <a:t>Typically, we are not interested in deploying an online ML system.</a:t>
-            </a:r>
-          </a:p>
-          <a:p>
-            <a:r>
-              <a:t>We usually operate in a more controlled execution environment. (No end users)</a:t>
-            </a:r>
-          </a:p>
-          <a:p>
-            <a:r>
-              <a:t>We want the system to be reproducible.</a:t>
+            <a:r>
+              <a:rPr lang="en-US" dirty="0"/>
+              <a:t>These are not formal definitions</a:t>
             </a:r>
           </a:p>
         </p:txBody>
       </p:sp>
     </p:spTree>
+    <p:extLst>
+      <p:ext uri="{BB962C8B-B14F-4D97-AF65-F5344CB8AC3E}">
+        <p14:creationId xmlns:p14="http://schemas.microsoft.com/office/powerpoint/2010/main" val="3635207082"/>
+      </p:ext>
+    </p:extLst>
   </p:cSld>
   <p:clrMapOvr>
     <a:masterClrMapping/>
@@ -990,7 +978,7 @@
       </p:grpSpPr>
       <p:sp>
         <p:nvSpPr>
-          <p:cNvPr id="235" name="Shape 235"/>
+          <p:cNvPr id="2" name="Slide Image Placeholder 1"/>
           <p:cNvSpPr>
             <a:spLocks noGrp="1" noRot="1" noChangeAspect="1"/>
           </p:cNvSpPr>
@@ -999,44 +987,40 @@
           </p:nvPr>
         </p:nvSpPr>
         <p:spPr>
-          <a:prstGeom prst="rect">
-            <a:avLst/>
-          </a:prstGeom>
-        </p:spPr>
+          <a:xfrm>
+            <a:off x="381000" y="685800"/>
+            <a:ext cx="6096000" cy="3429000"/>
+          </a:xfrm>
+        </p:spPr>
+      </p:sp>
+      <p:sp>
+        <p:nvSpPr>
+          <p:cNvPr id="3" name="Notes Placeholder 2"/>
+          <p:cNvSpPr>
+            <a:spLocks noGrp="1"/>
+          </p:cNvSpPr>
+          <p:nvPr>
+            <p:ph type="body" idx="1"/>
+          </p:nvPr>
+        </p:nvSpPr>
+        <p:spPr/>
         <p:txBody>
           <a:bodyPr/>
           <a:lstStyle/>
           <a:p>
-            <a:endParaRPr/>
-          </a:p>
-        </p:txBody>
-      </p:sp>
-      <p:sp>
-        <p:nvSpPr>
-          <p:cNvPr id="236" name="Shape 236"/>
-          <p:cNvSpPr>
-            <a:spLocks noGrp="1"/>
-          </p:cNvSpPr>
-          <p:nvPr>
-            <p:ph type="body" sz="quarter" idx="1"/>
-          </p:nvPr>
-        </p:nvSpPr>
-        <p:spPr>
-          <a:prstGeom prst="rect">
-            <a:avLst/>
-          </a:prstGeom>
-        </p:spPr>
-        <p:txBody>
-          <a:bodyPr/>
-          <a:lstStyle/>
-          <a:p>
-            <a:r>
-              <a:t>ML reproducibility is not the first time that we come across issues with reproducing scientific results. A survey conducted in 2016 shows that in “hard” sciences, many fields struggle with reproducibility (this becomes worse in soft sciences).</a:t>
+            <a:r>
+              <a:rPr lang="en-US" dirty="0"/>
+              <a:t>These are not formal definitions</a:t>
             </a:r>
           </a:p>
         </p:txBody>
       </p:sp>
     </p:spTree>
+    <p:extLst>
+      <p:ext uri="{BB962C8B-B14F-4D97-AF65-F5344CB8AC3E}">
+        <p14:creationId xmlns:p14="http://schemas.microsoft.com/office/powerpoint/2010/main" val="2708863829"/>
+      </p:ext>
+    </p:extLst>
   </p:cSld>
   <p:clrMapOvr>
     <a:masterClrMapping/>
@@ -1063,7 +1047,7 @@
       </p:grpSpPr>
       <p:sp>
         <p:nvSpPr>
-          <p:cNvPr id="241" name="Shape 241"/>
+          <p:cNvPr id="2" name="Slide Image Placeholder 1"/>
           <p:cNvSpPr>
             <a:spLocks noGrp="1" noRot="1" noChangeAspect="1"/>
           </p:cNvSpPr>
@@ -1072,79 +1056,41 @@
           </p:nvPr>
         </p:nvSpPr>
         <p:spPr>
-          <a:prstGeom prst="rect">
-            <a:avLst/>
-          </a:prstGeom>
-        </p:spPr>
+          <a:xfrm>
+            <a:off x="381000" y="685800"/>
+            <a:ext cx="6096000" cy="3429000"/>
+          </a:xfrm>
+        </p:spPr>
+      </p:sp>
+      <p:sp>
+        <p:nvSpPr>
+          <p:cNvPr id="3" name="Notes Placeholder 2"/>
+          <p:cNvSpPr>
+            <a:spLocks noGrp="1"/>
+          </p:cNvSpPr>
+          <p:nvPr>
+            <p:ph type="body" idx="1"/>
+          </p:nvPr>
+        </p:nvSpPr>
+        <p:spPr/>
         <p:txBody>
           <a:bodyPr/>
           <a:lstStyle/>
           <a:p>
-            <a:endParaRPr/>
-          </a:p>
-        </p:txBody>
-      </p:sp>
-      <p:sp>
-        <p:nvSpPr>
-          <p:cNvPr id="242" name="Shape 242"/>
-          <p:cNvSpPr>
-            <a:spLocks noGrp="1"/>
-          </p:cNvSpPr>
-          <p:nvPr>
-            <p:ph type="body" sz="quarter" idx="1"/>
-          </p:nvPr>
-        </p:nvSpPr>
-        <p:spPr>
-          <a:prstGeom prst="rect">
-            <a:avLst/>
-          </a:prstGeom>
-        </p:spPr>
-        <p:txBody>
-          <a:bodyPr/>
-          <a:lstStyle/>
-          <a:p>
-            <a:r>
-              <a:t>An article in science magazine from 2018 looked at 400 articles from top journals / conferences and has found that:</a:t>
-            </a:r>
-          </a:p>
-          <a:p>
-            <a:endParaRPr/>
-          </a:p>
-          <a:p>
-            <a:r>
-              <a:t>- unable to reproduce cutting edge results - paper by goodman eventually retracted</a:t>
-            </a:r>
-          </a:p>
-          <a:p>
-            <a:pPr marL="279400" indent="-279400">
-              <a:buSzPct val="123000"/>
-              <a:buChar char="-"/>
-            </a:pPr>
-            <a:r>
-              <a:t>people don’t share their code - 2018 - 6% of authors shared codes in 400 algos</a:t>
-            </a:r>
-          </a:p>
-          <a:p>
-            <a:pPr marL="279400" indent="-279400">
-              <a:buSzPct val="123000"/>
-              <a:buChar char="-"/>
-            </a:pPr>
-            <a:r>
-              <a:t>Training data is not shared</a:t>
-            </a:r>
-          </a:p>
-          <a:p>
-            <a:pPr marL="279400" indent="-279400">
-              <a:buSzPct val="123000"/>
-              <a:buChar char="-"/>
-            </a:pPr>
-            <a:r>
-              <a:t>Sensitivity to hyperparameters</a:t>
+            <a:pPr algn="l"/>
+            <a:r>
+              <a:rPr lang="en-US" dirty="0"/>
+              <a:t>Loss function</a:t>
             </a:r>
           </a:p>
         </p:txBody>
       </p:sp>
     </p:spTree>
+    <p:extLst>
+      <p:ext uri="{BB962C8B-B14F-4D97-AF65-F5344CB8AC3E}">
+        <p14:creationId xmlns:p14="http://schemas.microsoft.com/office/powerpoint/2010/main" val="1757237418"/>
+      </p:ext>
+    </p:extLst>
   </p:cSld>
   <p:clrMapOvr>
     <a:masterClrMapping/>
@@ -1171,7 +1117,7 @@
       </p:grpSpPr>
       <p:sp>
         <p:nvSpPr>
-          <p:cNvPr id="247" name="Shape 247"/>
+          <p:cNvPr id="2" name="Slide Image Placeholder 1"/>
           <p:cNvSpPr>
             <a:spLocks noGrp="1" noRot="1" noChangeAspect="1"/>
           </p:cNvSpPr>
@@ -1180,79 +1126,46 @@
           </p:nvPr>
         </p:nvSpPr>
         <p:spPr>
-          <a:prstGeom prst="rect">
-            <a:avLst/>
-          </a:prstGeom>
-        </p:spPr>
+          <a:xfrm>
+            <a:off x="381000" y="685800"/>
+            <a:ext cx="6096000" cy="3429000"/>
+          </a:xfrm>
+        </p:spPr>
+      </p:sp>
+      <p:sp>
+        <p:nvSpPr>
+          <p:cNvPr id="3" name="Notes Placeholder 2"/>
+          <p:cNvSpPr>
+            <a:spLocks noGrp="1"/>
+          </p:cNvSpPr>
+          <p:nvPr>
+            <p:ph type="body" idx="1"/>
+          </p:nvPr>
+        </p:nvSpPr>
+        <p:spPr/>
         <p:txBody>
           <a:bodyPr/>
           <a:lstStyle/>
           <a:p>
-            <a:endParaRPr/>
-          </a:p>
-        </p:txBody>
-      </p:sp>
-      <p:sp>
-        <p:nvSpPr>
-          <p:cNvPr id="248" name="Shape 248"/>
-          <p:cNvSpPr>
-            <a:spLocks noGrp="1"/>
-          </p:cNvSpPr>
-          <p:nvPr>
-            <p:ph type="body" sz="quarter" idx="1"/>
-          </p:nvPr>
-        </p:nvSpPr>
-        <p:spPr>
-          <a:prstGeom prst="rect">
-            <a:avLst/>
-          </a:prstGeom>
-        </p:spPr>
-        <p:txBody>
-          <a:bodyPr/>
-          <a:lstStyle/>
-          <a:p>
-            <a:r>
-              <a:t>An article in science magazine from 2018 looked at 400 articles from top journals / conferences and has found that:</a:t>
-            </a:r>
-          </a:p>
-          <a:p>
-            <a:endParaRPr/>
-          </a:p>
-          <a:p>
-            <a:r>
-              <a:t>- unable to reproduce cutting edge results - paper by goodman eventually retracted</a:t>
-            </a:r>
-          </a:p>
-          <a:p>
-            <a:pPr marL="279400" indent="-279400">
-              <a:buSzPct val="123000"/>
-              <a:buChar char="-"/>
-            </a:pPr>
-            <a:r>
-              <a:t>people don’t share their code - 2018 - 6% of authors shared codes in 400 algos</a:t>
-            </a:r>
-          </a:p>
-          <a:p>
-            <a:pPr marL="279400" indent="-279400">
-              <a:buSzPct val="123000"/>
-              <a:buChar char="-"/>
-            </a:pPr>
-            <a:r>
-              <a:t>Training data is not shared</a:t>
-            </a:r>
-          </a:p>
-          <a:p>
-            <a:pPr marL="279400" indent="-279400">
-              <a:buSzPct val="123000"/>
-              <a:buChar char="-"/>
-            </a:pPr>
-            <a:r>
-              <a:t>Sensitivity to hyperparameters</a:t>
-            </a:r>
+            <a:r>
+              <a:rPr lang="en-US" dirty="0"/>
+              <a:t>Loss function with external things</a:t>
+            </a:r>
+          </a:p>
+          <a:p>
+            <a:endParaRPr lang="en-US" dirty="0"/>
+          </a:p>
+          <a:p>
+            <a:endParaRPr lang="en-US" dirty="0"/>
           </a:p>
         </p:txBody>
       </p:sp>
     </p:spTree>
+    <p:extLst>
+      <p:ext uri="{BB962C8B-B14F-4D97-AF65-F5344CB8AC3E}">
+        <p14:creationId xmlns:p14="http://schemas.microsoft.com/office/powerpoint/2010/main" val="1441786958"/>
+      </p:ext>
+    </p:extLst>
   </p:cSld>
   <p:clrMapOvr>
     <a:masterClrMapping/>
@@ -1279,7 +1192,7 @@
       </p:grpSpPr>
       <p:sp>
         <p:nvSpPr>
-          <p:cNvPr id="253" name="Shape 253"/>
+          <p:cNvPr id="2" name="Slide Image Placeholder 1"/>
           <p:cNvSpPr>
             <a:spLocks noGrp="1" noRot="1" noChangeAspect="1"/>
           </p:cNvSpPr>
@@ -1288,79 +1201,46 @@
           </p:nvPr>
         </p:nvSpPr>
         <p:spPr>
-          <a:prstGeom prst="rect">
-            <a:avLst/>
-          </a:prstGeom>
-        </p:spPr>
+          <a:xfrm>
+            <a:off x="381000" y="685800"/>
+            <a:ext cx="6096000" cy="3429000"/>
+          </a:xfrm>
+        </p:spPr>
+      </p:sp>
+      <p:sp>
+        <p:nvSpPr>
+          <p:cNvPr id="3" name="Notes Placeholder 2"/>
+          <p:cNvSpPr>
+            <a:spLocks noGrp="1"/>
+          </p:cNvSpPr>
+          <p:nvPr>
+            <p:ph type="body" idx="1"/>
+          </p:nvPr>
+        </p:nvSpPr>
+        <p:spPr/>
         <p:txBody>
           <a:bodyPr/>
           <a:lstStyle/>
           <a:p>
-            <a:endParaRPr/>
-          </a:p>
-        </p:txBody>
-      </p:sp>
-      <p:sp>
-        <p:nvSpPr>
-          <p:cNvPr id="254" name="Shape 254"/>
-          <p:cNvSpPr>
-            <a:spLocks noGrp="1"/>
-          </p:cNvSpPr>
-          <p:nvPr>
-            <p:ph type="body" sz="quarter" idx="1"/>
-          </p:nvPr>
-        </p:nvSpPr>
-        <p:spPr>
-          <a:prstGeom prst="rect">
-            <a:avLst/>
-          </a:prstGeom>
-        </p:spPr>
-        <p:txBody>
-          <a:bodyPr/>
-          <a:lstStyle/>
-          <a:p>
-            <a:r>
-              <a:t>An article in science magazine from 2018 looked at 400 articles from top journals / conferences and has found that:</a:t>
-            </a:r>
-          </a:p>
-          <a:p>
-            <a:endParaRPr/>
-          </a:p>
-          <a:p>
-            <a:r>
-              <a:t>- unable to reproduce cutting edge results - paper by goodman eventually retracted</a:t>
-            </a:r>
-          </a:p>
-          <a:p>
-            <a:pPr marL="279400" indent="-279400">
-              <a:buSzPct val="123000"/>
-              <a:buChar char="-"/>
-            </a:pPr>
-            <a:r>
-              <a:t>people don’t share their code - 2018 - 6% of authors shared codes in 400 algos</a:t>
-            </a:r>
-          </a:p>
-          <a:p>
-            <a:pPr marL="279400" indent="-279400">
-              <a:buSzPct val="123000"/>
-              <a:buChar char="-"/>
-            </a:pPr>
-            <a:r>
-              <a:t>Training data is not shared</a:t>
-            </a:r>
-          </a:p>
-          <a:p>
-            <a:pPr marL="279400" indent="-279400">
-              <a:buSzPct val="123000"/>
-              <a:buChar char="-"/>
-            </a:pPr>
-            <a:r>
-              <a:t>Sensitivity to hyperparameters</a:t>
-            </a:r>
+            <a:r>
+              <a:rPr lang="en-US" dirty="0"/>
+              <a:t>Loss function with external things</a:t>
+            </a:r>
+          </a:p>
+          <a:p>
+            <a:endParaRPr lang="en-US" dirty="0"/>
+          </a:p>
+          <a:p>
+            <a:endParaRPr lang="en-US" dirty="0"/>
           </a:p>
         </p:txBody>
       </p:sp>
     </p:spTree>
+    <p:extLst>
+      <p:ext uri="{BB962C8B-B14F-4D97-AF65-F5344CB8AC3E}">
+        <p14:creationId xmlns:p14="http://schemas.microsoft.com/office/powerpoint/2010/main" val="1636779359"/>
+      </p:ext>
+    </p:extLst>
   </p:cSld>
   <p:clrMapOvr>
     <a:masterClrMapping/>
@@ -1387,7 +1267,7 @@
       </p:grpSpPr>
       <p:sp>
         <p:nvSpPr>
-          <p:cNvPr id="259" name="Shape 259"/>
+          <p:cNvPr id="2" name="Slide Image Placeholder 1"/>
           <p:cNvSpPr>
             <a:spLocks noGrp="1" noRot="1" noChangeAspect="1"/>
           </p:cNvSpPr>
@@ -1396,79 +1276,55 @@
           </p:nvPr>
         </p:nvSpPr>
         <p:spPr>
-          <a:prstGeom prst="rect">
-            <a:avLst/>
-          </a:prstGeom>
-        </p:spPr>
+          <a:xfrm>
+            <a:off x="381000" y="685800"/>
+            <a:ext cx="6096000" cy="3429000"/>
+          </a:xfrm>
+        </p:spPr>
+      </p:sp>
+      <p:sp>
+        <p:nvSpPr>
+          <p:cNvPr id="3" name="Notes Placeholder 2"/>
+          <p:cNvSpPr>
+            <a:spLocks noGrp="1"/>
+          </p:cNvSpPr>
+          <p:nvPr>
+            <p:ph type="body" idx="1"/>
+          </p:nvPr>
+        </p:nvSpPr>
+        <p:spPr/>
         <p:txBody>
           <a:bodyPr/>
           <a:lstStyle/>
           <a:p>
-            <a:endParaRPr/>
-          </a:p>
-        </p:txBody>
-      </p:sp>
-      <p:sp>
-        <p:nvSpPr>
-          <p:cNvPr id="260" name="Shape 260"/>
-          <p:cNvSpPr>
-            <a:spLocks noGrp="1"/>
-          </p:cNvSpPr>
-          <p:nvPr>
-            <p:ph type="body" sz="quarter" idx="1"/>
-          </p:nvPr>
-        </p:nvSpPr>
-        <p:spPr>
-          <a:prstGeom prst="rect">
-            <a:avLst/>
-          </a:prstGeom>
-        </p:spPr>
-        <p:txBody>
-          <a:bodyPr/>
-          <a:lstStyle/>
-          <a:p>
-            <a:r>
-              <a:t>An article in science magazine from 2018 looked at 400 articles from top journals / conferences and has found that:</a:t>
-            </a:r>
-          </a:p>
-          <a:p>
-            <a:endParaRPr/>
-          </a:p>
-          <a:p>
-            <a:r>
-              <a:t>- unable to reproduce cutting edge results - paper by goodman eventually retracted</a:t>
-            </a:r>
-          </a:p>
-          <a:p>
-            <a:pPr marL="279400" indent="-279400">
-              <a:buSzPct val="123000"/>
-              <a:buChar char="-"/>
-            </a:pPr>
-            <a:r>
-              <a:t>people don’t share their code - 2018 - 6% of authors shared codes in 400 algos</a:t>
-            </a:r>
-          </a:p>
-          <a:p>
-            <a:pPr marL="279400" indent="-279400">
-              <a:buSzPct val="123000"/>
-              <a:buChar char="-"/>
-            </a:pPr>
-            <a:r>
-              <a:t>Training data is not shared</a:t>
-            </a:r>
-          </a:p>
-          <a:p>
-            <a:pPr marL="279400" indent="-279400">
-              <a:buSzPct val="123000"/>
-              <a:buChar char="-"/>
-            </a:pPr>
-            <a:r>
-              <a:t>Sensitivity to hyperparameters</a:t>
-            </a:r>
+            <a:r>
+              <a:rPr lang="en-US" dirty="0"/>
+              <a:t>Picture of neural net</a:t>
+            </a:r>
+          </a:p>
+          <a:p>
+            <a:r>
+              <a:rPr lang="en-US" dirty="0"/>
+              <a:t>Gradient descent</a:t>
+            </a:r>
+          </a:p>
+          <a:p>
+            <a:r>
+              <a:rPr lang="en-US" dirty="0"/>
+              <a:t>Loss function</a:t>
+            </a:r>
+          </a:p>
+          <a:p>
+            <a:endParaRPr lang="en-US" dirty="0"/>
           </a:p>
         </p:txBody>
       </p:sp>
     </p:spTree>
+    <p:extLst>
+      <p:ext uri="{BB962C8B-B14F-4D97-AF65-F5344CB8AC3E}">
+        <p14:creationId xmlns:p14="http://schemas.microsoft.com/office/powerpoint/2010/main" val="304591148"/>
+      </p:ext>
+    </p:extLst>
   </p:cSld>
   <p:clrMapOvr>
     <a:masterClrMapping/>
@@ -1495,7 +1351,7 @@
       </p:grpSpPr>
       <p:sp>
         <p:nvSpPr>
-          <p:cNvPr id="265" name="Shape 265"/>
+          <p:cNvPr id="2" name="Slide Image Placeholder 1"/>
           <p:cNvSpPr>
             <a:spLocks noGrp="1" noRot="1" noChangeAspect="1"/>
           </p:cNvSpPr>
@@ -1504,79 +1360,55 @@
           </p:nvPr>
         </p:nvSpPr>
         <p:spPr>
-          <a:prstGeom prst="rect">
-            <a:avLst/>
-          </a:prstGeom>
-        </p:spPr>
+          <a:xfrm>
+            <a:off x="381000" y="685800"/>
+            <a:ext cx="6096000" cy="3429000"/>
+          </a:xfrm>
+        </p:spPr>
+      </p:sp>
+      <p:sp>
+        <p:nvSpPr>
+          <p:cNvPr id="3" name="Notes Placeholder 2"/>
+          <p:cNvSpPr>
+            <a:spLocks noGrp="1"/>
+          </p:cNvSpPr>
+          <p:nvPr>
+            <p:ph type="body" idx="1"/>
+          </p:nvPr>
+        </p:nvSpPr>
+        <p:spPr/>
         <p:txBody>
           <a:bodyPr/>
           <a:lstStyle/>
           <a:p>
-            <a:endParaRPr/>
-          </a:p>
-        </p:txBody>
-      </p:sp>
-      <p:sp>
-        <p:nvSpPr>
-          <p:cNvPr id="266" name="Shape 266"/>
-          <p:cNvSpPr>
-            <a:spLocks noGrp="1"/>
-          </p:cNvSpPr>
-          <p:nvPr>
-            <p:ph type="body" sz="quarter" idx="1"/>
-          </p:nvPr>
-        </p:nvSpPr>
-        <p:spPr>
-          <a:prstGeom prst="rect">
-            <a:avLst/>
-          </a:prstGeom>
-        </p:spPr>
-        <p:txBody>
-          <a:bodyPr/>
-          <a:lstStyle/>
-          <a:p>
-            <a:r>
-              <a:t>An article in science magazine from 2018 looked at 400 articles from top journals / conferences and has found that:</a:t>
-            </a:r>
-          </a:p>
-          <a:p>
-            <a:endParaRPr/>
-          </a:p>
-          <a:p>
-            <a:r>
-              <a:t>- unable to reproduce cutting edge results - paper by goodman eventually retracted</a:t>
-            </a:r>
-          </a:p>
-          <a:p>
-            <a:pPr marL="279400" indent="-279400">
-              <a:buSzPct val="123000"/>
-              <a:buChar char="-"/>
-            </a:pPr>
-            <a:r>
-              <a:t>people don’t share their code - 2018 - 6% of authors shared codes in 400 algos</a:t>
-            </a:r>
-          </a:p>
-          <a:p>
-            <a:pPr marL="279400" indent="-279400">
-              <a:buSzPct val="123000"/>
-              <a:buChar char="-"/>
-            </a:pPr>
-            <a:r>
-              <a:t>Training data is not shared</a:t>
-            </a:r>
-          </a:p>
-          <a:p>
-            <a:pPr marL="279400" indent="-279400">
-              <a:buSzPct val="123000"/>
-              <a:buChar char="-"/>
-            </a:pPr>
-            <a:r>
-              <a:t>Sensitivity to hyperparameters</a:t>
-            </a:r>
+            <a:r>
+              <a:rPr lang="en-US" dirty="0"/>
+              <a:t>Picture of neural net</a:t>
+            </a:r>
+          </a:p>
+          <a:p>
+            <a:r>
+              <a:rPr lang="en-US" dirty="0"/>
+              <a:t>Gradient descent</a:t>
+            </a:r>
+          </a:p>
+          <a:p>
+            <a:r>
+              <a:rPr lang="en-US" dirty="0"/>
+              <a:t>Loss function</a:t>
+            </a:r>
+          </a:p>
+          <a:p>
+            <a:endParaRPr lang="en-US" dirty="0"/>
           </a:p>
         </p:txBody>
       </p:sp>
     </p:spTree>
+    <p:extLst>
+      <p:ext uri="{BB962C8B-B14F-4D97-AF65-F5344CB8AC3E}">
+        <p14:creationId xmlns:p14="http://schemas.microsoft.com/office/powerpoint/2010/main" val="1663064300"/>
+      </p:ext>
+    </p:extLst>
   </p:cSld>
   <p:clrMapOvr>
     <a:masterClrMapping/>
@@ -1750,7 +1582,7 @@
       </p:grpSpPr>
       <p:sp>
         <p:nvSpPr>
-          <p:cNvPr id="272" name="Shape 272"/>
+          <p:cNvPr id="2" name="Slide Image Placeholder 1"/>
           <p:cNvSpPr>
             <a:spLocks noGrp="1" noRot="1" noChangeAspect="1"/>
           </p:cNvSpPr>
@@ -1759,21 +1591,807 @@
           </p:nvPr>
         </p:nvSpPr>
         <p:spPr>
-          <a:prstGeom prst="rect">
-            <a:avLst/>
-          </a:prstGeom>
-        </p:spPr>
+          <a:xfrm>
+            <a:off x="381000" y="685800"/>
+            <a:ext cx="6096000" cy="3429000"/>
+          </a:xfrm>
+        </p:spPr>
+      </p:sp>
+      <p:sp>
+        <p:nvSpPr>
+          <p:cNvPr id="3" name="Notes Placeholder 2"/>
+          <p:cNvSpPr>
+            <a:spLocks noGrp="1"/>
+          </p:cNvSpPr>
+          <p:nvPr>
+            <p:ph type="body" idx="1"/>
+          </p:nvPr>
+        </p:nvSpPr>
+        <p:spPr/>
         <p:txBody>
           <a:bodyPr/>
           <a:lstStyle/>
           <a:p>
+            <a:r>
+              <a:rPr lang="en-US" dirty="0"/>
+              <a:t>Picture of neural net</a:t>
+            </a:r>
+          </a:p>
+          <a:p>
+            <a:r>
+              <a:rPr lang="en-US" dirty="0"/>
+              <a:t>Gradient descent</a:t>
+            </a:r>
+          </a:p>
+          <a:p>
+            <a:r>
+              <a:rPr lang="en-US" dirty="0"/>
+              <a:t>Loss function</a:t>
+            </a:r>
+          </a:p>
+          <a:p>
+            <a:endParaRPr lang="en-US" dirty="0"/>
+          </a:p>
+        </p:txBody>
+      </p:sp>
+    </p:spTree>
+    <p:extLst>
+      <p:ext uri="{BB962C8B-B14F-4D97-AF65-F5344CB8AC3E}">
+        <p14:creationId xmlns:p14="http://schemas.microsoft.com/office/powerpoint/2010/main" val="3444047876"/>
+      </p:ext>
+    </p:extLst>
+  </p:cSld>
+  <p:clrMapOvr>
+    <a:masterClrMapping/>
+  </p:clrMapOvr>
+</p:notes>
+</file>
+
+<file path=ppt/notesSlides/notesSlide21.xml><?xml version="1.0" encoding="utf-8"?>
+<p:notes xmlns:a="http://schemas.openxmlformats.org/drawingml/2006/main" xmlns:r="http://schemas.openxmlformats.org/officeDocument/2006/relationships" xmlns:p="http://schemas.openxmlformats.org/presentationml/2006/main">
+  <p:cSld>
+    <p:spTree>
+      <p:nvGrpSpPr>
+        <p:cNvPr id="1" name=""/>
+        <p:cNvGrpSpPr/>
+        <p:nvPr/>
+      </p:nvGrpSpPr>
+      <p:grpSpPr>
+        <a:xfrm>
+          <a:off x="0" y="0"/>
+          <a:ext cx="0" cy="0"/>
+          <a:chOff x="0" y="0"/>
+          <a:chExt cx="0" cy="0"/>
+        </a:xfrm>
+      </p:grpSpPr>
+      <p:sp>
+        <p:nvSpPr>
+          <p:cNvPr id="2" name="Slide Image Placeholder 1"/>
+          <p:cNvSpPr>
+            <a:spLocks noGrp="1" noRot="1" noChangeAspect="1"/>
+          </p:cNvSpPr>
+          <p:nvPr>
+            <p:ph type="sldImg"/>
+          </p:nvPr>
+        </p:nvSpPr>
+        <p:spPr>
+          <a:xfrm>
+            <a:off x="381000" y="685800"/>
+            <a:ext cx="6096000" cy="3429000"/>
+          </a:xfrm>
+        </p:spPr>
+      </p:sp>
+      <p:sp>
+        <p:nvSpPr>
+          <p:cNvPr id="3" name="Notes Placeholder 2"/>
+          <p:cNvSpPr>
+            <a:spLocks noGrp="1"/>
+          </p:cNvSpPr>
+          <p:nvPr>
+            <p:ph type="body" idx="1"/>
+          </p:nvPr>
+        </p:nvSpPr>
+        <p:spPr/>
+        <p:txBody>
+          <a:bodyPr/>
+          <a:lstStyle/>
+          <a:p>
+            <a:r>
+              <a:rPr lang="en-US" dirty="0"/>
+              <a:t>Picture of neural net</a:t>
+            </a:r>
+          </a:p>
+          <a:p>
+            <a:r>
+              <a:rPr lang="en-US" dirty="0"/>
+              <a:t>Gradient descent</a:t>
+            </a:r>
+          </a:p>
+          <a:p>
+            <a:r>
+              <a:rPr lang="en-US" dirty="0"/>
+              <a:t>Loss function</a:t>
+            </a:r>
+          </a:p>
+          <a:p>
+            <a:endParaRPr lang="en-US" dirty="0"/>
+          </a:p>
+        </p:txBody>
+      </p:sp>
+    </p:spTree>
+    <p:extLst>
+      <p:ext uri="{BB962C8B-B14F-4D97-AF65-F5344CB8AC3E}">
+        <p14:creationId xmlns:p14="http://schemas.microsoft.com/office/powerpoint/2010/main" val="1381424024"/>
+      </p:ext>
+    </p:extLst>
+  </p:cSld>
+  <p:clrMapOvr>
+    <a:masterClrMapping/>
+  </p:clrMapOvr>
+</p:notes>
+</file>
+
+<file path=ppt/notesSlides/notesSlide22.xml><?xml version="1.0" encoding="utf-8"?>
+<p:notes xmlns:a="http://schemas.openxmlformats.org/drawingml/2006/main" xmlns:r="http://schemas.openxmlformats.org/officeDocument/2006/relationships" xmlns:p="http://schemas.openxmlformats.org/presentationml/2006/main">
+  <p:cSld>
+    <p:spTree>
+      <p:nvGrpSpPr>
+        <p:cNvPr id="1" name=""/>
+        <p:cNvGrpSpPr/>
+        <p:nvPr/>
+      </p:nvGrpSpPr>
+      <p:grpSpPr>
+        <a:xfrm>
+          <a:off x="0" y="0"/>
+          <a:ext cx="0" cy="0"/>
+          <a:chOff x="0" y="0"/>
+          <a:chExt cx="0" cy="0"/>
+        </a:xfrm>
+      </p:grpSpPr>
+      <p:sp>
+        <p:nvSpPr>
+          <p:cNvPr id="2" name="Slide Image Placeholder 1"/>
+          <p:cNvSpPr>
+            <a:spLocks noGrp="1" noRot="1" noChangeAspect="1"/>
+          </p:cNvSpPr>
+          <p:nvPr>
+            <p:ph type="sldImg"/>
+          </p:nvPr>
+        </p:nvSpPr>
+        <p:spPr>
+          <a:xfrm>
+            <a:off x="381000" y="685800"/>
+            <a:ext cx="6096000" cy="3429000"/>
+          </a:xfrm>
+        </p:spPr>
+      </p:sp>
+      <p:sp>
+        <p:nvSpPr>
+          <p:cNvPr id="3" name="Notes Placeholder 2"/>
+          <p:cNvSpPr>
+            <a:spLocks noGrp="1"/>
+          </p:cNvSpPr>
+          <p:nvPr>
+            <p:ph type="body" idx="1"/>
+          </p:nvPr>
+        </p:nvSpPr>
+        <p:spPr/>
+        <p:txBody>
+          <a:bodyPr/>
+          <a:lstStyle/>
+          <a:p>
+            <a:r>
+              <a:rPr lang="en-US" dirty="0"/>
+              <a:t>- Include only positive kernels</a:t>
+            </a:r>
+          </a:p>
+        </p:txBody>
+      </p:sp>
+    </p:spTree>
+    <p:extLst>
+      <p:ext uri="{BB962C8B-B14F-4D97-AF65-F5344CB8AC3E}">
+        <p14:creationId xmlns:p14="http://schemas.microsoft.com/office/powerpoint/2010/main" val="699192064"/>
+      </p:ext>
+    </p:extLst>
+  </p:cSld>
+  <p:clrMapOvr>
+    <a:masterClrMapping/>
+  </p:clrMapOvr>
+</p:notes>
+</file>
+
+<file path=ppt/notesSlides/notesSlide23.xml><?xml version="1.0" encoding="utf-8"?>
+<p:notes xmlns:a="http://schemas.openxmlformats.org/drawingml/2006/main" xmlns:r="http://schemas.openxmlformats.org/officeDocument/2006/relationships" xmlns:p="http://schemas.openxmlformats.org/presentationml/2006/main">
+  <p:cSld>
+    <p:spTree>
+      <p:nvGrpSpPr>
+        <p:cNvPr id="1" name=""/>
+        <p:cNvGrpSpPr/>
+        <p:nvPr/>
+      </p:nvGrpSpPr>
+      <p:grpSpPr>
+        <a:xfrm>
+          <a:off x="0" y="0"/>
+          <a:ext cx="0" cy="0"/>
+          <a:chOff x="0" y="0"/>
+          <a:chExt cx="0" cy="0"/>
+        </a:xfrm>
+      </p:grpSpPr>
+      <p:sp>
+        <p:nvSpPr>
+          <p:cNvPr id="2" name="Slide Image Placeholder 1"/>
+          <p:cNvSpPr>
+            <a:spLocks noGrp="1" noRot="1" noChangeAspect="1"/>
+          </p:cNvSpPr>
+          <p:nvPr>
+            <p:ph type="sldImg"/>
+          </p:nvPr>
+        </p:nvSpPr>
+        <p:spPr>
+          <a:xfrm>
+            <a:off x="381000" y="685800"/>
+            <a:ext cx="6096000" cy="3429000"/>
+          </a:xfrm>
+        </p:spPr>
+      </p:sp>
+      <p:sp>
+        <p:nvSpPr>
+          <p:cNvPr id="3" name="Notes Placeholder 2"/>
+          <p:cNvSpPr>
+            <a:spLocks noGrp="1"/>
+          </p:cNvSpPr>
+          <p:nvPr>
+            <p:ph type="body" idx="1"/>
+          </p:nvPr>
+        </p:nvSpPr>
+        <p:spPr/>
+        <p:txBody>
+          <a:bodyPr/>
+          <a:lstStyle/>
+          <a:p>
+            <a:r>
+              <a:rPr lang="en-US" dirty="0"/>
+              <a:t>Include prior information</a:t>
+            </a:r>
+          </a:p>
+        </p:txBody>
+      </p:sp>
+    </p:spTree>
+    <p:extLst>
+      <p:ext uri="{BB962C8B-B14F-4D97-AF65-F5344CB8AC3E}">
+        <p14:creationId xmlns:p14="http://schemas.microsoft.com/office/powerpoint/2010/main" val="746142536"/>
+      </p:ext>
+    </p:extLst>
+  </p:cSld>
+  <p:clrMapOvr>
+    <a:masterClrMapping/>
+  </p:clrMapOvr>
+</p:notes>
+</file>
+
+<file path=ppt/notesSlides/notesSlide24.xml><?xml version="1.0" encoding="utf-8"?>
+<p:notes xmlns:a="http://schemas.openxmlformats.org/drawingml/2006/main" xmlns:r="http://schemas.openxmlformats.org/officeDocument/2006/relationships" xmlns:p="http://schemas.openxmlformats.org/presentationml/2006/main">
+  <p:cSld>
+    <p:spTree>
+      <p:nvGrpSpPr>
+        <p:cNvPr id="1" name=""/>
+        <p:cNvGrpSpPr/>
+        <p:nvPr/>
+      </p:nvGrpSpPr>
+      <p:grpSpPr>
+        <a:xfrm>
+          <a:off x="0" y="0"/>
+          <a:ext cx="0" cy="0"/>
+          <a:chOff x="0" y="0"/>
+          <a:chExt cx="0" cy="0"/>
+        </a:xfrm>
+      </p:grpSpPr>
+      <p:sp>
+        <p:nvSpPr>
+          <p:cNvPr id="229" name="Shape 229"/>
+          <p:cNvSpPr>
+            <a:spLocks noGrp="1" noRot="1" noChangeAspect="1"/>
+          </p:cNvSpPr>
+          <p:nvPr>
+            <p:ph type="sldImg"/>
+          </p:nvPr>
+        </p:nvSpPr>
+        <p:spPr>
+          <a:prstGeom prst="rect">
+            <a:avLst/>
+          </a:prstGeom>
+        </p:spPr>
+        <p:txBody>
+          <a:bodyPr/>
+          <a:lstStyle/>
+          <a:p>
             <a:endParaRPr/>
           </a:p>
         </p:txBody>
       </p:sp>
       <p:sp>
         <p:nvSpPr>
-          <p:cNvPr id="273" name="Shape 273"/>
+          <p:cNvPr id="230" name="Shape 230"/>
+          <p:cNvSpPr>
+            <a:spLocks noGrp="1"/>
+          </p:cNvSpPr>
+          <p:nvPr>
+            <p:ph type="body" sz="quarter" idx="1"/>
+          </p:nvPr>
+        </p:nvSpPr>
+        <p:spPr>
+          <a:prstGeom prst="rect">
+            <a:avLst/>
+          </a:prstGeom>
+        </p:spPr>
+        <p:txBody>
+          <a:bodyPr/>
+          <a:lstStyle/>
+          <a:p>
+            <a:r>
+              <a:t>Typically, we are not interested in deploying an online ML system.</a:t>
+            </a:r>
+          </a:p>
+          <a:p>
+            <a:r>
+              <a:t>We usually operate in a more controlled execution environment. (No end users)</a:t>
+            </a:r>
+          </a:p>
+          <a:p>
+            <a:r>
+              <a:t>We want the system to be reproducible.</a:t>
+            </a:r>
+          </a:p>
+        </p:txBody>
+      </p:sp>
+    </p:spTree>
+  </p:cSld>
+  <p:clrMapOvr>
+    <a:masterClrMapping/>
+  </p:clrMapOvr>
+</p:notes>
+</file>
+
+<file path=ppt/notesSlides/notesSlide25.xml><?xml version="1.0" encoding="utf-8"?>
+<p:notes xmlns:a="http://schemas.openxmlformats.org/drawingml/2006/main" xmlns:r="http://schemas.openxmlformats.org/officeDocument/2006/relationships" xmlns:p="http://schemas.openxmlformats.org/presentationml/2006/main">
+  <p:cSld>
+    <p:spTree>
+      <p:nvGrpSpPr>
+        <p:cNvPr id="1" name=""/>
+        <p:cNvGrpSpPr/>
+        <p:nvPr/>
+      </p:nvGrpSpPr>
+      <p:grpSpPr>
+        <a:xfrm>
+          <a:off x="0" y="0"/>
+          <a:ext cx="0" cy="0"/>
+          <a:chOff x="0" y="0"/>
+          <a:chExt cx="0" cy="0"/>
+        </a:xfrm>
+      </p:grpSpPr>
+      <p:sp>
+        <p:nvSpPr>
+          <p:cNvPr id="235" name="Shape 235"/>
+          <p:cNvSpPr>
+            <a:spLocks noGrp="1" noRot="1" noChangeAspect="1"/>
+          </p:cNvSpPr>
+          <p:nvPr>
+            <p:ph type="sldImg"/>
+          </p:nvPr>
+        </p:nvSpPr>
+        <p:spPr>
+          <a:prstGeom prst="rect">
+            <a:avLst/>
+          </a:prstGeom>
+        </p:spPr>
+        <p:txBody>
+          <a:bodyPr/>
+          <a:lstStyle/>
+          <a:p>
+            <a:endParaRPr/>
+          </a:p>
+        </p:txBody>
+      </p:sp>
+      <p:sp>
+        <p:nvSpPr>
+          <p:cNvPr id="236" name="Shape 236"/>
+          <p:cNvSpPr>
+            <a:spLocks noGrp="1"/>
+          </p:cNvSpPr>
+          <p:nvPr>
+            <p:ph type="body" sz="quarter" idx="1"/>
+          </p:nvPr>
+        </p:nvSpPr>
+        <p:spPr>
+          <a:prstGeom prst="rect">
+            <a:avLst/>
+          </a:prstGeom>
+        </p:spPr>
+        <p:txBody>
+          <a:bodyPr/>
+          <a:lstStyle/>
+          <a:p>
+            <a:r>
+              <a:t>ML reproducibility is not the first time that we come across issues with reproducing scientific results. A survey conducted in 2016 shows that in “hard” sciences, many fields struggle with reproducibility (this becomes worse in soft sciences).</a:t>
+            </a:r>
+          </a:p>
+        </p:txBody>
+      </p:sp>
+    </p:spTree>
+  </p:cSld>
+  <p:clrMapOvr>
+    <a:masterClrMapping/>
+  </p:clrMapOvr>
+</p:notes>
+</file>
+
+<file path=ppt/notesSlides/notesSlide26.xml><?xml version="1.0" encoding="utf-8"?>
+<p:notes xmlns:a="http://schemas.openxmlformats.org/drawingml/2006/main" xmlns:r="http://schemas.openxmlformats.org/officeDocument/2006/relationships" xmlns:p="http://schemas.openxmlformats.org/presentationml/2006/main">
+  <p:cSld>
+    <p:spTree>
+      <p:nvGrpSpPr>
+        <p:cNvPr id="1" name=""/>
+        <p:cNvGrpSpPr/>
+        <p:nvPr/>
+      </p:nvGrpSpPr>
+      <p:grpSpPr>
+        <a:xfrm>
+          <a:off x="0" y="0"/>
+          <a:ext cx="0" cy="0"/>
+          <a:chOff x="0" y="0"/>
+          <a:chExt cx="0" cy="0"/>
+        </a:xfrm>
+      </p:grpSpPr>
+      <p:sp>
+        <p:nvSpPr>
+          <p:cNvPr id="241" name="Shape 241"/>
+          <p:cNvSpPr>
+            <a:spLocks noGrp="1" noRot="1" noChangeAspect="1"/>
+          </p:cNvSpPr>
+          <p:nvPr>
+            <p:ph type="sldImg"/>
+          </p:nvPr>
+        </p:nvSpPr>
+        <p:spPr>
+          <a:prstGeom prst="rect">
+            <a:avLst/>
+          </a:prstGeom>
+        </p:spPr>
+        <p:txBody>
+          <a:bodyPr/>
+          <a:lstStyle/>
+          <a:p>
+            <a:endParaRPr/>
+          </a:p>
+        </p:txBody>
+      </p:sp>
+      <p:sp>
+        <p:nvSpPr>
+          <p:cNvPr id="242" name="Shape 242"/>
+          <p:cNvSpPr>
+            <a:spLocks noGrp="1"/>
+          </p:cNvSpPr>
+          <p:nvPr>
+            <p:ph type="body" sz="quarter" idx="1"/>
+          </p:nvPr>
+        </p:nvSpPr>
+        <p:spPr>
+          <a:prstGeom prst="rect">
+            <a:avLst/>
+          </a:prstGeom>
+        </p:spPr>
+        <p:txBody>
+          <a:bodyPr/>
+          <a:lstStyle/>
+          <a:p>
+            <a:r>
+              <a:t>An article in science magazine from 2018 looked at 400 articles from top journals / conferences and has found that:</a:t>
+            </a:r>
+          </a:p>
+          <a:p>
+            <a:endParaRPr/>
+          </a:p>
+          <a:p>
+            <a:r>
+              <a:t>- unable to reproduce cutting edge results - paper by goodman eventually retracted</a:t>
+            </a:r>
+          </a:p>
+          <a:p>
+            <a:pPr marL="279400" indent="-279400">
+              <a:buSzPct val="123000"/>
+              <a:buChar char="-"/>
+            </a:pPr>
+            <a:r>
+              <a:t>people don’t share their code - 2018 - 6% of authors shared codes in 400 algos</a:t>
+            </a:r>
+          </a:p>
+          <a:p>
+            <a:pPr marL="279400" indent="-279400">
+              <a:buSzPct val="123000"/>
+              <a:buChar char="-"/>
+            </a:pPr>
+            <a:r>
+              <a:t>Training data is not shared</a:t>
+            </a:r>
+          </a:p>
+          <a:p>
+            <a:pPr marL="279400" indent="-279400">
+              <a:buSzPct val="123000"/>
+              <a:buChar char="-"/>
+            </a:pPr>
+            <a:r>
+              <a:t>Sensitivity to hyperparameters</a:t>
+            </a:r>
+          </a:p>
+        </p:txBody>
+      </p:sp>
+    </p:spTree>
+  </p:cSld>
+  <p:clrMapOvr>
+    <a:masterClrMapping/>
+  </p:clrMapOvr>
+</p:notes>
+</file>
+
+<file path=ppt/notesSlides/notesSlide27.xml><?xml version="1.0" encoding="utf-8"?>
+<p:notes xmlns:a="http://schemas.openxmlformats.org/drawingml/2006/main" xmlns:r="http://schemas.openxmlformats.org/officeDocument/2006/relationships" xmlns:p="http://schemas.openxmlformats.org/presentationml/2006/main">
+  <p:cSld>
+    <p:spTree>
+      <p:nvGrpSpPr>
+        <p:cNvPr id="1" name=""/>
+        <p:cNvGrpSpPr/>
+        <p:nvPr/>
+      </p:nvGrpSpPr>
+      <p:grpSpPr>
+        <a:xfrm>
+          <a:off x="0" y="0"/>
+          <a:ext cx="0" cy="0"/>
+          <a:chOff x="0" y="0"/>
+          <a:chExt cx="0" cy="0"/>
+        </a:xfrm>
+      </p:grpSpPr>
+      <p:sp>
+        <p:nvSpPr>
+          <p:cNvPr id="247" name="Shape 247"/>
+          <p:cNvSpPr>
+            <a:spLocks noGrp="1" noRot="1" noChangeAspect="1"/>
+          </p:cNvSpPr>
+          <p:nvPr>
+            <p:ph type="sldImg"/>
+          </p:nvPr>
+        </p:nvSpPr>
+        <p:spPr>
+          <a:prstGeom prst="rect">
+            <a:avLst/>
+          </a:prstGeom>
+        </p:spPr>
+        <p:txBody>
+          <a:bodyPr/>
+          <a:lstStyle/>
+          <a:p>
+            <a:endParaRPr/>
+          </a:p>
+        </p:txBody>
+      </p:sp>
+      <p:sp>
+        <p:nvSpPr>
+          <p:cNvPr id="248" name="Shape 248"/>
+          <p:cNvSpPr>
+            <a:spLocks noGrp="1"/>
+          </p:cNvSpPr>
+          <p:nvPr>
+            <p:ph type="body" sz="quarter" idx="1"/>
+          </p:nvPr>
+        </p:nvSpPr>
+        <p:spPr>
+          <a:prstGeom prst="rect">
+            <a:avLst/>
+          </a:prstGeom>
+        </p:spPr>
+        <p:txBody>
+          <a:bodyPr/>
+          <a:lstStyle/>
+          <a:p>
+            <a:r>
+              <a:t>An article in science magazine from 2018 looked at 400 articles from top journals / conferences and has found that:</a:t>
+            </a:r>
+          </a:p>
+          <a:p>
+            <a:endParaRPr/>
+          </a:p>
+          <a:p>
+            <a:r>
+              <a:t>- unable to reproduce cutting edge results - paper by goodman eventually retracted</a:t>
+            </a:r>
+          </a:p>
+          <a:p>
+            <a:pPr marL="279400" indent="-279400">
+              <a:buSzPct val="123000"/>
+              <a:buChar char="-"/>
+            </a:pPr>
+            <a:r>
+              <a:t>people don’t share their code - 2018 - 6% of authors shared codes in 400 algos</a:t>
+            </a:r>
+          </a:p>
+          <a:p>
+            <a:pPr marL="279400" indent="-279400">
+              <a:buSzPct val="123000"/>
+              <a:buChar char="-"/>
+            </a:pPr>
+            <a:r>
+              <a:t>Training data is not shared</a:t>
+            </a:r>
+          </a:p>
+          <a:p>
+            <a:pPr marL="279400" indent="-279400">
+              <a:buSzPct val="123000"/>
+              <a:buChar char="-"/>
+            </a:pPr>
+            <a:r>
+              <a:t>Sensitivity to hyperparameters</a:t>
+            </a:r>
+          </a:p>
+        </p:txBody>
+      </p:sp>
+    </p:spTree>
+  </p:cSld>
+  <p:clrMapOvr>
+    <a:masterClrMapping/>
+  </p:clrMapOvr>
+</p:notes>
+</file>
+
+<file path=ppt/notesSlides/notesSlide28.xml><?xml version="1.0" encoding="utf-8"?>
+<p:notes xmlns:a="http://schemas.openxmlformats.org/drawingml/2006/main" xmlns:r="http://schemas.openxmlformats.org/officeDocument/2006/relationships" xmlns:p="http://schemas.openxmlformats.org/presentationml/2006/main">
+  <p:cSld>
+    <p:spTree>
+      <p:nvGrpSpPr>
+        <p:cNvPr id="1" name=""/>
+        <p:cNvGrpSpPr/>
+        <p:nvPr/>
+      </p:nvGrpSpPr>
+      <p:grpSpPr>
+        <a:xfrm>
+          <a:off x="0" y="0"/>
+          <a:ext cx="0" cy="0"/>
+          <a:chOff x="0" y="0"/>
+          <a:chExt cx="0" cy="0"/>
+        </a:xfrm>
+      </p:grpSpPr>
+      <p:sp>
+        <p:nvSpPr>
+          <p:cNvPr id="253" name="Shape 253"/>
+          <p:cNvSpPr>
+            <a:spLocks noGrp="1" noRot="1" noChangeAspect="1"/>
+          </p:cNvSpPr>
+          <p:nvPr>
+            <p:ph type="sldImg"/>
+          </p:nvPr>
+        </p:nvSpPr>
+        <p:spPr>
+          <a:prstGeom prst="rect">
+            <a:avLst/>
+          </a:prstGeom>
+        </p:spPr>
+        <p:txBody>
+          <a:bodyPr/>
+          <a:lstStyle/>
+          <a:p>
+            <a:endParaRPr/>
+          </a:p>
+        </p:txBody>
+      </p:sp>
+      <p:sp>
+        <p:nvSpPr>
+          <p:cNvPr id="254" name="Shape 254"/>
+          <p:cNvSpPr>
+            <a:spLocks noGrp="1"/>
+          </p:cNvSpPr>
+          <p:nvPr>
+            <p:ph type="body" sz="quarter" idx="1"/>
+          </p:nvPr>
+        </p:nvSpPr>
+        <p:spPr>
+          <a:prstGeom prst="rect">
+            <a:avLst/>
+          </a:prstGeom>
+        </p:spPr>
+        <p:txBody>
+          <a:bodyPr/>
+          <a:lstStyle/>
+          <a:p>
+            <a:r>
+              <a:t>An article in science magazine from 2018 looked at 400 articles from top journals / conferences and has found that:</a:t>
+            </a:r>
+          </a:p>
+          <a:p>
+            <a:endParaRPr/>
+          </a:p>
+          <a:p>
+            <a:r>
+              <a:t>- unable to reproduce cutting edge results - paper by goodman eventually retracted</a:t>
+            </a:r>
+          </a:p>
+          <a:p>
+            <a:pPr marL="279400" indent="-279400">
+              <a:buSzPct val="123000"/>
+              <a:buChar char="-"/>
+            </a:pPr>
+            <a:r>
+              <a:t>people don’t share their code - 2018 - 6% of authors shared codes in 400 algos</a:t>
+            </a:r>
+          </a:p>
+          <a:p>
+            <a:pPr marL="279400" indent="-279400">
+              <a:buSzPct val="123000"/>
+              <a:buChar char="-"/>
+            </a:pPr>
+            <a:r>
+              <a:t>Training data is not shared</a:t>
+            </a:r>
+          </a:p>
+          <a:p>
+            <a:pPr marL="279400" indent="-279400">
+              <a:buSzPct val="123000"/>
+              <a:buChar char="-"/>
+            </a:pPr>
+            <a:r>
+              <a:t>Sensitivity to hyperparameters</a:t>
+            </a:r>
+          </a:p>
+        </p:txBody>
+      </p:sp>
+    </p:spTree>
+  </p:cSld>
+  <p:clrMapOvr>
+    <a:masterClrMapping/>
+  </p:clrMapOvr>
+</p:notes>
+</file>
+
+<file path=ppt/notesSlides/notesSlide29.xml><?xml version="1.0" encoding="utf-8"?>
+<p:notes xmlns:a="http://schemas.openxmlformats.org/drawingml/2006/main" xmlns:r="http://schemas.openxmlformats.org/officeDocument/2006/relationships" xmlns:p="http://schemas.openxmlformats.org/presentationml/2006/main">
+  <p:cSld>
+    <p:spTree>
+      <p:nvGrpSpPr>
+        <p:cNvPr id="1" name=""/>
+        <p:cNvGrpSpPr/>
+        <p:nvPr/>
+      </p:nvGrpSpPr>
+      <p:grpSpPr>
+        <a:xfrm>
+          <a:off x="0" y="0"/>
+          <a:ext cx="0" cy="0"/>
+          <a:chOff x="0" y="0"/>
+          <a:chExt cx="0" cy="0"/>
+        </a:xfrm>
+      </p:grpSpPr>
+      <p:sp>
+        <p:nvSpPr>
+          <p:cNvPr id="259" name="Shape 259"/>
+          <p:cNvSpPr>
+            <a:spLocks noGrp="1" noRot="1" noChangeAspect="1"/>
+          </p:cNvSpPr>
+          <p:nvPr>
+            <p:ph type="sldImg"/>
+          </p:nvPr>
+        </p:nvSpPr>
+        <p:spPr>
+          <a:prstGeom prst="rect">
+            <a:avLst/>
+          </a:prstGeom>
+        </p:spPr>
+        <p:txBody>
+          <a:bodyPr/>
+          <a:lstStyle/>
+          <a:p>
+            <a:endParaRPr/>
+          </a:p>
+        </p:txBody>
+      </p:sp>
+      <p:sp>
+        <p:nvSpPr>
+          <p:cNvPr id="260" name="Shape 260"/>
           <p:cNvSpPr>
             <a:spLocks noGrp="1"/>
           </p:cNvSpPr>
@@ -1898,6 +2516,222 @@
         <p14:creationId xmlns:p14="http://schemas.microsoft.com/office/powerpoint/2010/main" val="3679044311"/>
       </p:ext>
     </p:extLst>
+  </p:cSld>
+  <p:clrMapOvr>
+    <a:masterClrMapping/>
+  </p:clrMapOvr>
+</p:notes>
+</file>
+
+<file path=ppt/notesSlides/notesSlide30.xml><?xml version="1.0" encoding="utf-8"?>
+<p:notes xmlns:a="http://schemas.openxmlformats.org/drawingml/2006/main" xmlns:r="http://schemas.openxmlformats.org/officeDocument/2006/relationships" xmlns:p="http://schemas.openxmlformats.org/presentationml/2006/main">
+  <p:cSld>
+    <p:spTree>
+      <p:nvGrpSpPr>
+        <p:cNvPr id="1" name=""/>
+        <p:cNvGrpSpPr/>
+        <p:nvPr/>
+      </p:nvGrpSpPr>
+      <p:grpSpPr>
+        <a:xfrm>
+          <a:off x="0" y="0"/>
+          <a:ext cx="0" cy="0"/>
+          <a:chOff x="0" y="0"/>
+          <a:chExt cx="0" cy="0"/>
+        </a:xfrm>
+      </p:grpSpPr>
+      <p:sp>
+        <p:nvSpPr>
+          <p:cNvPr id="265" name="Shape 265"/>
+          <p:cNvSpPr>
+            <a:spLocks noGrp="1" noRot="1" noChangeAspect="1"/>
+          </p:cNvSpPr>
+          <p:nvPr>
+            <p:ph type="sldImg"/>
+          </p:nvPr>
+        </p:nvSpPr>
+        <p:spPr>
+          <a:prstGeom prst="rect">
+            <a:avLst/>
+          </a:prstGeom>
+        </p:spPr>
+        <p:txBody>
+          <a:bodyPr/>
+          <a:lstStyle/>
+          <a:p>
+            <a:endParaRPr/>
+          </a:p>
+        </p:txBody>
+      </p:sp>
+      <p:sp>
+        <p:nvSpPr>
+          <p:cNvPr id="266" name="Shape 266"/>
+          <p:cNvSpPr>
+            <a:spLocks noGrp="1"/>
+          </p:cNvSpPr>
+          <p:nvPr>
+            <p:ph type="body" sz="quarter" idx="1"/>
+          </p:nvPr>
+        </p:nvSpPr>
+        <p:spPr>
+          <a:prstGeom prst="rect">
+            <a:avLst/>
+          </a:prstGeom>
+        </p:spPr>
+        <p:txBody>
+          <a:bodyPr/>
+          <a:lstStyle/>
+          <a:p>
+            <a:r>
+              <a:t>An article in science magazine from 2018 looked at 400 articles from top journals / conferences and has found that:</a:t>
+            </a:r>
+          </a:p>
+          <a:p>
+            <a:endParaRPr/>
+          </a:p>
+          <a:p>
+            <a:r>
+              <a:t>- unable to reproduce cutting edge results - paper by goodman eventually retracted</a:t>
+            </a:r>
+          </a:p>
+          <a:p>
+            <a:pPr marL="279400" indent="-279400">
+              <a:buSzPct val="123000"/>
+              <a:buChar char="-"/>
+            </a:pPr>
+            <a:r>
+              <a:t>people don’t share their code - 2018 - 6% of authors shared codes in 400 algos</a:t>
+            </a:r>
+          </a:p>
+          <a:p>
+            <a:pPr marL="279400" indent="-279400">
+              <a:buSzPct val="123000"/>
+              <a:buChar char="-"/>
+            </a:pPr>
+            <a:r>
+              <a:t>Training data is not shared</a:t>
+            </a:r>
+          </a:p>
+          <a:p>
+            <a:pPr marL="279400" indent="-279400">
+              <a:buSzPct val="123000"/>
+              <a:buChar char="-"/>
+            </a:pPr>
+            <a:r>
+              <a:t>Sensitivity to hyperparameters</a:t>
+            </a:r>
+          </a:p>
+        </p:txBody>
+      </p:sp>
+    </p:spTree>
+  </p:cSld>
+  <p:clrMapOvr>
+    <a:masterClrMapping/>
+  </p:clrMapOvr>
+</p:notes>
+</file>
+
+<file path=ppt/notesSlides/notesSlide31.xml><?xml version="1.0" encoding="utf-8"?>
+<p:notes xmlns:a="http://schemas.openxmlformats.org/drawingml/2006/main" xmlns:r="http://schemas.openxmlformats.org/officeDocument/2006/relationships" xmlns:p="http://schemas.openxmlformats.org/presentationml/2006/main">
+  <p:cSld>
+    <p:spTree>
+      <p:nvGrpSpPr>
+        <p:cNvPr id="1" name=""/>
+        <p:cNvGrpSpPr/>
+        <p:nvPr/>
+      </p:nvGrpSpPr>
+      <p:grpSpPr>
+        <a:xfrm>
+          <a:off x="0" y="0"/>
+          <a:ext cx="0" cy="0"/>
+          <a:chOff x="0" y="0"/>
+          <a:chExt cx="0" cy="0"/>
+        </a:xfrm>
+      </p:grpSpPr>
+      <p:sp>
+        <p:nvSpPr>
+          <p:cNvPr id="272" name="Shape 272"/>
+          <p:cNvSpPr>
+            <a:spLocks noGrp="1" noRot="1" noChangeAspect="1"/>
+          </p:cNvSpPr>
+          <p:nvPr>
+            <p:ph type="sldImg"/>
+          </p:nvPr>
+        </p:nvSpPr>
+        <p:spPr>
+          <a:prstGeom prst="rect">
+            <a:avLst/>
+          </a:prstGeom>
+        </p:spPr>
+        <p:txBody>
+          <a:bodyPr/>
+          <a:lstStyle/>
+          <a:p>
+            <a:endParaRPr/>
+          </a:p>
+        </p:txBody>
+      </p:sp>
+      <p:sp>
+        <p:nvSpPr>
+          <p:cNvPr id="273" name="Shape 273"/>
+          <p:cNvSpPr>
+            <a:spLocks noGrp="1"/>
+          </p:cNvSpPr>
+          <p:nvPr>
+            <p:ph type="body" sz="quarter" idx="1"/>
+          </p:nvPr>
+        </p:nvSpPr>
+        <p:spPr>
+          <a:prstGeom prst="rect">
+            <a:avLst/>
+          </a:prstGeom>
+        </p:spPr>
+        <p:txBody>
+          <a:bodyPr/>
+          <a:lstStyle/>
+          <a:p>
+            <a:r>
+              <a:t>An article in science magazine from 2018 looked at 400 articles from top journals / conferences and has found that:</a:t>
+            </a:r>
+          </a:p>
+          <a:p>
+            <a:endParaRPr/>
+          </a:p>
+          <a:p>
+            <a:r>
+              <a:t>- unable to reproduce cutting edge results - paper by goodman eventually retracted</a:t>
+            </a:r>
+          </a:p>
+          <a:p>
+            <a:pPr marL="279400" indent="-279400">
+              <a:buSzPct val="123000"/>
+              <a:buChar char="-"/>
+            </a:pPr>
+            <a:r>
+              <a:t>people don’t share their code - 2018 - 6% of authors shared codes in 400 algos</a:t>
+            </a:r>
+          </a:p>
+          <a:p>
+            <a:pPr marL="279400" indent="-279400">
+              <a:buSzPct val="123000"/>
+              <a:buChar char="-"/>
+            </a:pPr>
+            <a:r>
+              <a:t>Training data is not shared</a:t>
+            </a:r>
+          </a:p>
+          <a:p>
+            <a:pPr marL="279400" indent="-279400">
+              <a:buSzPct val="123000"/>
+              <a:buChar char="-"/>
+            </a:pPr>
+            <a:r>
+              <a:t>Sensitivity to hyperparameters</a:t>
+            </a:r>
+          </a:p>
+        </p:txBody>
+      </p:sp>
+    </p:spTree>
   </p:cSld>
   <p:clrMapOvr>
     <a:masterClrMapping/>
@@ -7836,8 +8670,10 @@
           </a:lstStyle>
           <a:p>
             <a:r>
-              <a:t>Difference between scientific ML and industry ML </a:t>
-            </a:r>
+              <a:rPr lang="en-US" dirty="0"/>
+              <a:t>Limitations of using ML in science</a:t>
+            </a:r>
+            <a:endParaRPr dirty="0"/>
           </a:p>
         </p:txBody>
       </p:sp>
@@ -7881,7 +8717,7 @@
         </p:spPr>
         <p:txBody>
           <a:bodyPr>
-            <a:normAutofit/>
+            <a:normAutofit lnSpcReduction="10000"/>
           </a:bodyPr>
           <a:lstStyle/>
           <a:p>
@@ -7897,8 +8733,8 @@
               <a:defRPr sz="1100"/>
             </a:pPr>
             <a:r>
-              <a:rPr sz="4000" dirty="0"/>
-              <a:t>Difference between scientific problems and traditional ml problems</a:t>
+              <a:rPr lang="en-US" sz="4000" dirty="0"/>
+              <a:t>Inconsistency with physical laws </a:t>
             </a:r>
           </a:p>
           <a:p>
@@ -7914,8 +8750,8 @@
               <a:defRPr sz="1100"/>
             </a:pPr>
             <a:r>
-              <a:rPr sz="4000" dirty="0"/>
-              <a:t> 	- why data augmentation is not enough</a:t>
+              <a:rPr lang="en-US" sz="4000" dirty="0"/>
+              <a:t>	Results which are obviously wrong that can lead to bad results, crash the system</a:t>
             </a:r>
           </a:p>
           <a:p>
@@ -7930,9 +8766,167 @@
               <a:buNone/>
               <a:defRPr sz="1100"/>
             </a:pPr>
-            <a:r>
-              <a:rPr sz="4000" dirty="0"/>
-              <a:t>Certainty and domain knowledge — example between translation and physics</a:t>
+            <a:endParaRPr lang="en-US" sz="4000" dirty="0"/>
+          </a:p>
+          <a:p>
+            <a:pPr marL="0" indent="0" defTabSz="457200">
+              <a:lnSpc>
+                <a:spcPct val="100000"/>
+              </a:lnSpc>
+              <a:spcBef>
+                <a:spcPts val="0"/>
+              </a:spcBef>
+              <a:buSzTx/>
+              <a:buNone/>
+              <a:defRPr sz="1100"/>
+            </a:pPr>
+            <a:r>
+              <a:rPr lang="en-US" sz="4000" dirty="0"/>
+              <a:t>Lack of theoretical guarantees do not inspire confidence </a:t>
+            </a:r>
+          </a:p>
+          <a:p>
+            <a:pPr marL="0" indent="0" defTabSz="457200">
+              <a:lnSpc>
+                <a:spcPct val="100000"/>
+              </a:lnSpc>
+              <a:spcBef>
+                <a:spcPts val="0"/>
+              </a:spcBef>
+              <a:buSzTx/>
+              <a:buNone/>
+              <a:defRPr sz="1100"/>
+            </a:pPr>
+            <a:r>
+              <a:rPr lang="en-US" sz="4000" dirty="0"/>
+              <a:t>	Interpolation versus extrapolation</a:t>
+            </a:r>
+          </a:p>
+          <a:p>
+            <a:pPr marL="0" indent="0" defTabSz="457200">
+              <a:lnSpc>
+                <a:spcPct val="100000"/>
+              </a:lnSpc>
+              <a:spcBef>
+                <a:spcPts val="0"/>
+              </a:spcBef>
+              <a:buSzTx/>
+              <a:buNone/>
+              <a:defRPr sz="1100"/>
+            </a:pPr>
+            <a:endParaRPr lang="en-US" sz="4000" dirty="0"/>
+          </a:p>
+          <a:p>
+            <a:pPr marL="0" indent="0" defTabSz="457200">
+              <a:lnSpc>
+                <a:spcPct val="100000"/>
+              </a:lnSpc>
+              <a:spcBef>
+                <a:spcPts val="0"/>
+              </a:spcBef>
+              <a:buSzTx/>
+              <a:buNone/>
+              <a:defRPr sz="1100"/>
+            </a:pPr>
+            <a:endParaRPr lang="en-US" sz="4000" dirty="0"/>
+          </a:p>
+          <a:p>
+            <a:pPr marL="0" indent="0" defTabSz="457200">
+              <a:lnSpc>
+                <a:spcPct val="100000"/>
+              </a:lnSpc>
+              <a:spcBef>
+                <a:spcPts val="0"/>
+              </a:spcBef>
+              <a:buSzTx/>
+              <a:buNone/>
+              <a:defRPr sz="1100"/>
+            </a:pPr>
+            <a:r>
+              <a:rPr lang="en-US" sz="4000" dirty="0"/>
+              <a:t>Cool proof-of-concept projects, but a lot to be done to live up to the hype</a:t>
+            </a:r>
+          </a:p>
+          <a:p>
+            <a:pPr marL="0" indent="0" defTabSz="457200">
+              <a:lnSpc>
+                <a:spcPct val="100000"/>
+              </a:lnSpc>
+              <a:spcBef>
+                <a:spcPts val="0"/>
+              </a:spcBef>
+              <a:buSzTx/>
+              <a:buNone/>
+              <a:defRPr sz="1100"/>
+            </a:pPr>
+            <a:endParaRPr lang="en-US" sz="4000" dirty="0"/>
+          </a:p>
+          <a:p>
+            <a:pPr marL="0" indent="0" defTabSz="457200">
+              <a:lnSpc>
+                <a:spcPct val="100000"/>
+              </a:lnSpc>
+              <a:spcBef>
+                <a:spcPts val="0"/>
+              </a:spcBef>
+              <a:buSzTx/>
+              <a:buNone/>
+              <a:defRPr sz="1100"/>
+            </a:pPr>
+            <a:r>
+              <a:rPr lang="en-US" sz="4000" dirty="0"/>
+              <a:t>Applications in science are stringent:</a:t>
+            </a:r>
+          </a:p>
+          <a:p>
+            <a:pPr marL="0" indent="0" defTabSz="457200">
+              <a:lnSpc>
+                <a:spcPct val="100000"/>
+              </a:lnSpc>
+              <a:spcBef>
+                <a:spcPts val="0"/>
+              </a:spcBef>
+              <a:buSzTx/>
+              <a:buNone/>
+              <a:defRPr sz="1100"/>
+            </a:pPr>
+            <a:r>
+              <a:rPr lang="en-US" sz="4000" dirty="0"/>
+              <a:t>	- very good defined notion of what is wrong</a:t>
+            </a:r>
+          </a:p>
+          <a:p>
+            <a:pPr marL="0" indent="0" defTabSz="457200">
+              <a:lnSpc>
+                <a:spcPct val="100000"/>
+              </a:lnSpc>
+              <a:spcBef>
+                <a:spcPts val="0"/>
+              </a:spcBef>
+              <a:buSzTx/>
+              <a:buNone/>
+              <a:defRPr sz="1100"/>
+            </a:pPr>
+            <a:r>
+              <a:rPr lang="en-US" sz="4000" dirty="0"/>
+              <a:t>	- traditional applications of machine learning are more forgiving (e.g.: machine translation)</a:t>
+            </a:r>
+          </a:p>
+          <a:p>
+            <a:pPr marL="0" indent="0" defTabSz="457200">
+              <a:lnSpc>
+                <a:spcPct val="100000"/>
+              </a:lnSpc>
+              <a:spcBef>
+                <a:spcPts val="0"/>
+              </a:spcBef>
+              <a:buSzTx/>
+              <a:buNone/>
+              <a:defRPr sz="1100"/>
+            </a:pPr>
+            <a:r>
+              <a:rPr lang="en-US" sz="4000" dirty="0"/>
+              <a:t>	- using scientific problems to test machine learning models opens doors to think about how to better make models</a:t>
             </a:r>
           </a:p>
         </p:txBody>
@@ -8037,6 +9031,7 @@
               <a:defRPr sz="3024"/>
             </a:pPr>
             <a:r>
+              <a:rPr dirty="0"/>
               <a:t>Agenda:</a:t>
             </a:r>
           </a:p>
@@ -8048,7 +9043,16 @@
               <a:defRPr sz="3024"/>
             </a:pPr>
             <a:r>
-              <a:t>Introduction — 15 minutes — general description, motivation, who are we, etc…</a:t>
+              <a:rPr dirty="0"/>
+              <a:t>Introduction — 15 minutes — general description, motivation, who are we, </a:t>
+            </a:r>
+            <a:r>
+              <a:rPr dirty="0" err="1"/>
+              <a:t>etc</a:t>
+            </a:r>
+            <a:r>
+              <a:rPr dirty="0"/>
+              <a:t>…</a:t>
             </a:r>
           </a:p>
           <a:p>
@@ -8059,7 +9063,16 @@
               <a:defRPr sz="3024"/>
             </a:pPr>
             <a:r>
-              <a:t>Scientific machine learning — what is it, what’s the point / Incorporating physics contraints — review, why do we do it, different ways to do it — 75 minutes</a:t>
+              <a:rPr dirty="0"/>
+              <a:t>Scientific machine learning — what is it, what’s the point / Incorporating physics </a:t>
+            </a:r>
+            <a:r>
+              <a:rPr dirty="0" err="1"/>
+              <a:t>contraints</a:t>
+            </a:r>
+            <a:r>
+              <a:rPr dirty="0"/>
+              <a:t> — review, why do we do it, different ways to do it — 75 minutes</a:t>
             </a:r>
           </a:p>
           <a:p>
@@ -8070,6 +9083,7 @@
               <a:defRPr sz="3024"/>
             </a:pPr>
             <a:r>
+              <a:rPr dirty="0"/>
               <a:t>Break — 30 minutes</a:t>
             </a:r>
           </a:p>
@@ -8081,7 +9095,16 @@
               <a:defRPr sz="3024"/>
             </a:pPr>
             <a:r>
-              <a:t>Reproducibility in ML — what are we talking about,  reproducibility, research results, what is important, etc — 90 minutes </a:t>
+              <a:rPr dirty="0"/>
+              <a:t>Reproducibility in ML — what are we talking about,  reproducibility, research results, what is important, </a:t>
+            </a:r>
+            <a:r>
+              <a:rPr dirty="0" err="1"/>
+              <a:t>etc</a:t>
+            </a:r>
+            <a:r>
+              <a:rPr dirty="0"/>
+              <a:t> — 90 minutes </a:t>
             </a:r>
           </a:p>
           <a:p>
@@ -8091,7 +9114,7 @@
               </a:spcBef>
               <a:defRPr sz="3024"/>
             </a:pPr>
-            <a:endParaRPr/>
+            <a:endParaRPr dirty="0"/>
           </a:p>
           <a:p>
             <a:pPr marL="768095" lvl="1" indent="-384047" defTabSz="1536153">
@@ -8101,6 +9124,7 @@
               <a:defRPr sz="3024"/>
             </a:pPr>
             <a:r>
+              <a:rPr dirty="0"/>
               <a:t>pipeline — different tools  — 30 minutes</a:t>
             </a:r>
           </a:p>
@@ -8112,6 +9136,7 @@
               <a:defRPr sz="3024"/>
             </a:pPr>
             <a:r>
+              <a:rPr dirty="0"/>
               <a:t>Presenting dataset 30minutes</a:t>
             </a:r>
           </a:p>
@@ -8123,7 +9148,20 @@
               <a:defRPr sz="3024"/>
             </a:pPr>
             <a:r>
-              <a:t>Costumizing loss functions in Keras — 30 minutes</a:t>
+              <a:rPr dirty="0" err="1"/>
+              <a:t>Costumizing</a:t>
+            </a:r>
+            <a:r>
+              <a:rPr dirty="0"/>
+              <a:t> loss functions in </a:t>
+            </a:r>
+            <a:r>
+              <a:rPr dirty="0" err="1"/>
+              <a:t>Keras</a:t>
+            </a:r>
+            <a:r>
+              <a:rPr dirty="0"/>
+              <a:t> — 30 minutes</a:t>
             </a:r>
           </a:p>
           <a:p>
@@ -8134,6 +9172,7 @@
               <a:defRPr sz="3024"/>
             </a:pPr>
             <a:r>
+              <a:rPr dirty="0"/>
               <a:t>Using a established framework  — 30 minutes</a:t>
             </a:r>
           </a:p>
@@ -8233,25 +9272,20 @@
           <a:lstStyle/>
           <a:p>
             <a:r>
-              <a:t>Definition </a:t>
-            </a:r>
-          </a:p>
-          <a:p>
-            <a:pPr marL="0" indent="0">
-              <a:buSzTx/>
-              <a:buNone/>
-            </a:pPr>
-            <a:r>
-              <a:t>why? Simplify the learning problem, convincing people that the method is robust</a:t>
-            </a:r>
-          </a:p>
-          <a:p>
-            <a:pPr marL="0" indent="0">
-              <a:buSzTx/>
-              <a:buNone/>
-            </a:pPr>
-            <a:r>
-              <a:t>	- provability of the method — hard constraint / soft constraint</a:t>
+              <a:rPr lang="en-US" dirty="0"/>
+              <a:t>Respecting the constraints of the problem</a:t>
+            </a:r>
+          </a:p>
+          <a:p>
+            <a:r>
+              <a:rPr lang="en-US" dirty="0"/>
+              <a:t>Theoretical guarantees</a:t>
+            </a:r>
+          </a:p>
+          <a:p>
+            <a:r>
+              <a:rPr lang="en-US" dirty="0"/>
+              <a:t>Reducing the space of models in which we are searching</a:t>
             </a:r>
           </a:p>
         </p:txBody>
@@ -8284,7 +9318,7 @@
       </p:grpSpPr>
       <p:sp>
         <p:nvSpPr>
-          <p:cNvPr id="195" name="Incorporating domain knowledge"/>
+          <p:cNvPr id="191" name="Incorporating domain knowledge"/>
           <p:cNvSpPr txBox="1">
             <a:spLocks noGrp="1"/>
           </p:cNvSpPr>
@@ -8309,7 +9343,7 @@
       </p:sp>
       <p:sp>
         <p:nvSpPr>
-          <p:cNvPr id="196" name="Slide Subtitle"/>
+          <p:cNvPr id="192" name="Slide Subtitle"/>
           <p:cNvSpPr txBox="1">
             <a:spLocks noGrp="1"/>
           </p:cNvSpPr>
@@ -8323,104 +9357,69 @@
           </a:prstGeom>
         </p:spPr>
         <p:txBody>
+          <a:bodyPr>
+            <a:normAutofit/>
+          </a:bodyPr>
+          <a:lstStyle/>
+          <a:p>
+            <a:r>
+              <a:rPr lang="en-US" dirty="0"/>
+              <a:t>Soft-constraint vs hard-constraint // invariance vs equivariance</a:t>
+            </a:r>
+            <a:endParaRPr dirty="0"/>
+          </a:p>
+        </p:txBody>
+      </p:sp>
+      <p:sp>
+        <p:nvSpPr>
+          <p:cNvPr id="193" name="Definition…"/>
+          <p:cNvSpPr txBox="1">
+            <a:spLocks noGrp="1"/>
+          </p:cNvSpPr>
+          <p:nvPr>
+            <p:ph type="body" idx="1"/>
+          </p:nvPr>
+        </p:nvSpPr>
+        <p:spPr>
+          <a:prstGeom prst="rect">
+            <a:avLst/>
+          </a:prstGeom>
+        </p:spPr>
+        <p:txBody>
           <a:bodyPr/>
           <a:lstStyle/>
           <a:p>
-            <a:endParaRPr/>
-          </a:p>
-        </p:txBody>
-      </p:sp>
-      <p:sp>
-        <p:nvSpPr>
-          <p:cNvPr id="197" name="bayesian framework: prior information…"/>
-          <p:cNvSpPr txBox="1">
-            <a:spLocks noGrp="1"/>
-          </p:cNvSpPr>
-          <p:nvPr>
-            <p:ph type="body" idx="1"/>
-          </p:nvPr>
-        </p:nvSpPr>
-        <p:spPr>
-          <a:prstGeom prst="rect">
-            <a:avLst/>
-          </a:prstGeom>
-        </p:spPr>
-        <p:txBody>
-          <a:bodyPr/>
-          <a:lstStyle/>
-          <a:p>
-            <a:pPr marL="0" indent="0">
-              <a:buSzTx/>
-              <a:buNone/>
-              <a:defRPr sz="3000"/>
-            </a:pPr>
-            <a:r>
-              <a:t>bayesian framework: prior information</a:t>
-            </a:r>
-          </a:p>
-          <a:p>
-            <a:pPr marL="0" indent="0">
-              <a:buSzTx/>
-              <a:buNone/>
-              <a:defRPr sz="3000"/>
-            </a:pPr>
-            <a:r>
-              <a:t>	- neural networks:</a:t>
-            </a:r>
-          </a:p>
-          <a:p>
-            <a:pPr marL="0" indent="0">
-              <a:buSzTx/>
-              <a:buNone/>
-              <a:defRPr sz="3000"/>
-            </a:pPr>
-            <a:r>
-              <a:t>		- loss function</a:t>
-            </a:r>
-          </a:p>
-          <a:p>
-            <a:pPr marL="0" indent="0">
-              <a:buSzTx/>
-              <a:buNone/>
-              <a:defRPr sz="3000"/>
-            </a:pPr>
-            <a:r>
-              <a:t>		- encoding it in the structure of the neural network </a:t>
-            </a:r>
-          </a:p>
-          <a:p>
-            <a:pPr marL="0" indent="0">
-              <a:buSzTx/>
-              <a:buNone/>
-              <a:defRPr sz="3000"/>
-            </a:pPr>
-            <a:r>
-              <a:t>		- ad hoc solutions</a:t>
-            </a:r>
-          </a:p>
-          <a:p>
-            <a:pPr marL="0" indent="0">
-              <a:buSzTx/>
-              <a:buNone/>
-              <a:defRPr sz="3000"/>
-            </a:pPr>
-            <a:r>
-              <a:t>	- physics guided initialization </a:t>
-            </a:r>
-          </a:p>
-          <a:p>
-            <a:pPr marL="0" indent="0">
-              <a:buSzTx/>
-              <a:buNone/>
-              <a:defRPr sz="3000"/>
-            </a:pPr>
-            <a:r>
-              <a:t>	- gaussian processes </a:t>
-            </a:r>
+            <a:r>
+              <a:rPr lang="en-US" dirty="0"/>
+              <a:t>A soft-constraint is some awareness of the constraint, but it’s not not guaranteed to be always respected</a:t>
+            </a:r>
+          </a:p>
+          <a:p>
+            <a:r>
+              <a:rPr lang="en-US" dirty="0"/>
+              <a:t>A hard-constraint gives the guarantee that the constraint is respected</a:t>
+            </a:r>
+          </a:p>
+          <a:p>
+            <a:pPr lvl="1"/>
+            <a:r>
+              <a:rPr lang="en-US" i="1" dirty="0"/>
+              <a:t>Typically</a:t>
+            </a:r>
+            <a:r>
+              <a:rPr lang="en-US" dirty="0"/>
+              <a:t>, a soft-constraint is easier to include, and degrades the performance less</a:t>
+            </a:r>
+            <a:endParaRPr dirty="0"/>
           </a:p>
         </p:txBody>
       </p:sp>
     </p:spTree>
+    <p:extLst>
+      <p:ext uri="{BB962C8B-B14F-4D97-AF65-F5344CB8AC3E}">
+        <p14:creationId xmlns:p14="http://schemas.microsoft.com/office/powerpoint/2010/main" val="1762800534"/>
+      </p:ext>
+    </p:extLst>
   </p:cSld>
   <p:clrMapOvr>
     <a:masterClrMapping/>
@@ -8448,11 +9447,36 @@
       </p:grpSpPr>
       <p:sp>
         <p:nvSpPr>
-          <p:cNvPr id="199" name="Author and Date"/>
+          <p:cNvPr id="191" name="Incorporating domain knowledge"/>
           <p:cNvSpPr txBox="1">
             <a:spLocks noGrp="1"/>
           </p:cNvSpPr>
           <p:nvPr>
+            <p:ph type="title"/>
+          </p:nvPr>
+        </p:nvSpPr>
+        <p:spPr>
+          <a:prstGeom prst="rect">
+            <a:avLst/>
+          </a:prstGeom>
+        </p:spPr>
+        <p:txBody>
+          <a:bodyPr/>
+          <a:lstStyle/>
+          <a:p>
+            <a:r>
+              <a:t>Incorporating domain knowledge </a:t>
+            </a:r>
+          </a:p>
+        </p:txBody>
+      </p:sp>
+      <p:sp>
+        <p:nvSpPr>
+          <p:cNvPr id="192" name="Slide Subtitle"/>
+          <p:cNvSpPr txBox="1">
+            <a:spLocks noGrp="1"/>
+          </p:cNvSpPr>
+          <p:nvPr>
             <p:ph type="body" idx="21"/>
           </p:nvPr>
         </p:nvSpPr>
@@ -8463,22 +9487,26 @@
         </p:spPr>
         <p:txBody>
           <a:bodyPr>
-            <a:normAutofit lnSpcReduction="10000"/>
+            <a:normAutofit/>
           </a:bodyPr>
           <a:lstStyle/>
           <a:p>
-            <a:endParaRPr/>
-          </a:p>
-        </p:txBody>
-      </p:sp>
-      <p:sp>
-        <p:nvSpPr>
-          <p:cNvPr id="200" name="Reproducibility in (Scientific) Machine Learning"/>
+            <a:r>
+              <a:rPr lang="en-US" dirty="0"/>
+              <a:t>Soft-constraint vs hard-constraint // invariance vs equivariance</a:t>
+            </a:r>
+            <a:endParaRPr dirty="0"/>
+          </a:p>
+        </p:txBody>
+      </p:sp>
+      <p:sp>
+        <p:nvSpPr>
+          <p:cNvPr id="193" name="Definition…"/>
           <p:cNvSpPr txBox="1">
             <a:spLocks noGrp="1"/>
           </p:cNvSpPr>
           <p:nvPr>
-            <p:ph type="ctrTitle"/>
+            <p:ph type="body" idx="1"/>
           </p:nvPr>
         </p:nvSpPr>
         <p:spPr>
@@ -8491,35 +9519,43 @@
           <a:lstStyle/>
           <a:p>
             <a:r>
-              <a:t>Reproducibility in (Scientific) Machine Learning</a:t>
-            </a:r>
-          </a:p>
-        </p:txBody>
-      </p:sp>
-      <p:sp>
-        <p:nvSpPr>
-          <p:cNvPr id="201" name="Presentation Subtitle"/>
-          <p:cNvSpPr txBox="1">
-            <a:spLocks noGrp="1"/>
-          </p:cNvSpPr>
-          <p:nvPr>
-            <p:ph type="subTitle" sz="quarter" idx="1"/>
-          </p:nvPr>
-        </p:nvSpPr>
-        <p:spPr>
-          <a:prstGeom prst="rect">
-            <a:avLst/>
-          </a:prstGeom>
-        </p:spPr>
-        <p:txBody>
-          <a:bodyPr/>
-          <a:lstStyle/>
-          <a:p>
-            <a:endParaRPr/>
+              <a:rPr lang="en-US" dirty="0"/>
+              <a:t>Function invariance is a function whose output will not change with respect to the invariant property.</a:t>
+            </a:r>
+          </a:p>
+          <a:p>
+            <a:pPr lvl="1"/>
+            <a:r>
+              <a:rPr lang="en-US" dirty="0"/>
+              <a:t>E.g.:  Laplacian operator is rotation invariant</a:t>
+            </a:r>
+          </a:p>
+          <a:p>
+            <a:pPr lvl="1"/>
+            <a:endParaRPr lang="en-US" dirty="0"/>
+          </a:p>
+          <a:p>
+            <a:r>
+              <a:rPr lang="en-US" dirty="0"/>
+              <a:t>Function equivariance is a function whose output might change, but the end result does not change.</a:t>
+            </a:r>
+          </a:p>
+          <a:p>
+            <a:pPr lvl="1"/>
+            <a:r>
+              <a:rPr lang="en-US" dirty="0"/>
+              <a:t>E.g.: typical convolutional neural networks are translation/rotation equivariant </a:t>
+            </a:r>
+            <a:endParaRPr dirty="0"/>
           </a:p>
         </p:txBody>
       </p:sp>
     </p:spTree>
+    <p:extLst>
+      <p:ext uri="{BB962C8B-B14F-4D97-AF65-F5344CB8AC3E}">
+        <p14:creationId xmlns:p14="http://schemas.microsoft.com/office/powerpoint/2010/main" val="3834916909"/>
+      </p:ext>
+    </p:extLst>
   </p:cSld>
   <p:clrMapOvr>
     <a:masterClrMapping/>
@@ -8547,7 +9583,7 @@
       </p:grpSpPr>
       <p:sp>
         <p:nvSpPr>
-          <p:cNvPr id="203" name="Agenda"/>
+          <p:cNvPr id="195" name="Incorporating domain knowledge"/>
           <p:cNvSpPr txBox="1">
             <a:spLocks noGrp="1"/>
           </p:cNvSpPr>
@@ -8565,14 +9601,14 @@
           <a:lstStyle/>
           <a:p>
             <a:r>
-              <a:t>Agenda</a:t>
-            </a:r>
-          </a:p>
-        </p:txBody>
-      </p:sp>
-      <p:sp>
-        <p:nvSpPr>
-          <p:cNvPr id="204" name="Slide Subtitle"/>
+              <a:t>Incorporating domain knowledge </a:t>
+            </a:r>
+          </a:p>
+        </p:txBody>
+      </p:sp>
+      <p:sp>
+        <p:nvSpPr>
+          <p:cNvPr id="196" name="Slide Subtitle"/>
           <p:cNvSpPr txBox="1">
             <a:spLocks noGrp="1"/>
           </p:cNvSpPr>
@@ -8589,13 +9625,17 @@
           <a:bodyPr/>
           <a:lstStyle/>
           <a:p>
-            <a:endParaRPr/>
-          </a:p>
-        </p:txBody>
-      </p:sp>
-      <p:sp>
-        <p:nvSpPr>
-          <p:cNvPr id="205" name="State of affairs…"/>
+            <a:r>
+              <a:rPr lang="en-US" dirty="0"/>
+              <a:t>Neural networks</a:t>
+            </a:r>
+            <a:endParaRPr dirty="0"/>
+          </a:p>
+        </p:txBody>
+      </p:sp>
+      <p:sp>
+        <p:nvSpPr>
+          <p:cNvPr id="197" name="bayesian framework: prior information…"/>
           <p:cNvSpPr txBox="1">
             <a:spLocks noGrp="1"/>
           </p:cNvSpPr>
@@ -8604,35 +9644,228 @@
           </p:nvPr>
         </p:nvSpPr>
         <p:spPr>
-          <a:prstGeom prst="rect">
-            <a:avLst/>
-          </a:prstGeom>
-        </p:spPr>
-        <p:txBody>
-          <a:bodyPr/>
-          <a:lstStyle/>
-          <a:p>
-            <a:r>
-              <a:t>State of affairs</a:t>
-            </a:r>
-          </a:p>
-          <a:p>
-            <a:r>
-              <a:t>Types of reproducibility</a:t>
-            </a:r>
-          </a:p>
-          <a:p>
-            <a:r>
-              <a:t>Reproducibility checklist</a:t>
-            </a:r>
-          </a:p>
-          <a:p>
-            <a:r>
-              <a:t>Useful tools</a:t>
-            </a:r>
-          </a:p>
-        </p:txBody>
-      </p:sp>
+          <a:xfrm>
+            <a:off x="11108266" y="4248504"/>
+            <a:ext cx="12069233" cy="8256012"/>
+          </a:xfrm>
+          <a:prstGeom prst="rect">
+            <a:avLst/>
+          </a:prstGeom>
+        </p:spPr>
+        <p:txBody>
+          <a:bodyPr>
+            <a:normAutofit/>
+          </a:bodyPr>
+          <a:lstStyle/>
+          <a:p>
+            <a:pPr>
+              <a:buSzTx/>
+              <a:defRPr sz="3000"/>
+            </a:pPr>
+            <a:r>
+              <a:rPr lang="en-US" sz="4000" dirty="0"/>
+              <a:t>Dense deep neural network</a:t>
+            </a:r>
+          </a:p>
+          <a:p>
+            <a:pPr>
+              <a:buSzTx/>
+              <a:defRPr sz="3000"/>
+            </a:pPr>
+            <a:r>
+              <a:rPr lang="en-US" sz="4000" dirty="0" err="1"/>
+              <a:t>Optimisation</a:t>
+            </a:r>
+            <a:r>
+              <a:rPr lang="en-US" sz="4000" dirty="0"/>
+              <a:t> strategy </a:t>
+            </a:r>
+          </a:p>
+          <a:p>
+            <a:pPr lvl="1">
+              <a:buSzTx/>
+              <a:defRPr sz="3000"/>
+            </a:pPr>
+            <a:r>
+              <a:rPr lang="en-US" sz="4000" dirty="0"/>
+              <a:t>Gradient descent, ADAM, Ada</a:t>
+            </a:r>
+          </a:p>
+          <a:p>
+            <a:pPr>
+              <a:buSzTx/>
+              <a:defRPr sz="3000"/>
+            </a:pPr>
+            <a:r>
+              <a:rPr lang="en-US" sz="4000" dirty="0"/>
+              <a:t>Minimizing some measure of optimality</a:t>
+            </a:r>
+          </a:p>
+          <a:p>
+            <a:pPr lvl="1">
+              <a:buSzTx/>
+              <a:defRPr sz="3000"/>
+            </a:pPr>
+            <a:r>
+              <a:rPr lang="en-US" sz="4000" dirty="0"/>
+              <a:t>Classification: cross-entropy</a:t>
+            </a:r>
+          </a:p>
+          <a:p>
+            <a:pPr lvl="1">
+              <a:buSzTx/>
+              <a:defRPr sz="3000"/>
+            </a:pPr>
+            <a:r>
+              <a:rPr lang="en-US" sz="4000" dirty="0"/>
+              <a:t>Regression: mean squared error</a:t>
+            </a:r>
+          </a:p>
+        </p:txBody>
+      </p:sp>
+      <p:grpSp>
+        <p:nvGrpSpPr>
+          <p:cNvPr id="3" name="Group 2">
+            <a:extLst>
+              <a:ext uri="{FF2B5EF4-FFF2-40B4-BE49-F238E27FC236}">
+                <a16:creationId xmlns:a16="http://schemas.microsoft.com/office/drawing/2014/main" id="{06B73843-8F7E-9D40-B7D0-976CC33D1627}"/>
+              </a:ext>
+            </a:extLst>
+          </p:cNvPr>
+          <p:cNvGrpSpPr/>
+          <p:nvPr/>
+        </p:nvGrpSpPr>
+        <p:grpSpPr>
+          <a:xfrm>
+            <a:off x="1659467" y="4248504"/>
+            <a:ext cx="8229600" cy="4929363"/>
+            <a:chOff x="1761067" y="4248504"/>
+            <a:chExt cx="8229600" cy="4929363"/>
+          </a:xfrm>
+        </p:grpSpPr>
+        <p:sp>
+          <p:nvSpPr>
+            <p:cNvPr id="2" name="Rounded Rectangle 1">
+              <a:extLst>
+                <a:ext uri="{FF2B5EF4-FFF2-40B4-BE49-F238E27FC236}">
+                  <a16:creationId xmlns:a16="http://schemas.microsoft.com/office/drawing/2014/main" id="{2BAC0444-4CCC-694F-B0B0-D3A46D5153EF}"/>
+                </a:ext>
+              </a:extLst>
+            </p:cNvPr>
+            <p:cNvSpPr/>
+            <p:nvPr/>
+          </p:nvSpPr>
+          <p:spPr>
+            <a:xfrm>
+              <a:off x="1761067" y="4248504"/>
+              <a:ext cx="8229600" cy="4929363"/>
+            </a:xfrm>
+            <a:prstGeom prst="roundRect">
+              <a:avLst/>
+            </a:prstGeom>
+            <a:ln/>
+          </p:spPr>
+          <p:style>
+            <a:lnRef idx="2">
+              <a:schemeClr val="accent1"/>
+            </a:lnRef>
+            <a:fillRef idx="1">
+              <a:schemeClr val="lt1"/>
+            </a:fillRef>
+            <a:effectRef idx="0">
+              <a:schemeClr val="accent1"/>
+            </a:effectRef>
+            <a:fontRef idx="minor">
+              <a:schemeClr val="dk1"/>
+            </a:fontRef>
+          </p:style>
+          <p:txBody>
+            <a:bodyPr rot="0" spcFirstLastPara="1" vertOverflow="overflow" horzOverflow="overflow" vert="horz" wrap="square" lIns="50800" tIns="50800" rIns="50800" bIns="50800" numCol="1" spcCol="38100" rtlCol="0" anchor="ctr">
+              <a:spAutoFit/>
+            </a:bodyPr>
+            <a:lstStyle/>
+            <a:p>
+              <a:pPr marL="0" marR="0" indent="0" algn="ctr" defTabSz="825500" rtl="0" fontAlgn="auto" latinLnBrk="0" hangingPunct="0">
+                <a:lnSpc>
+                  <a:spcPct val="100000"/>
+                </a:lnSpc>
+                <a:spcBef>
+                  <a:spcPts val="0"/>
+                </a:spcBef>
+                <a:spcAft>
+                  <a:spcPts val="0"/>
+                </a:spcAft>
+                <a:buClrTx/>
+                <a:buSzTx/>
+                <a:buFontTx/>
+                <a:buNone/>
+                <a:tabLst/>
+              </a:pPr>
+              <a:endParaRPr kumimoji="0" lang="en-US" sz="3200" b="0" i="0" u="none" strike="noStrike" cap="none" spc="0" normalizeH="0" baseline="0">
+                <a:ln>
+                  <a:noFill/>
+                </a:ln>
+                <a:solidFill>
+                  <a:srgbClr val="FFFFFF"/>
+                </a:solidFill>
+                <a:effectLst/>
+                <a:uFillTx/>
+                <a:latin typeface="Helvetica Neue Medium"/>
+                <a:ea typeface="Helvetica Neue Medium"/>
+                <a:cs typeface="Helvetica Neue Medium"/>
+                <a:sym typeface="Helvetica Neue Medium"/>
+              </a:endParaRPr>
+            </a:p>
+          </p:txBody>
+        </p:sp>
+        <p:pic>
+          <p:nvPicPr>
+            <p:cNvPr id="5" name="Picture 2" descr="Artificial neural network architecture (ANN i-h 1-h 2-h n-o). | Download  Scientific Diagram">
+              <a:extLst>
+                <a:ext uri="{FF2B5EF4-FFF2-40B4-BE49-F238E27FC236}">
+                  <a16:creationId xmlns:a16="http://schemas.microsoft.com/office/drawing/2014/main" id="{8F0ADC69-492C-1241-BCA5-AF477B3AB000}"/>
+                </a:ext>
+              </a:extLst>
+            </p:cNvPr>
+            <p:cNvPicPr>
+              <a:picLocks noChangeAspect="1" noChangeArrowheads="1"/>
+            </p:cNvPicPr>
+            <p:nvPr/>
+          </p:nvPicPr>
+          <p:blipFill>
+            <a:blip r:embed="rId3">
+              <a:extLst>
+                <a:ext uri="{28A0092B-C50C-407E-A947-70E740481C1C}">
+                  <a14:useLocalDpi xmlns:a14="http://schemas.microsoft.com/office/drawing/2010/main" val="0"/>
+                </a:ext>
+              </a:extLst>
+            </a:blip>
+            <a:srcRect/>
+            <a:stretch>
+              <a:fillRect/>
+            </a:stretch>
+          </p:blipFill>
+          <p:spPr bwMode="auto">
+            <a:xfrm>
+              <a:off x="2019300" y="4601204"/>
+              <a:ext cx="7449562" cy="4364567"/>
+            </a:xfrm>
+            <a:prstGeom prst="rect">
+              <a:avLst/>
+            </a:prstGeom>
+            <a:noFill/>
+            <a:extLst>
+              <a:ext uri="{909E8E84-426E-40DD-AFC4-6F175D3DCCD1}">
+                <a14:hiddenFill xmlns:a14="http://schemas.microsoft.com/office/drawing/2010/main">
+                  <a:solidFill>
+                    <a:srgbClr val="FFFFFF"/>
+                  </a:solidFill>
+                </a14:hiddenFill>
+              </a:ext>
+            </a:extLst>
+          </p:spPr>
+        </p:pic>
+      </p:grpSp>
     </p:spTree>
   </p:cSld>
   <p:clrMapOvr>
@@ -8661,7 +9894,7 @@
       </p:grpSpPr>
       <p:sp>
         <p:nvSpPr>
-          <p:cNvPr id="207" name="State of affairs"/>
+          <p:cNvPr id="195" name="Incorporating domain knowledge"/>
           <p:cNvSpPr txBox="1">
             <a:spLocks noGrp="1"/>
           </p:cNvSpPr>
@@ -8679,14 +9912,14 @@
           <a:lstStyle/>
           <a:p>
             <a:r>
-              <a:t>State of affairs</a:t>
-            </a:r>
-          </a:p>
-        </p:txBody>
-      </p:sp>
-      <p:sp>
-        <p:nvSpPr>
-          <p:cNvPr id="208" name="Slide Subtitle"/>
+              <a:t>Incorporating domain knowledge </a:t>
+            </a:r>
+          </a:p>
+        </p:txBody>
+      </p:sp>
+      <p:sp>
+        <p:nvSpPr>
+          <p:cNvPr id="196" name="Slide Subtitle"/>
           <p:cNvSpPr txBox="1">
             <a:spLocks noGrp="1"/>
           </p:cNvSpPr>
@@ -8703,13 +9936,2728 @@
           <a:bodyPr/>
           <a:lstStyle/>
           <a:p>
+            <a:r>
+              <a:rPr lang="en-US" dirty="0"/>
+              <a:t>Neural networks</a:t>
+            </a:r>
+            <a:endParaRPr dirty="0"/>
+          </a:p>
+        </p:txBody>
+      </p:sp>
+      <p:sp>
+        <p:nvSpPr>
+          <p:cNvPr id="197" name="bayesian framework: prior information…"/>
+          <p:cNvSpPr txBox="1">
+            <a:spLocks noGrp="1"/>
+          </p:cNvSpPr>
+          <p:nvPr>
+            <p:ph type="body" idx="1"/>
+          </p:nvPr>
+        </p:nvSpPr>
+        <p:spPr>
+          <a:prstGeom prst="rect">
+            <a:avLst/>
+          </a:prstGeom>
+        </p:spPr>
+        <p:txBody>
+          <a:bodyPr>
+            <a:normAutofit/>
+          </a:bodyPr>
+          <a:lstStyle/>
+          <a:p>
+            <a:pPr marL="0" indent="0">
+              <a:buSzTx/>
+              <a:buNone/>
+              <a:defRPr sz="3000"/>
+            </a:pPr>
+            <a:endParaRPr lang="en-US" sz="5000" dirty="0"/>
+          </a:p>
+          <a:p>
+            <a:pPr marL="0" indent="0">
+              <a:buSzTx/>
+              <a:buNone/>
+              <a:defRPr sz="3000"/>
+            </a:pPr>
+            <a:endParaRPr lang="en-US" sz="5000" dirty="0"/>
+          </a:p>
+          <a:p>
+            <a:pPr marL="0" indent="0">
+              <a:buSzTx/>
+              <a:buNone/>
+              <a:defRPr sz="3000"/>
+            </a:pPr>
+            <a:r>
+              <a:rPr lang="en-US" sz="5000" dirty="0"/>
+              <a:t>Modifying loss function:</a:t>
+            </a:r>
+            <a:endParaRPr sz="5000" dirty="0"/>
+          </a:p>
+        </p:txBody>
+      </p:sp>
+      <p:pic>
+        <p:nvPicPr>
+          <p:cNvPr id="5" name="Picture 4">
+            <a:extLst>
+              <a:ext uri="{FF2B5EF4-FFF2-40B4-BE49-F238E27FC236}">
+                <a16:creationId xmlns:a16="http://schemas.microsoft.com/office/drawing/2014/main" id="{EE4D9858-5ECD-0648-AA9A-9AD421285F26}"/>
+              </a:ext>
+            </a:extLst>
+          </p:cNvPr>
+          <p:cNvPicPr>
+            <a:picLocks noChangeAspect="1"/>
+          </p:cNvPicPr>
+          <p:nvPr/>
+        </p:nvPicPr>
+        <p:blipFill>
+          <a:blip r:embed="rId3"/>
+          <a:stretch>
+            <a:fillRect/>
+          </a:stretch>
+        </p:blipFill>
+        <p:spPr>
+          <a:xfrm>
+            <a:off x="4732543" y="3806125"/>
+            <a:ext cx="14918914" cy="2478617"/>
+          </a:xfrm>
+          <a:prstGeom prst="rect">
+            <a:avLst/>
+          </a:prstGeom>
+        </p:spPr>
+      </p:pic>
+      <p:pic>
+        <p:nvPicPr>
+          <p:cNvPr id="6" name="Picture 5">
+            <a:extLst>
+              <a:ext uri="{FF2B5EF4-FFF2-40B4-BE49-F238E27FC236}">
+                <a16:creationId xmlns:a16="http://schemas.microsoft.com/office/drawing/2014/main" id="{1E731BE4-17A8-9043-A620-6E9F4DB7ABDD}"/>
+              </a:ext>
+            </a:extLst>
+          </p:cNvPr>
+          <p:cNvPicPr>
+            <a:picLocks noChangeAspect="1"/>
+          </p:cNvPicPr>
+          <p:nvPr/>
+        </p:nvPicPr>
+        <p:blipFill>
+          <a:blip r:embed="rId4"/>
+          <a:stretch>
+            <a:fillRect/>
+          </a:stretch>
+        </p:blipFill>
+        <p:spPr>
+          <a:xfrm>
+            <a:off x="5837605" y="8083614"/>
+            <a:ext cx="12708790" cy="883882"/>
+          </a:xfrm>
+          <a:prstGeom prst="rect">
+            <a:avLst/>
+          </a:prstGeom>
+        </p:spPr>
+      </p:pic>
+      <p:sp>
+        <p:nvSpPr>
+          <p:cNvPr id="7" name="Rounded Rectangle 6">
+            <a:extLst>
+              <a:ext uri="{FF2B5EF4-FFF2-40B4-BE49-F238E27FC236}">
+                <a16:creationId xmlns:a16="http://schemas.microsoft.com/office/drawing/2014/main" id="{774D378B-C89C-E24C-BBE1-508AE4429C90}"/>
+              </a:ext>
+            </a:extLst>
+          </p:cNvPr>
+          <p:cNvSpPr/>
+          <p:nvPr/>
+        </p:nvSpPr>
+        <p:spPr>
+          <a:xfrm>
+            <a:off x="3139040" y="9908258"/>
+            <a:ext cx="18105919" cy="2225913"/>
+          </a:xfrm>
+          <a:prstGeom prst="roundRect">
+            <a:avLst/>
+          </a:prstGeom>
+          <a:ln/>
+        </p:spPr>
+        <p:style>
+          <a:lnRef idx="2">
+            <a:schemeClr val="accent1">
+              <a:shade val="50000"/>
+            </a:schemeClr>
+          </a:lnRef>
+          <a:fillRef idx="1">
+            <a:schemeClr val="accent1"/>
+          </a:fillRef>
+          <a:effectRef idx="0">
+            <a:schemeClr val="accent1"/>
+          </a:effectRef>
+          <a:fontRef idx="minor">
+            <a:schemeClr val="lt1"/>
+          </a:fontRef>
+        </p:style>
+        <p:txBody>
+          <a:bodyPr rot="0" spcFirstLastPara="1" vertOverflow="overflow" horzOverflow="overflow" vert="horz" wrap="none" lIns="50800" tIns="50800" rIns="50800" bIns="50800" numCol="1" spcCol="38100" rtlCol="0" anchor="ctr">
+            <a:noAutofit/>
+          </a:bodyPr>
+          <a:lstStyle/>
+          <a:p>
+            <a:pPr marL="0" marR="0" indent="0" algn="ctr" defTabSz="825500" rtl="0" fontAlgn="auto" latinLnBrk="0" hangingPunct="0">
+              <a:lnSpc>
+                <a:spcPct val="100000"/>
+              </a:lnSpc>
+              <a:spcBef>
+                <a:spcPts val="0"/>
+              </a:spcBef>
+              <a:spcAft>
+                <a:spcPts val="0"/>
+              </a:spcAft>
+              <a:buClrTx/>
+              <a:buSzTx/>
+              <a:buFontTx/>
+              <a:buNone/>
+              <a:tabLst/>
+            </a:pPr>
+            <a:r>
+              <a:rPr lang="en-US" sz="3200" dirty="0">
+                <a:solidFill>
+                  <a:srgbClr val="FFFFFF"/>
+                </a:solidFill>
+                <a:latin typeface="Helvetica Neue Medium"/>
+                <a:ea typeface="Helvetica Neue Medium"/>
+                <a:cs typeface="Helvetica Neue Medium"/>
+                <a:sym typeface="Helvetica Neue Medium"/>
+              </a:rPr>
+              <a:t>For example, maybe the target has to be positive, so we penalize the prediction if it is negative.</a:t>
+            </a:r>
+            <a:endParaRPr kumimoji="0" lang="en-US" sz="3200" b="0" i="0" u="none" strike="noStrike" cap="none" spc="0" normalizeH="0" baseline="0" dirty="0">
+              <a:ln>
+                <a:noFill/>
+              </a:ln>
+              <a:solidFill>
+                <a:srgbClr val="FFFFFF"/>
+              </a:solidFill>
+              <a:effectLst/>
+              <a:uFillTx/>
+              <a:latin typeface="Helvetica Neue Medium"/>
+              <a:ea typeface="Helvetica Neue Medium"/>
+              <a:cs typeface="Helvetica Neue Medium"/>
+              <a:sym typeface="Helvetica Neue Medium"/>
+            </a:endParaRPr>
+          </a:p>
+        </p:txBody>
+      </p:sp>
+    </p:spTree>
+    <p:extLst>
+      <p:ext uri="{BB962C8B-B14F-4D97-AF65-F5344CB8AC3E}">
+        <p14:creationId xmlns:p14="http://schemas.microsoft.com/office/powerpoint/2010/main" val="1284683226"/>
+      </p:ext>
+    </p:extLst>
+  </p:cSld>
+  <p:clrMapOvr>
+    <a:masterClrMapping/>
+  </p:clrMapOvr>
+  <p:transition spd="med"/>
+</p:sld>
+</file>
+
+<file path=ppt/slides/slide25.xml><?xml version="1.0" encoding="utf-8"?>
+<p:sld xmlns:a="http://schemas.openxmlformats.org/drawingml/2006/main" xmlns:r="http://schemas.openxmlformats.org/officeDocument/2006/relationships" xmlns:p="http://schemas.openxmlformats.org/presentationml/2006/main">
+  <p:cSld>
+    <p:spTree>
+      <p:nvGrpSpPr>
+        <p:cNvPr id="1" name=""/>
+        <p:cNvGrpSpPr/>
+        <p:nvPr/>
+      </p:nvGrpSpPr>
+      <p:grpSpPr>
+        <a:xfrm>
+          <a:off x="0" y="0"/>
+          <a:ext cx="0" cy="0"/>
+          <a:chOff x="0" y="0"/>
+          <a:chExt cx="0" cy="0"/>
+        </a:xfrm>
+      </p:grpSpPr>
+      <p:sp>
+        <p:nvSpPr>
+          <p:cNvPr id="195" name="Incorporating domain knowledge"/>
+          <p:cNvSpPr txBox="1">
+            <a:spLocks noGrp="1"/>
+          </p:cNvSpPr>
+          <p:nvPr>
+            <p:ph type="title"/>
+          </p:nvPr>
+        </p:nvSpPr>
+        <p:spPr>
+          <a:prstGeom prst="rect">
+            <a:avLst/>
+          </a:prstGeom>
+        </p:spPr>
+        <p:txBody>
+          <a:bodyPr/>
+          <a:lstStyle/>
+          <a:p>
+            <a:r>
+              <a:rPr dirty="0"/>
+              <a:t>Incorporating domain knowledge </a:t>
+            </a:r>
+          </a:p>
+        </p:txBody>
+      </p:sp>
+      <p:sp>
+        <p:nvSpPr>
+          <p:cNvPr id="196" name="Slide Subtitle"/>
+          <p:cNvSpPr txBox="1">
+            <a:spLocks noGrp="1"/>
+          </p:cNvSpPr>
+          <p:nvPr>
+            <p:ph type="body" idx="21"/>
+          </p:nvPr>
+        </p:nvSpPr>
+        <p:spPr>
+          <a:prstGeom prst="rect">
+            <a:avLst/>
+          </a:prstGeom>
+        </p:spPr>
+        <p:txBody>
+          <a:bodyPr/>
+          <a:lstStyle/>
+          <a:p>
+            <a:r>
+              <a:rPr lang="en-US" dirty="0"/>
+              <a:t>Neural networks</a:t>
+            </a:r>
+            <a:endParaRPr dirty="0"/>
+          </a:p>
+        </p:txBody>
+      </p:sp>
+      <p:pic>
+        <p:nvPicPr>
+          <p:cNvPr id="2" name="Picture 1">
+            <a:extLst>
+              <a:ext uri="{FF2B5EF4-FFF2-40B4-BE49-F238E27FC236}">
+                <a16:creationId xmlns:a16="http://schemas.microsoft.com/office/drawing/2014/main" id="{BFA5DEE9-2EBA-5349-856A-2FFFBDA4665E}"/>
+              </a:ext>
+            </a:extLst>
+          </p:cNvPr>
+          <p:cNvPicPr>
+            <a:picLocks noChangeAspect="1"/>
+          </p:cNvPicPr>
+          <p:nvPr/>
+        </p:nvPicPr>
+        <p:blipFill>
+          <a:blip r:embed="rId3"/>
+          <a:stretch>
+            <a:fillRect/>
+          </a:stretch>
+        </p:blipFill>
+        <p:spPr>
+          <a:xfrm>
+            <a:off x="1500717" y="4821337"/>
+            <a:ext cx="8716192" cy="934780"/>
+          </a:xfrm>
+          <a:prstGeom prst="rect">
+            <a:avLst/>
+          </a:prstGeom>
+        </p:spPr>
+      </p:pic>
+      <p:pic>
+        <p:nvPicPr>
+          <p:cNvPr id="3" name="Picture 2">
+            <a:extLst>
+              <a:ext uri="{FF2B5EF4-FFF2-40B4-BE49-F238E27FC236}">
+                <a16:creationId xmlns:a16="http://schemas.microsoft.com/office/drawing/2014/main" id="{6AF39D46-923F-0348-9B62-5BC3309A168A}"/>
+              </a:ext>
+            </a:extLst>
+          </p:cNvPr>
+          <p:cNvPicPr>
+            <a:picLocks noChangeAspect="1"/>
+          </p:cNvPicPr>
+          <p:nvPr/>
+        </p:nvPicPr>
+        <p:blipFill>
+          <a:blip r:embed="rId4"/>
+          <a:stretch>
+            <a:fillRect/>
+          </a:stretch>
+        </p:blipFill>
+        <p:spPr>
+          <a:xfrm>
+            <a:off x="1500717" y="6214551"/>
+            <a:ext cx="9676236" cy="934780"/>
+          </a:xfrm>
+          <a:prstGeom prst="rect">
+            <a:avLst/>
+          </a:prstGeom>
+        </p:spPr>
+      </p:pic>
+      <p:sp>
+        <p:nvSpPr>
+          <p:cNvPr id="10" name="Rounded Rectangle 9">
+            <a:extLst>
+              <a:ext uri="{FF2B5EF4-FFF2-40B4-BE49-F238E27FC236}">
+                <a16:creationId xmlns:a16="http://schemas.microsoft.com/office/drawing/2014/main" id="{10269AF3-4534-4B42-A44A-5B1B44FFF560}"/>
+              </a:ext>
+            </a:extLst>
+          </p:cNvPr>
+          <p:cNvSpPr/>
+          <p:nvPr/>
+        </p:nvSpPr>
+        <p:spPr>
+          <a:xfrm>
+            <a:off x="13501264" y="4175770"/>
+            <a:ext cx="9676236" cy="3160693"/>
+          </a:xfrm>
+          <a:prstGeom prst="roundRect">
+            <a:avLst/>
+          </a:prstGeom>
+          <a:ln/>
+        </p:spPr>
+        <p:style>
+          <a:lnRef idx="2">
+            <a:schemeClr val="accent1">
+              <a:shade val="50000"/>
+            </a:schemeClr>
+          </a:lnRef>
+          <a:fillRef idx="1">
+            <a:schemeClr val="accent1"/>
+          </a:fillRef>
+          <a:effectRef idx="0">
+            <a:schemeClr val="accent1"/>
+          </a:effectRef>
+          <a:fontRef idx="minor">
+            <a:schemeClr val="lt1"/>
+          </a:fontRef>
+        </p:style>
+        <p:txBody>
+          <a:bodyPr rot="0" spcFirstLastPara="1" vertOverflow="overflow" horzOverflow="overflow" vert="horz" wrap="square" lIns="50800" tIns="50800" rIns="50800" bIns="50800" numCol="1" spcCol="38100" rtlCol="0" anchor="ctr">
+            <a:noAutofit/>
+          </a:bodyPr>
+          <a:lstStyle/>
+          <a:p>
+            <a:pPr marL="0" marR="0" indent="0" algn="ctr" defTabSz="825500" rtl="0" fontAlgn="auto" latinLnBrk="0" hangingPunct="0">
+              <a:lnSpc>
+                <a:spcPct val="100000"/>
+              </a:lnSpc>
+              <a:spcBef>
+                <a:spcPts val="0"/>
+              </a:spcBef>
+              <a:spcAft>
+                <a:spcPts val="0"/>
+              </a:spcAft>
+              <a:buClrTx/>
+              <a:buSzTx/>
+              <a:buFontTx/>
+              <a:buNone/>
+              <a:tabLst/>
+            </a:pPr>
+            <a:r>
+              <a:rPr lang="en-US" sz="3200" dirty="0">
+                <a:solidFill>
+                  <a:srgbClr val="FFFFFF"/>
+                </a:solidFill>
+                <a:latin typeface="Helvetica Neue Medium"/>
+                <a:ea typeface="Helvetica Neue Medium"/>
+                <a:cs typeface="Helvetica Neue Medium"/>
+                <a:sym typeface="Helvetica Neue Medium"/>
+              </a:rPr>
+              <a:t>The same idea can also enforce bounds in the prediction</a:t>
+            </a:r>
+            <a:endParaRPr kumimoji="0" lang="en-US" sz="3200" b="0" i="0" u="none" strike="noStrike" cap="none" spc="0" normalizeH="0" baseline="0" dirty="0">
+              <a:ln>
+                <a:noFill/>
+              </a:ln>
+              <a:solidFill>
+                <a:srgbClr val="FFFFFF"/>
+              </a:solidFill>
+              <a:effectLst/>
+              <a:uFillTx/>
+              <a:latin typeface="Helvetica Neue Medium"/>
+              <a:ea typeface="Helvetica Neue Medium"/>
+              <a:cs typeface="Helvetica Neue Medium"/>
+              <a:sym typeface="Helvetica Neue Medium"/>
+            </a:endParaRPr>
+          </a:p>
+        </p:txBody>
+      </p:sp>
+      <p:pic>
+        <p:nvPicPr>
+          <p:cNvPr id="4" name="Picture 3">
+            <a:extLst>
+              <a:ext uri="{FF2B5EF4-FFF2-40B4-BE49-F238E27FC236}">
+                <a16:creationId xmlns:a16="http://schemas.microsoft.com/office/drawing/2014/main" id="{B7F78477-45E0-094C-9AD1-AD5C5AB639D5}"/>
+              </a:ext>
+            </a:extLst>
+          </p:cNvPr>
+          <p:cNvPicPr>
+            <a:picLocks noChangeAspect="1"/>
+          </p:cNvPicPr>
+          <p:nvPr/>
+        </p:nvPicPr>
+        <p:blipFill>
+          <a:blip r:embed="rId5"/>
+          <a:stretch>
+            <a:fillRect/>
+          </a:stretch>
+        </p:blipFill>
+        <p:spPr>
+          <a:xfrm>
+            <a:off x="1500717" y="9821190"/>
+            <a:ext cx="9676236" cy="934780"/>
+          </a:xfrm>
+          <a:prstGeom prst="rect">
+            <a:avLst/>
+          </a:prstGeom>
+        </p:spPr>
+      </p:pic>
+      <p:sp>
+        <p:nvSpPr>
+          <p:cNvPr id="13" name="Rounded Rectangle 12">
+            <a:extLst>
+              <a:ext uri="{FF2B5EF4-FFF2-40B4-BE49-F238E27FC236}">
+                <a16:creationId xmlns:a16="http://schemas.microsoft.com/office/drawing/2014/main" id="{69C382EF-D96F-3548-A7D5-E7256855AE2A}"/>
+              </a:ext>
+            </a:extLst>
+          </p:cNvPr>
+          <p:cNvSpPr/>
+          <p:nvPr/>
+        </p:nvSpPr>
+        <p:spPr>
+          <a:xfrm>
+            <a:off x="13501263" y="9117125"/>
+            <a:ext cx="9676235" cy="2533008"/>
+          </a:xfrm>
+          <a:prstGeom prst="roundRect">
+            <a:avLst/>
+          </a:prstGeom>
+          <a:ln/>
+        </p:spPr>
+        <p:style>
+          <a:lnRef idx="2">
+            <a:schemeClr val="accent1">
+              <a:shade val="50000"/>
+            </a:schemeClr>
+          </a:lnRef>
+          <a:fillRef idx="1">
+            <a:schemeClr val="accent1"/>
+          </a:fillRef>
+          <a:effectRef idx="0">
+            <a:schemeClr val="accent1"/>
+          </a:effectRef>
+          <a:fontRef idx="minor">
+            <a:schemeClr val="lt1"/>
+          </a:fontRef>
+        </p:style>
+        <p:txBody>
+          <a:bodyPr rot="0" spcFirstLastPara="1" vertOverflow="overflow" horzOverflow="overflow" vert="horz" wrap="square" lIns="50800" tIns="50800" rIns="50800" bIns="50800" numCol="1" spcCol="38100" rtlCol="0" anchor="ctr">
+            <a:noAutofit/>
+          </a:bodyPr>
+          <a:lstStyle/>
+          <a:p>
+            <a:pPr marL="0" marR="0" indent="0" algn="ctr" defTabSz="825500" rtl="0" fontAlgn="auto" latinLnBrk="0" hangingPunct="0">
+              <a:lnSpc>
+                <a:spcPct val="100000"/>
+              </a:lnSpc>
+              <a:spcBef>
+                <a:spcPts val="0"/>
+              </a:spcBef>
+              <a:spcAft>
+                <a:spcPts val="0"/>
+              </a:spcAft>
+              <a:buClrTx/>
+              <a:buSzTx/>
+              <a:buFontTx/>
+              <a:buNone/>
+              <a:tabLst/>
+            </a:pPr>
+            <a:r>
+              <a:rPr lang="en-US" sz="3200" dirty="0">
+                <a:solidFill>
+                  <a:srgbClr val="FFFFFF"/>
+                </a:solidFill>
+                <a:latin typeface="Helvetica Neue Medium"/>
+                <a:ea typeface="Helvetica Neue Medium"/>
+                <a:cs typeface="Helvetica Neue Medium"/>
+                <a:sym typeface="Helvetica Neue Medium"/>
+              </a:rPr>
+              <a:t>We can also use information from the features. For example, for conservation purposes.</a:t>
+            </a:r>
+            <a:endParaRPr kumimoji="0" lang="en-US" sz="3200" b="0" i="0" u="none" strike="noStrike" cap="none" spc="0" normalizeH="0" baseline="0" dirty="0">
+              <a:ln>
+                <a:noFill/>
+              </a:ln>
+              <a:solidFill>
+                <a:srgbClr val="FFFFFF"/>
+              </a:solidFill>
+              <a:effectLst/>
+              <a:uFillTx/>
+              <a:latin typeface="Helvetica Neue Medium"/>
+              <a:ea typeface="Helvetica Neue Medium"/>
+              <a:cs typeface="Helvetica Neue Medium"/>
+              <a:sym typeface="Helvetica Neue Medium"/>
+            </a:endParaRPr>
+          </a:p>
+        </p:txBody>
+      </p:sp>
+    </p:spTree>
+    <p:extLst>
+      <p:ext uri="{BB962C8B-B14F-4D97-AF65-F5344CB8AC3E}">
+        <p14:creationId xmlns:p14="http://schemas.microsoft.com/office/powerpoint/2010/main" val="2093875134"/>
+      </p:ext>
+    </p:extLst>
+  </p:cSld>
+  <p:clrMapOvr>
+    <a:masterClrMapping/>
+  </p:clrMapOvr>
+  <p:transition spd="med"/>
+</p:sld>
+</file>
+
+<file path=ppt/slides/slide26.xml><?xml version="1.0" encoding="utf-8"?>
+<p:sld xmlns:a="http://schemas.openxmlformats.org/drawingml/2006/main" xmlns:r="http://schemas.openxmlformats.org/officeDocument/2006/relationships" xmlns:p="http://schemas.openxmlformats.org/presentationml/2006/main">
+  <p:cSld>
+    <p:spTree>
+      <p:nvGrpSpPr>
+        <p:cNvPr id="1" name=""/>
+        <p:cNvGrpSpPr/>
+        <p:nvPr/>
+      </p:nvGrpSpPr>
+      <p:grpSpPr>
+        <a:xfrm>
+          <a:off x="0" y="0"/>
+          <a:ext cx="0" cy="0"/>
+          <a:chOff x="0" y="0"/>
+          <a:chExt cx="0" cy="0"/>
+        </a:xfrm>
+      </p:grpSpPr>
+      <p:sp>
+        <p:nvSpPr>
+          <p:cNvPr id="195" name="Incorporating domain knowledge"/>
+          <p:cNvSpPr txBox="1">
+            <a:spLocks noGrp="1"/>
+          </p:cNvSpPr>
+          <p:nvPr>
+            <p:ph type="title"/>
+          </p:nvPr>
+        </p:nvSpPr>
+        <p:spPr>
+          <a:prstGeom prst="rect">
+            <a:avLst/>
+          </a:prstGeom>
+        </p:spPr>
+        <p:txBody>
+          <a:bodyPr/>
+          <a:lstStyle/>
+          <a:p>
+            <a:r>
+              <a:t>Incorporating domain knowledge </a:t>
+            </a:r>
+          </a:p>
+        </p:txBody>
+      </p:sp>
+      <p:sp>
+        <p:nvSpPr>
+          <p:cNvPr id="196" name="Slide Subtitle"/>
+          <p:cNvSpPr txBox="1">
+            <a:spLocks noGrp="1"/>
+          </p:cNvSpPr>
+          <p:nvPr>
+            <p:ph type="body" idx="21"/>
+          </p:nvPr>
+        </p:nvSpPr>
+        <p:spPr>
+          <a:prstGeom prst="rect">
+            <a:avLst/>
+          </a:prstGeom>
+        </p:spPr>
+        <p:txBody>
+          <a:bodyPr/>
+          <a:lstStyle/>
+          <a:p>
+            <a:r>
+              <a:rPr lang="en-US" dirty="0"/>
+              <a:t>Neural networks</a:t>
+            </a:r>
+            <a:endParaRPr dirty="0"/>
+          </a:p>
+        </p:txBody>
+      </p:sp>
+      <p:sp>
+        <p:nvSpPr>
+          <p:cNvPr id="197" name="bayesian framework: prior information…"/>
+          <p:cNvSpPr txBox="1">
+            <a:spLocks noGrp="1"/>
+          </p:cNvSpPr>
+          <p:nvPr>
+            <p:ph type="body" idx="1"/>
+          </p:nvPr>
+        </p:nvSpPr>
+        <p:spPr>
+          <a:prstGeom prst="rect">
+            <a:avLst/>
+          </a:prstGeom>
+        </p:spPr>
+        <p:txBody>
+          <a:bodyPr>
+            <a:normAutofit/>
+          </a:bodyPr>
+          <a:lstStyle/>
+          <a:p>
+            <a:pPr marL="0" indent="0">
+              <a:buSzTx/>
+              <a:buNone/>
+              <a:defRPr sz="3000"/>
+            </a:pPr>
+            <a:r>
+              <a:rPr lang="en-US" sz="4400" dirty="0"/>
+              <a:t>Modifying network architecture:</a:t>
+            </a:r>
+            <a:endParaRPr sz="4400" dirty="0"/>
+          </a:p>
+        </p:txBody>
+      </p:sp>
+      <p:grpSp>
+        <p:nvGrpSpPr>
+          <p:cNvPr id="6" name="Group 5">
+            <a:extLst>
+              <a:ext uri="{FF2B5EF4-FFF2-40B4-BE49-F238E27FC236}">
+                <a16:creationId xmlns:a16="http://schemas.microsoft.com/office/drawing/2014/main" id="{19E31BAD-7F84-744D-B5F0-6E3C6503817C}"/>
+              </a:ext>
+            </a:extLst>
+          </p:cNvPr>
+          <p:cNvGrpSpPr/>
+          <p:nvPr/>
+        </p:nvGrpSpPr>
+        <p:grpSpPr>
+          <a:xfrm>
+            <a:off x="1206500" y="6413675"/>
+            <a:ext cx="8229600" cy="4929363"/>
+            <a:chOff x="1761067" y="4248504"/>
+            <a:chExt cx="8229600" cy="4929363"/>
+          </a:xfrm>
+        </p:grpSpPr>
+        <p:sp>
+          <p:nvSpPr>
+            <p:cNvPr id="7" name="Rounded Rectangle 6">
+              <a:extLst>
+                <a:ext uri="{FF2B5EF4-FFF2-40B4-BE49-F238E27FC236}">
+                  <a16:creationId xmlns:a16="http://schemas.microsoft.com/office/drawing/2014/main" id="{ED703EAF-B8CA-2C47-80A5-7A9F05D09B99}"/>
+                </a:ext>
+              </a:extLst>
+            </p:cNvPr>
+            <p:cNvSpPr/>
+            <p:nvPr/>
+          </p:nvSpPr>
+          <p:spPr>
+            <a:xfrm>
+              <a:off x="1761067" y="4248504"/>
+              <a:ext cx="8229600" cy="4929363"/>
+            </a:xfrm>
+            <a:prstGeom prst="roundRect">
+              <a:avLst/>
+            </a:prstGeom>
+            <a:ln/>
+          </p:spPr>
+          <p:style>
+            <a:lnRef idx="2">
+              <a:schemeClr val="accent1"/>
+            </a:lnRef>
+            <a:fillRef idx="1">
+              <a:schemeClr val="lt1"/>
+            </a:fillRef>
+            <a:effectRef idx="0">
+              <a:schemeClr val="accent1"/>
+            </a:effectRef>
+            <a:fontRef idx="minor">
+              <a:schemeClr val="dk1"/>
+            </a:fontRef>
+          </p:style>
+          <p:txBody>
+            <a:bodyPr rot="0" spcFirstLastPara="1" vertOverflow="overflow" horzOverflow="overflow" vert="horz" wrap="square" lIns="50800" tIns="50800" rIns="50800" bIns="50800" numCol="1" spcCol="38100" rtlCol="0" anchor="ctr">
+              <a:spAutoFit/>
+            </a:bodyPr>
+            <a:lstStyle/>
+            <a:p>
+              <a:pPr marL="0" marR="0" indent="0" algn="ctr" defTabSz="825500" rtl="0" fontAlgn="auto" latinLnBrk="0" hangingPunct="0">
+                <a:lnSpc>
+                  <a:spcPct val="100000"/>
+                </a:lnSpc>
+                <a:spcBef>
+                  <a:spcPts val="0"/>
+                </a:spcBef>
+                <a:spcAft>
+                  <a:spcPts val="0"/>
+                </a:spcAft>
+                <a:buClrTx/>
+                <a:buSzTx/>
+                <a:buFontTx/>
+                <a:buNone/>
+                <a:tabLst/>
+              </a:pPr>
+              <a:endParaRPr kumimoji="0" lang="en-US" sz="3200" b="0" i="0" u="none" strike="noStrike" cap="none" spc="0" normalizeH="0" baseline="0">
+                <a:ln>
+                  <a:noFill/>
+                </a:ln>
+                <a:solidFill>
+                  <a:srgbClr val="FFFFFF"/>
+                </a:solidFill>
+                <a:effectLst/>
+                <a:uFillTx/>
+                <a:latin typeface="Helvetica Neue Medium"/>
+                <a:ea typeface="Helvetica Neue Medium"/>
+                <a:cs typeface="Helvetica Neue Medium"/>
+                <a:sym typeface="Helvetica Neue Medium"/>
+              </a:endParaRPr>
+            </a:p>
+          </p:txBody>
+        </p:sp>
+        <p:pic>
+          <p:nvPicPr>
+            <p:cNvPr id="8" name="Picture 2" descr="Artificial neural network architecture (ANN i-h 1-h 2-h n-o). | Download  Scientific Diagram">
+              <a:extLst>
+                <a:ext uri="{FF2B5EF4-FFF2-40B4-BE49-F238E27FC236}">
+                  <a16:creationId xmlns:a16="http://schemas.microsoft.com/office/drawing/2014/main" id="{A9CD4CD4-BA6D-154E-98D2-FD8CEF90A46B}"/>
+                </a:ext>
+              </a:extLst>
+            </p:cNvPr>
+            <p:cNvPicPr>
+              <a:picLocks noChangeAspect="1" noChangeArrowheads="1"/>
+            </p:cNvPicPr>
+            <p:nvPr/>
+          </p:nvPicPr>
+          <p:blipFill>
+            <a:blip r:embed="rId3">
+              <a:extLst>
+                <a:ext uri="{28A0092B-C50C-407E-A947-70E740481C1C}">
+                  <a14:useLocalDpi xmlns:a14="http://schemas.microsoft.com/office/drawing/2010/main" val="0"/>
+                </a:ext>
+              </a:extLst>
+            </a:blip>
+            <a:srcRect/>
+            <a:stretch>
+              <a:fillRect/>
+            </a:stretch>
+          </p:blipFill>
+          <p:spPr bwMode="auto">
+            <a:xfrm>
+              <a:off x="2019300" y="4601204"/>
+              <a:ext cx="7449562" cy="4364567"/>
+            </a:xfrm>
+            <a:prstGeom prst="rect">
+              <a:avLst/>
+            </a:prstGeom>
+            <a:noFill/>
+            <a:extLst>
+              <a:ext uri="{909E8E84-426E-40DD-AFC4-6F175D3DCCD1}">
+                <a14:hiddenFill xmlns:a14="http://schemas.microsoft.com/office/drawing/2010/main">
+                  <a:solidFill>
+                    <a:srgbClr val="FFFFFF"/>
+                  </a:solidFill>
+                </a14:hiddenFill>
+              </a:ext>
+            </a:extLst>
+          </p:spPr>
+        </p:pic>
+      </p:grpSp>
+      <p:sp>
+        <p:nvSpPr>
+          <p:cNvPr id="9" name="Rounded Rectangle 8">
+            <a:extLst>
+              <a:ext uri="{FF2B5EF4-FFF2-40B4-BE49-F238E27FC236}">
+                <a16:creationId xmlns:a16="http://schemas.microsoft.com/office/drawing/2014/main" id="{C630137E-DD3C-B341-95D2-B3A5BC8BAD9F}"/>
+              </a:ext>
+            </a:extLst>
+          </p:cNvPr>
+          <p:cNvSpPr/>
+          <p:nvPr/>
+        </p:nvSpPr>
+        <p:spPr>
+          <a:xfrm>
+            <a:off x="13209165" y="3806125"/>
+            <a:ext cx="9676236" cy="2165171"/>
+          </a:xfrm>
+          <a:prstGeom prst="roundRect">
+            <a:avLst/>
+          </a:prstGeom>
+          <a:ln/>
+        </p:spPr>
+        <p:style>
+          <a:lnRef idx="2">
+            <a:schemeClr val="accent1">
+              <a:shade val="50000"/>
+            </a:schemeClr>
+          </a:lnRef>
+          <a:fillRef idx="1">
+            <a:schemeClr val="accent1"/>
+          </a:fillRef>
+          <a:effectRef idx="0">
+            <a:schemeClr val="accent1"/>
+          </a:effectRef>
+          <a:fontRef idx="minor">
+            <a:schemeClr val="lt1"/>
+          </a:fontRef>
+        </p:style>
+        <p:txBody>
+          <a:bodyPr rot="0" spcFirstLastPara="1" vertOverflow="overflow" horzOverflow="overflow" vert="horz" wrap="square" lIns="50800" tIns="50800" rIns="50800" bIns="50800" numCol="1" spcCol="38100" rtlCol="0" anchor="ctr">
+            <a:noAutofit/>
+          </a:bodyPr>
+          <a:lstStyle/>
+          <a:p>
+            <a:pPr marL="0" marR="0" indent="0" algn="ctr" defTabSz="825500" rtl="0" fontAlgn="auto" latinLnBrk="0" hangingPunct="0">
+              <a:lnSpc>
+                <a:spcPct val="100000"/>
+              </a:lnSpc>
+              <a:spcBef>
+                <a:spcPts val="0"/>
+              </a:spcBef>
+              <a:spcAft>
+                <a:spcPts val="0"/>
+              </a:spcAft>
+              <a:buClrTx/>
+              <a:buSzTx/>
+              <a:buFontTx/>
+              <a:buNone/>
+              <a:tabLst/>
+            </a:pPr>
+            <a:r>
+              <a:rPr kumimoji="0" lang="en-US" sz="3200" b="0" i="0" u="none" strike="noStrike" cap="none" spc="0" normalizeH="0" baseline="0" dirty="0">
+                <a:ln>
+                  <a:noFill/>
+                </a:ln>
+                <a:solidFill>
+                  <a:srgbClr val="FFFFFF"/>
+                </a:solidFill>
+                <a:effectLst/>
+                <a:uFillTx/>
+                <a:latin typeface="Helvetica Neue Medium"/>
+                <a:ea typeface="Helvetica Neue Medium"/>
+                <a:cs typeface="Helvetica Neue Medium"/>
+                <a:sym typeface="Helvetica Neue Medium"/>
+              </a:rPr>
+              <a:t>Change output layer activation from linear to </a:t>
+            </a:r>
+            <a:r>
+              <a:rPr kumimoji="0" lang="en-US" sz="3200" b="0" i="0" u="none" strike="noStrike" cap="none" spc="0" normalizeH="0" baseline="0" dirty="0" err="1">
+                <a:ln>
+                  <a:noFill/>
+                </a:ln>
+                <a:solidFill>
+                  <a:srgbClr val="FFFFFF"/>
+                </a:solidFill>
+                <a:effectLst/>
+                <a:uFillTx/>
+                <a:latin typeface="Helvetica Neue Medium"/>
+                <a:ea typeface="Helvetica Neue Medium"/>
+                <a:cs typeface="Helvetica Neue Medium"/>
+                <a:sym typeface="Helvetica Neue Medium"/>
+              </a:rPr>
+              <a:t>ReLU</a:t>
+            </a:r>
+            <a:r>
+              <a:rPr kumimoji="0" lang="en-US" sz="3200" b="0" i="0" u="none" strike="noStrike" cap="none" spc="0" normalizeH="0" baseline="0" dirty="0">
+                <a:ln>
+                  <a:noFill/>
+                </a:ln>
+                <a:solidFill>
+                  <a:srgbClr val="FFFFFF"/>
+                </a:solidFill>
+                <a:effectLst/>
+                <a:uFillTx/>
+                <a:latin typeface="Helvetica Neue Medium"/>
+                <a:ea typeface="Helvetica Neue Medium"/>
+                <a:cs typeface="Helvetica Neue Medium"/>
+                <a:sym typeface="Helvetica Neue Medium"/>
+              </a:rPr>
+              <a:t> (or similar)</a:t>
+            </a:r>
+          </a:p>
+        </p:txBody>
+      </p:sp>
+      <p:sp>
+        <p:nvSpPr>
+          <p:cNvPr id="2" name="TextBox 1">
+            <a:extLst>
+              <a:ext uri="{FF2B5EF4-FFF2-40B4-BE49-F238E27FC236}">
+                <a16:creationId xmlns:a16="http://schemas.microsoft.com/office/drawing/2014/main" id="{ADE6F1BB-5741-A94F-8DFF-9FBDEC3A6B0A}"/>
+              </a:ext>
+            </a:extLst>
+          </p:cNvPr>
+          <p:cNvSpPr txBox="1"/>
+          <p:nvPr/>
+        </p:nvSpPr>
+        <p:spPr>
+          <a:xfrm>
+            <a:off x="14027733" y="6530413"/>
+            <a:ext cx="8039100" cy="471924"/>
+          </a:xfrm>
+          <a:prstGeom prst="rect">
+            <a:avLst/>
+          </a:prstGeom>
+          <a:noFill/>
+          <a:ln w="12700" cap="flat">
+            <a:noFill/>
+            <a:miter lim="400000"/>
+          </a:ln>
+          <a:effectLst/>
+          <a:sp3d/>
+        </p:spPr>
+        <p:style>
+          <a:lnRef idx="0">
+            <a:scrgbClr r="0" g="0" b="0"/>
+          </a:lnRef>
+          <a:fillRef idx="0">
+            <a:scrgbClr r="0" g="0" b="0"/>
+          </a:fillRef>
+          <a:effectRef idx="0">
+            <a:scrgbClr r="0" g="0" b="0"/>
+          </a:effectRef>
+          <a:fontRef idx="none"/>
+        </p:style>
+        <p:txBody>
+          <a:bodyPr rot="0" spcFirstLastPara="1" vertOverflow="overflow" horzOverflow="overflow" vert="horz" wrap="square" lIns="50800" tIns="50800" rIns="50800" bIns="50800" numCol="1" spcCol="38100" rtlCol="0" anchor="ctr">
+            <a:spAutoFit/>
+          </a:bodyPr>
+          <a:lstStyle/>
+          <a:p>
+            <a:pPr marL="0" marR="0" indent="0" algn="ctr" defTabSz="2438338" rtl="0" fontAlgn="auto" latinLnBrk="0" hangingPunct="0">
+              <a:lnSpc>
+                <a:spcPct val="100000"/>
+              </a:lnSpc>
+              <a:spcBef>
+                <a:spcPts val="0"/>
+              </a:spcBef>
+              <a:spcAft>
+                <a:spcPts val="0"/>
+              </a:spcAft>
+              <a:buClrTx/>
+              <a:buSzTx/>
+              <a:buFontTx/>
+              <a:buNone/>
+              <a:tabLst/>
+            </a:pPr>
+            <a:r>
+              <a:rPr kumimoji="0" lang="en-US" sz="2400" b="0" i="0" u="none" strike="noStrike" cap="none" spc="0" normalizeH="0" baseline="0" dirty="0">
+                <a:ln>
+                  <a:noFill/>
+                </a:ln>
+                <a:solidFill>
+                  <a:srgbClr val="5E5E5E"/>
+                </a:solidFill>
+                <a:effectLst/>
+                <a:uFillTx/>
+                <a:latin typeface="+mn-lt"/>
+                <a:ea typeface="+mn-ea"/>
+                <a:cs typeface="+mn-cs"/>
+                <a:sym typeface="Helvetica Neue"/>
+              </a:rPr>
+              <a:t>This is not new, to get a probability, we use a sigmoid!</a:t>
+            </a:r>
+          </a:p>
+        </p:txBody>
+      </p:sp>
+    </p:spTree>
+    <p:extLst>
+      <p:ext uri="{BB962C8B-B14F-4D97-AF65-F5344CB8AC3E}">
+        <p14:creationId xmlns:p14="http://schemas.microsoft.com/office/powerpoint/2010/main" val="3723229216"/>
+      </p:ext>
+    </p:extLst>
+  </p:cSld>
+  <p:clrMapOvr>
+    <a:masterClrMapping/>
+  </p:clrMapOvr>
+  <p:transition spd="med"/>
+</p:sld>
+</file>
+
+<file path=ppt/slides/slide27.xml><?xml version="1.0" encoding="utf-8"?>
+<p:sld xmlns:a="http://schemas.openxmlformats.org/drawingml/2006/main" xmlns:r="http://schemas.openxmlformats.org/officeDocument/2006/relationships" xmlns:p="http://schemas.openxmlformats.org/presentationml/2006/main">
+  <p:cSld>
+    <p:spTree>
+      <p:nvGrpSpPr>
+        <p:cNvPr id="1" name=""/>
+        <p:cNvGrpSpPr/>
+        <p:nvPr/>
+      </p:nvGrpSpPr>
+      <p:grpSpPr>
+        <a:xfrm>
+          <a:off x="0" y="0"/>
+          <a:ext cx="0" cy="0"/>
+          <a:chOff x="0" y="0"/>
+          <a:chExt cx="0" cy="0"/>
+        </a:xfrm>
+      </p:grpSpPr>
+      <p:sp>
+        <p:nvSpPr>
+          <p:cNvPr id="195" name="Incorporating domain knowledge"/>
+          <p:cNvSpPr txBox="1">
+            <a:spLocks noGrp="1"/>
+          </p:cNvSpPr>
+          <p:nvPr>
+            <p:ph type="title"/>
+          </p:nvPr>
+        </p:nvSpPr>
+        <p:spPr>
+          <a:prstGeom prst="rect">
+            <a:avLst/>
+          </a:prstGeom>
+        </p:spPr>
+        <p:txBody>
+          <a:bodyPr/>
+          <a:lstStyle/>
+          <a:p>
+            <a:r>
+              <a:t>Incorporating domain knowledge </a:t>
+            </a:r>
+          </a:p>
+        </p:txBody>
+      </p:sp>
+      <p:sp>
+        <p:nvSpPr>
+          <p:cNvPr id="196" name="Slide Subtitle"/>
+          <p:cNvSpPr txBox="1">
+            <a:spLocks noGrp="1"/>
+          </p:cNvSpPr>
+          <p:nvPr>
+            <p:ph type="body" idx="21"/>
+          </p:nvPr>
+        </p:nvSpPr>
+        <p:spPr>
+          <a:prstGeom prst="rect">
+            <a:avLst/>
+          </a:prstGeom>
+        </p:spPr>
+        <p:txBody>
+          <a:bodyPr/>
+          <a:lstStyle/>
+          <a:p>
+            <a:r>
+              <a:rPr lang="en-US" dirty="0"/>
+              <a:t>Neural networks</a:t>
+            </a:r>
+            <a:endParaRPr dirty="0"/>
+          </a:p>
+        </p:txBody>
+      </p:sp>
+      <p:sp>
+        <p:nvSpPr>
+          <p:cNvPr id="197" name="bayesian framework: prior information…"/>
+          <p:cNvSpPr txBox="1">
+            <a:spLocks noGrp="1"/>
+          </p:cNvSpPr>
+          <p:nvPr>
+            <p:ph type="body" idx="1"/>
+          </p:nvPr>
+        </p:nvSpPr>
+        <p:spPr>
+          <a:xfrm>
+            <a:off x="1206500" y="4248504"/>
+            <a:ext cx="12238567" cy="8256012"/>
+          </a:xfrm>
+          <a:prstGeom prst="rect">
+            <a:avLst/>
+          </a:prstGeom>
+        </p:spPr>
+        <p:txBody>
+          <a:bodyPr>
+            <a:normAutofit/>
+          </a:bodyPr>
+          <a:lstStyle/>
+          <a:p>
+            <a:pPr marL="0" indent="0">
+              <a:buSzTx/>
+              <a:buNone/>
+              <a:defRPr sz="3000"/>
+            </a:pPr>
+            <a:r>
+              <a:rPr lang="en-US" sz="4400" dirty="0"/>
+              <a:t>Modifying network architecture for symmetries:</a:t>
+            </a:r>
+            <a:endParaRPr sz="4400" dirty="0"/>
+          </a:p>
+        </p:txBody>
+      </p:sp>
+      <p:grpSp>
+        <p:nvGrpSpPr>
+          <p:cNvPr id="6" name="Group 5">
+            <a:extLst>
+              <a:ext uri="{FF2B5EF4-FFF2-40B4-BE49-F238E27FC236}">
+                <a16:creationId xmlns:a16="http://schemas.microsoft.com/office/drawing/2014/main" id="{19E31BAD-7F84-744D-B5F0-6E3C6503817C}"/>
+              </a:ext>
+            </a:extLst>
+          </p:cNvPr>
+          <p:cNvGrpSpPr/>
+          <p:nvPr/>
+        </p:nvGrpSpPr>
+        <p:grpSpPr>
+          <a:xfrm>
+            <a:off x="1206500" y="6413675"/>
+            <a:ext cx="8229600" cy="4929363"/>
+            <a:chOff x="1761067" y="4248504"/>
+            <a:chExt cx="8229600" cy="4929363"/>
+          </a:xfrm>
+        </p:grpSpPr>
+        <p:sp>
+          <p:nvSpPr>
+            <p:cNvPr id="7" name="Rounded Rectangle 6">
+              <a:extLst>
+                <a:ext uri="{FF2B5EF4-FFF2-40B4-BE49-F238E27FC236}">
+                  <a16:creationId xmlns:a16="http://schemas.microsoft.com/office/drawing/2014/main" id="{ED703EAF-B8CA-2C47-80A5-7A9F05D09B99}"/>
+                </a:ext>
+              </a:extLst>
+            </p:cNvPr>
+            <p:cNvSpPr/>
+            <p:nvPr/>
+          </p:nvSpPr>
+          <p:spPr>
+            <a:xfrm>
+              <a:off x="1761067" y="4248504"/>
+              <a:ext cx="8229600" cy="4929363"/>
+            </a:xfrm>
+            <a:prstGeom prst="roundRect">
+              <a:avLst/>
+            </a:prstGeom>
+            <a:ln/>
+          </p:spPr>
+          <p:style>
+            <a:lnRef idx="2">
+              <a:schemeClr val="accent1"/>
+            </a:lnRef>
+            <a:fillRef idx="1">
+              <a:schemeClr val="lt1"/>
+            </a:fillRef>
+            <a:effectRef idx="0">
+              <a:schemeClr val="accent1"/>
+            </a:effectRef>
+            <a:fontRef idx="minor">
+              <a:schemeClr val="dk1"/>
+            </a:fontRef>
+          </p:style>
+          <p:txBody>
+            <a:bodyPr rot="0" spcFirstLastPara="1" vertOverflow="overflow" horzOverflow="overflow" vert="horz" wrap="square" lIns="50800" tIns="50800" rIns="50800" bIns="50800" numCol="1" spcCol="38100" rtlCol="0" anchor="ctr">
+              <a:spAutoFit/>
+            </a:bodyPr>
+            <a:lstStyle/>
+            <a:p>
+              <a:pPr marL="0" marR="0" indent="0" algn="ctr" defTabSz="825500" rtl="0" fontAlgn="auto" latinLnBrk="0" hangingPunct="0">
+                <a:lnSpc>
+                  <a:spcPct val="100000"/>
+                </a:lnSpc>
+                <a:spcBef>
+                  <a:spcPts val="0"/>
+                </a:spcBef>
+                <a:spcAft>
+                  <a:spcPts val="0"/>
+                </a:spcAft>
+                <a:buClrTx/>
+                <a:buSzTx/>
+                <a:buFontTx/>
+                <a:buNone/>
+                <a:tabLst/>
+              </a:pPr>
+              <a:endParaRPr kumimoji="0" lang="en-US" sz="3200" b="0" i="0" u="none" strike="noStrike" cap="none" spc="0" normalizeH="0" baseline="0">
+                <a:ln>
+                  <a:noFill/>
+                </a:ln>
+                <a:solidFill>
+                  <a:srgbClr val="FFFFFF"/>
+                </a:solidFill>
+                <a:effectLst/>
+                <a:uFillTx/>
+                <a:latin typeface="Helvetica Neue Medium"/>
+                <a:ea typeface="Helvetica Neue Medium"/>
+                <a:cs typeface="Helvetica Neue Medium"/>
+                <a:sym typeface="Helvetica Neue Medium"/>
+              </a:endParaRPr>
+            </a:p>
+          </p:txBody>
+        </p:sp>
+        <p:pic>
+          <p:nvPicPr>
+            <p:cNvPr id="8" name="Picture 2" descr="Artificial neural network architecture (ANN i-h 1-h 2-h n-o). | Download  Scientific Diagram">
+              <a:extLst>
+                <a:ext uri="{FF2B5EF4-FFF2-40B4-BE49-F238E27FC236}">
+                  <a16:creationId xmlns:a16="http://schemas.microsoft.com/office/drawing/2014/main" id="{A9CD4CD4-BA6D-154E-98D2-FD8CEF90A46B}"/>
+                </a:ext>
+              </a:extLst>
+            </p:cNvPr>
+            <p:cNvPicPr>
+              <a:picLocks noChangeAspect="1" noChangeArrowheads="1"/>
+            </p:cNvPicPr>
+            <p:nvPr/>
+          </p:nvPicPr>
+          <p:blipFill>
+            <a:blip r:embed="rId3">
+              <a:extLst>
+                <a:ext uri="{28A0092B-C50C-407E-A947-70E740481C1C}">
+                  <a14:useLocalDpi xmlns:a14="http://schemas.microsoft.com/office/drawing/2010/main" val="0"/>
+                </a:ext>
+              </a:extLst>
+            </a:blip>
+            <a:srcRect/>
+            <a:stretch>
+              <a:fillRect/>
+            </a:stretch>
+          </p:blipFill>
+          <p:spPr bwMode="auto">
+            <a:xfrm>
+              <a:off x="2019300" y="4601204"/>
+              <a:ext cx="7449562" cy="4364567"/>
+            </a:xfrm>
+            <a:prstGeom prst="rect">
+              <a:avLst/>
+            </a:prstGeom>
+            <a:noFill/>
+            <a:extLst>
+              <a:ext uri="{909E8E84-426E-40DD-AFC4-6F175D3DCCD1}">
+                <a14:hiddenFill xmlns:a14="http://schemas.microsoft.com/office/drawing/2010/main">
+                  <a:solidFill>
+                    <a:srgbClr val="FFFFFF"/>
+                  </a:solidFill>
+                </a14:hiddenFill>
+              </a:ext>
+            </a:extLst>
+          </p:spPr>
+        </p:pic>
+      </p:grpSp>
+      <p:sp>
+        <p:nvSpPr>
+          <p:cNvPr id="10" name="bayesian framework: prior information…">
+            <a:extLst>
+              <a:ext uri="{FF2B5EF4-FFF2-40B4-BE49-F238E27FC236}">
+                <a16:creationId xmlns:a16="http://schemas.microsoft.com/office/drawing/2014/main" id="{3D6AF3A5-A94D-0647-8A76-E254FE1ECEE2}"/>
+              </a:ext>
+            </a:extLst>
+          </p:cNvPr>
+          <p:cNvSpPr txBox="1">
+            <a:spLocks/>
+          </p:cNvSpPr>
+          <p:nvPr/>
+        </p:nvSpPr>
+        <p:spPr>
+          <a:xfrm>
+            <a:off x="10435167" y="5958771"/>
+            <a:ext cx="12238567" cy="8256012"/>
+          </a:xfrm>
+          <a:prstGeom prst="rect">
+            <a:avLst/>
+          </a:prstGeom>
+          <a:ln w="12700">
+            <a:miter lim="400000"/>
+          </a:ln>
+          <a:extLst>
+            <a:ext uri="{C572A759-6A51-4108-AA02-DFA0A04FC94B}">
+              <ma14:wrappingTextBoxFlag xmlns:ma14="http://schemas.microsoft.com/office/mac/drawingml/2011/main" xmlns:a14="http://schemas.microsoft.com/office/drawing/2010/main" xmlns:m="http://schemas.openxmlformats.org/officeDocument/2006/math" xmlns="" val="1"/>
+            </a:ext>
+          </a:extLst>
+        </p:spPr>
+        <p:txBody>
+          <a:bodyPr lIns="50800" tIns="50800" rIns="50800" bIns="50800">
+            <a:normAutofit/>
+          </a:bodyPr>
+          <a:lstStyle>
+            <a:lvl1pPr marL="609600" marR="0" indent="-609600" algn="l" defTabSz="2438338" rtl="0" latinLnBrk="0">
+              <a:lnSpc>
+                <a:spcPct val="90000"/>
+              </a:lnSpc>
+              <a:spcBef>
+                <a:spcPts val="4500"/>
+              </a:spcBef>
+              <a:spcAft>
+                <a:spcPts val="0"/>
+              </a:spcAft>
+              <a:buClrTx/>
+              <a:buSzPct val="123000"/>
+              <a:buFontTx/>
+              <a:buChar char="•"/>
+              <a:tabLst/>
+              <a:defRPr sz="4800" b="0" i="0" u="none" strike="noStrike" cap="none" spc="0" baseline="0">
+                <a:solidFill>
+                  <a:srgbClr val="000000"/>
+                </a:solidFill>
+                <a:uFillTx/>
+                <a:latin typeface="+mn-lt"/>
+                <a:ea typeface="+mn-ea"/>
+                <a:cs typeface="+mn-cs"/>
+                <a:sym typeface="Helvetica Neue"/>
+              </a:defRPr>
+            </a:lvl1pPr>
+            <a:lvl2pPr marL="1219200" marR="0" indent="-609600" algn="l" defTabSz="2438338" rtl="0" latinLnBrk="0">
+              <a:lnSpc>
+                <a:spcPct val="90000"/>
+              </a:lnSpc>
+              <a:spcBef>
+                <a:spcPts val="4500"/>
+              </a:spcBef>
+              <a:spcAft>
+                <a:spcPts val="0"/>
+              </a:spcAft>
+              <a:buClrTx/>
+              <a:buSzPct val="123000"/>
+              <a:buFontTx/>
+              <a:buChar char="•"/>
+              <a:tabLst/>
+              <a:defRPr sz="4800" b="0" i="0" u="none" strike="noStrike" cap="none" spc="0" baseline="0">
+                <a:solidFill>
+                  <a:srgbClr val="000000"/>
+                </a:solidFill>
+                <a:uFillTx/>
+                <a:latin typeface="+mn-lt"/>
+                <a:ea typeface="+mn-ea"/>
+                <a:cs typeface="+mn-cs"/>
+                <a:sym typeface="Helvetica Neue"/>
+              </a:defRPr>
+            </a:lvl2pPr>
+            <a:lvl3pPr marL="1828800" marR="0" indent="-609600" algn="l" defTabSz="2438338" rtl="0" latinLnBrk="0">
+              <a:lnSpc>
+                <a:spcPct val="90000"/>
+              </a:lnSpc>
+              <a:spcBef>
+                <a:spcPts val="4500"/>
+              </a:spcBef>
+              <a:spcAft>
+                <a:spcPts val="0"/>
+              </a:spcAft>
+              <a:buClrTx/>
+              <a:buSzPct val="123000"/>
+              <a:buFontTx/>
+              <a:buChar char="•"/>
+              <a:tabLst/>
+              <a:defRPr sz="4800" b="0" i="0" u="none" strike="noStrike" cap="none" spc="0" baseline="0">
+                <a:solidFill>
+                  <a:srgbClr val="000000"/>
+                </a:solidFill>
+                <a:uFillTx/>
+                <a:latin typeface="+mn-lt"/>
+                <a:ea typeface="+mn-ea"/>
+                <a:cs typeface="+mn-cs"/>
+                <a:sym typeface="Helvetica Neue"/>
+              </a:defRPr>
+            </a:lvl3pPr>
+            <a:lvl4pPr marL="2438400" marR="0" indent="-609600" algn="l" defTabSz="2438338" rtl="0" latinLnBrk="0">
+              <a:lnSpc>
+                <a:spcPct val="90000"/>
+              </a:lnSpc>
+              <a:spcBef>
+                <a:spcPts val="4500"/>
+              </a:spcBef>
+              <a:spcAft>
+                <a:spcPts val="0"/>
+              </a:spcAft>
+              <a:buClrTx/>
+              <a:buSzPct val="123000"/>
+              <a:buFontTx/>
+              <a:buChar char="•"/>
+              <a:tabLst/>
+              <a:defRPr sz="4800" b="0" i="0" u="none" strike="noStrike" cap="none" spc="0" baseline="0">
+                <a:solidFill>
+                  <a:srgbClr val="000000"/>
+                </a:solidFill>
+                <a:uFillTx/>
+                <a:latin typeface="+mn-lt"/>
+                <a:ea typeface="+mn-ea"/>
+                <a:cs typeface="+mn-cs"/>
+                <a:sym typeface="Helvetica Neue"/>
+              </a:defRPr>
+            </a:lvl4pPr>
+            <a:lvl5pPr marL="3048000" marR="0" indent="-609600" algn="l" defTabSz="2438338" rtl="0" latinLnBrk="0">
+              <a:lnSpc>
+                <a:spcPct val="90000"/>
+              </a:lnSpc>
+              <a:spcBef>
+                <a:spcPts val="4500"/>
+              </a:spcBef>
+              <a:spcAft>
+                <a:spcPts val="0"/>
+              </a:spcAft>
+              <a:buClrTx/>
+              <a:buSzPct val="123000"/>
+              <a:buFontTx/>
+              <a:buChar char="•"/>
+              <a:tabLst/>
+              <a:defRPr sz="4800" b="0" i="0" u="none" strike="noStrike" cap="none" spc="0" baseline="0">
+                <a:solidFill>
+                  <a:srgbClr val="000000"/>
+                </a:solidFill>
+                <a:uFillTx/>
+                <a:latin typeface="+mn-lt"/>
+                <a:ea typeface="+mn-ea"/>
+                <a:cs typeface="+mn-cs"/>
+                <a:sym typeface="Helvetica Neue"/>
+              </a:defRPr>
+            </a:lvl5pPr>
+            <a:lvl6pPr marL="3657600" marR="0" indent="-609600" algn="l" defTabSz="2438338" rtl="0" latinLnBrk="0">
+              <a:lnSpc>
+                <a:spcPct val="90000"/>
+              </a:lnSpc>
+              <a:spcBef>
+                <a:spcPts val="4500"/>
+              </a:spcBef>
+              <a:spcAft>
+                <a:spcPts val="0"/>
+              </a:spcAft>
+              <a:buClrTx/>
+              <a:buSzPct val="123000"/>
+              <a:buFontTx/>
+              <a:buChar char="•"/>
+              <a:tabLst/>
+              <a:defRPr sz="4800" b="0" i="0" u="none" strike="noStrike" cap="none" spc="0" baseline="0">
+                <a:solidFill>
+                  <a:srgbClr val="000000"/>
+                </a:solidFill>
+                <a:uFillTx/>
+                <a:latin typeface="+mn-lt"/>
+                <a:ea typeface="+mn-ea"/>
+                <a:cs typeface="+mn-cs"/>
+                <a:sym typeface="Helvetica Neue"/>
+              </a:defRPr>
+            </a:lvl6pPr>
+            <a:lvl7pPr marL="4267200" marR="0" indent="-609600" algn="l" defTabSz="2438338" rtl="0" latinLnBrk="0">
+              <a:lnSpc>
+                <a:spcPct val="90000"/>
+              </a:lnSpc>
+              <a:spcBef>
+                <a:spcPts val="4500"/>
+              </a:spcBef>
+              <a:spcAft>
+                <a:spcPts val="0"/>
+              </a:spcAft>
+              <a:buClrTx/>
+              <a:buSzPct val="123000"/>
+              <a:buFontTx/>
+              <a:buChar char="•"/>
+              <a:tabLst/>
+              <a:defRPr sz="4800" b="0" i="0" u="none" strike="noStrike" cap="none" spc="0" baseline="0">
+                <a:solidFill>
+                  <a:srgbClr val="000000"/>
+                </a:solidFill>
+                <a:uFillTx/>
+                <a:latin typeface="+mn-lt"/>
+                <a:ea typeface="+mn-ea"/>
+                <a:cs typeface="+mn-cs"/>
+                <a:sym typeface="Helvetica Neue"/>
+              </a:defRPr>
+            </a:lvl7pPr>
+            <a:lvl8pPr marL="4876800" marR="0" indent="-609600" algn="l" defTabSz="2438338" rtl="0" latinLnBrk="0">
+              <a:lnSpc>
+                <a:spcPct val="90000"/>
+              </a:lnSpc>
+              <a:spcBef>
+                <a:spcPts val="4500"/>
+              </a:spcBef>
+              <a:spcAft>
+                <a:spcPts val="0"/>
+              </a:spcAft>
+              <a:buClrTx/>
+              <a:buSzPct val="123000"/>
+              <a:buFontTx/>
+              <a:buChar char="•"/>
+              <a:tabLst/>
+              <a:defRPr sz="4800" b="0" i="0" u="none" strike="noStrike" cap="none" spc="0" baseline="0">
+                <a:solidFill>
+                  <a:srgbClr val="000000"/>
+                </a:solidFill>
+                <a:uFillTx/>
+                <a:latin typeface="+mn-lt"/>
+                <a:ea typeface="+mn-ea"/>
+                <a:cs typeface="+mn-cs"/>
+                <a:sym typeface="Helvetica Neue"/>
+              </a:defRPr>
+            </a:lvl8pPr>
+            <a:lvl9pPr marL="5486400" marR="0" indent="-609600" algn="l" defTabSz="2438338" rtl="0" latinLnBrk="0">
+              <a:lnSpc>
+                <a:spcPct val="90000"/>
+              </a:lnSpc>
+              <a:spcBef>
+                <a:spcPts val="4500"/>
+              </a:spcBef>
+              <a:spcAft>
+                <a:spcPts val="0"/>
+              </a:spcAft>
+              <a:buClrTx/>
+              <a:buSzPct val="123000"/>
+              <a:buFontTx/>
+              <a:buChar char="•"/>
+              <a:tabLst/>
+              <a:defRPr sz="4800" b="0" i="0" u="none" strike="noStrike" cap="none" spc="0" baseline="0">
+                <a:solidFill>
+                  <a:srgbClr val="000000"/>
+                </a:solidFill>
+                <a:uFillTx/>
+                <a:latin typeface="+mn-lt"/>
+                <a:ea typeface="+mn-ea"/>
+                <a:cs typeface="+mn-cs"/>
+                <a:sym typeface="Helvetica Neue"/>
+              </a:defRPr>
+            </a:lvl9pPr>
+          </a:lstStyle>
+          <a:p>
+            <a:pPr marL="0" indent="0" hangingPunct="1">
+              <a:buSzTx/>
+              <a:buFontTx/>
+              <a:buNone/>
+              <a:defRPr sz="3000"/>
+            </a:pPr>
+            <a:r>
+              <a:rPr lang="en-US" sz="4400" dirty="0"/>
+              <a:t>Suppose you want your function to be symmetric for input 1 and 2.</a:t>
+            </a:r>
+          </a:p>
+          <a:p>
+            <a:pPr marL="0" indent="0" hangingPunct="1">
+              <a:buSzTx/>
+              <a:buFontTx/>
+              <a:buNone/>
+              <a:defRPr sz="3000"/>
+            </a:pPr>
+            <a:r>
+              <a:rPr lang="en-US" sz="4400" dirty="0"/>
+              <a:t>Meaning:</a:t>
+            </a:r>
+          </a:p>
+          <a:p>
+            <a:pPr marL="0" indent="0" hangingPunct="1">
+              <a:buSzTx/>
+              <a:buFontTx/>
+              <a:buNone/>
+              <a:defRPr sz="3000"/>
+            </a:pPr>
+            <a:endParaRPr lang="en-US" sz="4400" dirty="0"/>
+          </a:p>
+        </p:txBody>
+      </p:sp>
+      <p:pic>
+        <p:nvPicPr>
+          <p:cNvPr id="3" name="Picture 2">
+            <a:extLst>
+              <a:ext uri="{FF2B5EF4-FFF2-40B4-BE49-F238E27FC236}">
+                <a16:creationId xmlns:a16="http://schemas.microsoft.com/office/drawing/2014/main" id="{A442EEC2-0535-C34F-94FF-3032CAB295F4}"/>
+              </a:ext>
+            </a:extLst>
+          </p:cNvPr>
+          <p:cNvPicPr>
+            <a:picLocks noChangeAspect="1"/>
+          </p:cNvPicPr>
+          <p:nvPr/>
+        </p:nvPicPr>
+        <p:blipFill>
+          <a:blip r:embed="rId4"/>
+          <a:stretch>
+            <a:fillRect/>
+          </a:stretch>
+        </p:blipFill>
+        <p:spPr>
+          <a:xfrm>
+            <a:off x="10938933" y="8971333"/>
+            <a:ext cx="12238567" cy="602966"/>
+          </a:xfrm>
+          <a:prstGeom prst="rect">
+            <a:avLst/>
+          </a:prstGeom>
+        </p:spPr>
+      </p:pic>
+      <p:sp>
+        <p:nvSpPr>
+          <p:cNvPr id="12" name="Rounded Rectangle 11">
+            <a:extLst>
+              <a:ext uri="{FF2B5EF4-FFF2-40B4-BE49-F238E27FC236}">
+                <a16:creationId xmlns:a16="http://schemas.microsoft.com/office/drawing/2014/main" id="{61352BCD-915B-5041-8CA8-446B603040FA}"/>
+              </a:ext>
+            </a:extLst>
+          </p:cNvPr>
+          <p:cNvSpPr/>
+          <p:nvPr/>
+        </p:nvSpPr>
+        <p:spPr>
+          <a:xfrm>
+            <a:off x="12220098" y="10504594"/>
+            <a:ext cx="9676236" cy="2165171"/>
+          </a:xfrm>
+          <a:prstGeom prst="roundRect">
+            <a:avLst/>
+          </a:prstGeom>
+          <a:ln/>
+        </p:spPr>
+        <p:style>
+          <a:lnRef idx="2">
+            <a:schemeClr val="accent1">
+              <a:shade val="50000"/>
+            </a:schemeClr>
+          </a:lnRef>
+          <a:fillRef idx="1">
+            <a:schemeClr val="accent1"/>
+          </a:fillRef>
+          <a:effectRef idx="0">
+            <a:schemeClr val="accent1"/>
+          </a:effectRef>
+          <a:fontRef idx="minor">
+            <a:schemeClr val="lt1"/>
+          </a:fontRef>
+        </p:style>
+        <p:txBody>
+          <a:bodyPr rot="0" spcFirstLastPara="1" vertOverflow="overflow" horzOverflow="overflow" vert="horz" wrap="square" lIns="50800" tIns="50800" rIns="50800" bIns="50800" numCol="1" spcCol="38100" rtlCol="0" anchor="ctr">
+            <a:noAutofit/>
+          </a:bodyPr>
+          <a:lstStyle/>
+          <a:p>
+            <a:pPr marL="0" marR="0" indent="0" algn="ctr" defTabSz="825500" rtl="0" fontAlgn="auto" latinLnBrk="0" hangingPunct="0">
+              <a:lnSpc>
+                <a:spcPct val="100000"/>
+              </a:lnSpc>
+              <a:spcBef>
+                <a:spcPts val="0"/>
+              </a:spcBef>
+              <a:spcAft>
+                <a:spcPts val="0"/>
+              </a:spcAft>
+              <a:buClrTx/>
+              <a:buSzTx/>
+              <a:buFontTx/>
+              <a:buNone/>
+              <a:tabLst/>
+            </a:pPr>
+            <a:r>
+              <a:rPr kumimoji="0" lang="en-US" sz="3200" b="0" i="0" u="none" strike="noStrike" cap="none" spc="0" normalizeH="0" baseline="0" dirty="0">
+                <a:ln>
+                  <a:noFill/>
+                </a:ln>
+                <a:solidFill>
+                  <a:srgbClr val="FFFFFF"/>
+                </a:solidFill>
+                <a:effectLst/>
+                <a:uFillTx/>
+                <a:latin typeface="Helvetica Neue Medium"/>
+                <a:ea typeface="Helvetica Neue Medium"/>
+                <a:cs typeface="Helvetica Neue Medium"/>
+                <a:sym typeface="Helvetica Neue Medium"/>
+              </a:rPr>
+              <a:t>A </a:t>
+            </a:r>
+            <a:r>
+              <a:rPr kumimoji="0" lang="en-US" sz="3200" b="0" i="1" u="none" strike="noStrike" cap="none" spc="0" normalizeH="0" baseline="0" dirty="0">
+                <a:ln>
+                  <a:noFill/>
+                </a:ln>
+                <a:solidFill>
+                  <a:srgbClr val="FFFFFF"/>
+                </a:solidFill>
+                <a:effectLst/>
+                <a:uFillTx/>
+                <a:latin typeface="Helvetica Neue Medium"/>
+                <a:ea typeface="Helvetica Neue Medium"/>
+                <a:cs typeface="Helvetica Neue Medium"/>
+                <a:sym typeface="Helvetica Neue Medium"/>
+              </a:rPr>
+              <a:t>dirty</a:t>
+            </a:r>
+            <a:r>
+              <a:rPr kumimoji="0" lang="en-US" sz="3200" b="0" i="0" u="none" strike="noStrike" cap="none" spc="0" normalizeH="0" baseline="0" dirty="0">
+                <a:ln>
+                  <a:noFill/>
+                </a:ln>
+                <a:solidFill>
+                  <a:srgbClr val="FFFFFF"/>
+                </a:solidFill>
+                <a:effectLst/>
+                <a:uFillTx/>
+                <a:latin typeface="Helvetica Neue Medium"/>
+                <a:ea typeface="Helvetica Neue Medium"/>
+                <a:cs typeface="Helvetica Neue Medium"/>
+                <a:sym typeface="Helvetica Neue Medium"/>
+              </a:rPr>
+              <a:t> way to do this is to make an ensemble prediction. Evaluate the model twice and the prediction is the average of both. </a:t>
+            </a:r>
+          </a:p>
+        </p:txBody>
+      </p:sp>
+    </p:spTree>
+    <p:extLst>
+      <p:ext uri="{BB962C8B-B14F-4D97-AF65-F5344CB8AC3E}">
+        <p14:creationId xmlns:p14="http://schemas.microsoft.com/office/powerpoint/2010/main" val="4011602469"/>
+      </p:ext>
+    </p:extLst>
+  </p:cSld>
+  <p:clrMapOvr>
+    <a:masterClrMapping/>
+  </p:clrMapOvr>
+  <p:transition spd="med"/>
+</p:sld>
+</file>
+
+<file path=ppt/slides/slide28.xml><?xml version="1.0" encoding="utf-8"?>
+<p:sld xmlns:a="http://schemas.openxmlformats.org/drawingml/2006/main" xmlns:r="http://schemas.openxmlformats.org/officeDocument/2006/relationships" xmlns:p="http://schemas.openxmlformats.org/presentationml/2006/main">
+  <p:cSld>
+    <p:spTree>
+      <p:nvGrpSpPr>
+        <p:cNvPr id="1" name=""/>
+        <p:cNvGrpSpPr/>
+        <p:nvPr/>
+      </p:nvGrpSpPr>
+      <p:grpSpPr>
+        <a:xfrm>
+          <a:off x="0" y="0"/>
+          <a:ext cx="0" cy="0"/>
+          <a:chOff x="0" y="0"/>
+          <a:chExt cx="0" cy="0"/>
+        </a:xfrm>
+      </p:grpSpPr>
+      <p:sp>
+        <p:nvSpPr>
+          <p:cNvPr id="195" name="Incorporating domain knowledge"/>
+          <p:cNvSpPr txBox="1">
+            <a:spLocks noGrp="1"/>
+          </p:cNvSpPr>
+          <p:nvPr>
+            <p:ph type="title"/>
+          </p:nvPr>
+        </p:nvSpPr>
+        <p:spPr>
+          <a:prstGeom prst="rect">
+            <a:avLst/>
+          </a:prstGeom>
+        </p:spPr>
+        <p:txBody>
+          <a:bodyPr/>
+          <a:lstStyle/>
+          <a:p>
+            <a:r>
+              <a:t>Incorporating domain knowledge </a:t>
+            </a:r>
+          </a:p>
+        </p:txBody>
+      </p:sp>
+      <p:sp>
+        <p:nvSpPr>
+          <p:cNvPr id="196" name="Slide Subtitle"/>
+          <p:cNvSpPr txBox="1">
+            <a:spLocks noGrp="1"/>
+          </p:cNvSpPr>
+          <p:nvPr>
+            <p:ph type="body" idx="21"/>
+          </p:nvPr>
+        </p:nvSpPr>
+        <p:spPr>
+          <a:prstGeom prst="rect">
+            <a:avLst/>
+          </a:prstGeom>
+        </p:spPr>
+        <p:txBody>
+          <a:bodyPr/>
+          <a:lstStyle/>
+          <a:p>
+            <a:r>
+              <a:rPr lang="en-US" dirty="0"/>
+              <a:t>Neural networks</a:t>
+            </a:r>
+            <a:endParaRPr dirty="0"/>
+          </a:p>
+        </p:txBody>
+      </p:sp>
+      <p:sp>
+        <p:nvSpPr>
+          <p:cNvPr id="197" name="bayesian framework: prior information…"/>
+          <p:cNvSpPr txBox="1">
+            <a:spLocks noGrp="1"/>
+          </p:cNvSpPr>
+          <p:nvPr>
+            <p:ph type="body" idx="1"/>
+          </p:nvPr>
+        </p:nvSpPr>
+        <p:spPr>
+          <a:xfrm>
+            <a:off x="1206500" y="4248504"/>
+            <a:ext cx="12238567" cy="8256012"/>
+          </a:xfrm>
+          <a:prstGeom prst="rect">
+            <a:avLst/>
+          </a:prstGeom>
+        </p:spPr>
+        <p:txBody>
+          <a:bodyPr>
+            <a:normAutofit/>
+          </a:bodyPr>
+          <a:lstStyle/>
+          <a:p>
+            <a:pPr marL="0" indent="0">
+              <a:buSzTx/>
+              <a:buNone/>
+              <a:defRPr sz="3000"/>
+            </a:pPr>
+            <a:r>
+              <a:rPr lang="en-US" sz="4400" dirty="0"/>
+              <a:t>Modifying network architecture for symmetries:</a:t>
+            </a:r>
+            <a:endParaRPr sz="4400" dirty="0"/>
+          </a:p>
+        </p:txBody>
+      </p:sp>
+      <p:grpSp>
+        <p:nvGrpSpPr>
+          <p:cNvPr id="6" name="Group 5">
+            <a:extLst>
+              <a:ext uri="{FF2B5EF4-FFF2-40B4-BE49-F238E27FC236}">
+                <a16:creationId xmlns:a16="http://schemas.microsoft.com/office/drawing/2014/main" id="{19E31BAD-7F84-744D-B5F0-6E3C6503817C}"/>
+              </a:ext>
+            </a:extLst>
+          </p:cNvPr>
+          <p:cNvGrpSpPr/>
+          <p:nvPr/>
+        </p:nvGrpSpPr>
+        <p:grpSpPr>
+          <a:xfrm>
+            <a:off x="1206500" y="6413675"/>
+            <a:ext cx="8229600" cy="4929363"/>
+            <a:chOff x="1761067" y="4248504"/>
+            <a:chExt cx="8229600" cy="4929363"/>
+          </a:xfrm>
+        </p:grpSpPr>
+        <p:sp>
+          <p:nvSpPr>
+            <p:cNvPr id="7" name="Rounded Rectangle 6">
+              <a:extLst>
+                <a:ext uri="{FF2B5EF4-FFF2-40B4-BE49-F238E27FC236}">
+                  <a16:creationId xmlns:a16="http://schemas.microsoft.com/office/drawing/2014/main" id="{ED703EAF-B8CA-2C47-80A5-7A9F05D09B99}"/>
+                </a:ext>
+              </a:extLst>
+            </p:cNvPr>
+            <p:cNvSpPr/>
+            <p:nvPr/>
+          </p:nvSpPr>
+          <p:spPr>
+            <a:xfrm>
+              <a:off x="1761067" y="4248504"/>
+              <a:ext cx="8229600" cy="4929363"/>
+            </a:xfrm>
+            <a:prstGeom prst="roundRect">
+              <a:avLst/>
+            </a:prstGeom>
+            <a:ln/>
+          </p:spPr>
+          <p:style>
+            <a:lnRef idx="2">
+              <a:schemeClr val="accent1"/>
+            </a:lnRef>
+            <a:fillRef idx="1">
+              <a:schemeClr val="lt1"/>
+            </a:fillRef>
+            <a:effectRef idx="0">
+              <a:schemeClr val="accent1"/>
+            </a:effectRef>
+            <a:fontRef idx="minor">
+              <a:schemeClr val="dk1"/>
+            </a:fontRef>
+          </p:style>
+          <p:txBody>
+            <a:bodyPr rot="0" spcFirstLastPara="1" vertOverflow="overflow" horzOverflow="overflow" vert="horz" wrap="square" lIns="50800" tIns="50800" rIns="50800" bIns="50800" numCol="1" spcCol="38100" rtlCol="0" anchor="ctr">
+              <a:spAutoFit/>
+            </a:bodyPr>
+            <a:lstStyle/>
+            <a:p>
+              <a:pPr marL="0" marR="0" indent="0" algn="ctr" defTabSz="825500" rtl="0" fontAlgn="auto" latinLnBrk="0" hangingPunct="0">
+                <a:lnSpc>
+                  <a:spcPct val="100000"/>
+                </a:lnSpc>
+                <a:spcBef>
+                  <a:spcPts val="0"/>
+                </a:spcBef>
+                <a:spcAft>
+                  <a:spcPts val="0"/>
+                </a:spcAft>
+                <a:buClrTx/>
+                <a:buSzTx/>
+                <a:buFontTx/>
+                <a:buNone/>
+                <a:tabLst/>
+              </a:pPr>
+              <a:endParaRPr kumimoji="0" lang="en-US" sz="3200" b="0" i="0" u="none" strike="noStrike" cap="none" spc="0" normalizeH="0" baseline="0">
+                <a:ln>
+                  <a:noFill/>
+                </a:ln>
+                <a:solidFill>
+                  <a:srgbClr val="FFFFFF"/>
+                </a:solidFill>
+                <a:effectLst/>
+                <a:uFillTx/>
+                <a:latin typeface="Helvetica Neue Medium"/>
+                <a:ea typeface="Helvetica Neue Medium"/>
+                <a:cs typeface="Helvetica Neue Medium"/>
+                <a:sym typeface="Helvetica Neue Medium"/>
+              </a:endParaRPr>
+            </a:p>
+          </p:txBody>
+        </p:sp>
+        <p:pic>
+          <p:nvPicPr>
+            <p:cNvPr id="8" name="Picture 2" descr="Artificial neural network architecture (ANN i-h 1-h 2-h n-o). | Download  Scientific Diagram">
+              <a:extLst>
+                <a:ext uri="{FF2B5EF4-FFF2-40B4-BE49-F238E27FC236}">
+                  <a16:creationId xmlns:a16="http://schemas.microsoft.com/office/drawing/2014/main" id="{A9CD4CD4-BA6D-154E-98D2-FD8CEF90A46B}"/>
+                </a:ext>
+              </a:extLst>
+            </p:cNvPr>
+            <p:cNvPicPr>
+              <a:picLocks noChangeAspect="1" noChangeArrowheads="1"/>
+            </p:cNvPicPr>
+            <p:nvPr/>
+          </p:nvPicPr>
+          <p:blipFill>
+            <a:blip r:embed="rId3">
+              <a:extLst>
+                <a:ext uri="{28A0092B-C50C-407E-A947-70E740481C1C}">
+                  <a14:useLocalDpi xmlns:a14="http://schemas.microsoft.com/office/drawing/2010/main" val="0"/>
+                </a:ext>
+              </a:extLst>
+            </a:blip>
+            <a:srcRect/>
+            <a:stretch>
+              <a:fillRect/>
+            </a:stretch>
+          </p:blipFill>
+          <p:spPr bwMode="auto">
+            <a:xfrm>
+              <a:off x="2019300" y="4601204"/>
+              <a:ext cx="7449562" cy="4364567"/>
+            </a:xfrm>
+            <a:prstGeom prst="rect">
+              <a:avLst/>
+            </a:prstGeom>
+            <a:noFill/>
+            <a:extLst>
+              <a:ext uri="{909E8E84-426E-40DD-AFC4-6F175D3DCCD1}">
+                <a14:hiddenFill xmlns:a14="http://schemas.microsoft.com/office/drawing/2010/main">
+                  <a:solidFill>
+                    <a:srgbClr val="FFFFFF"/>
+                  </a:solidFill>
+                </a14:hiddenFill>
+              </a:ext>
+            </a:extLst>
+          </p:spPr>
+        </p:pic>
+      </p:grpSp>
+      <p:sp>
+        <p:nvSpPr>
+          <p:cNvPr id="10" name="bayesian framework: prior information…">
+            <a:extLst>
+              <a:ext uri="{FF2B5EF4-FFF2-40B4-BE49-F238E27FC236}">
+                <a16:creationId xmlns:a16="http://schemas.microsoft.com/office/drawing/2014/main" id="{3D6AF3A5-A94D-0647-8A76-E254FE1ECEE2}"/>
+              </a:ext>
+            </a:extLst>
+          </p:cNvPr>
+          <p:cNvSpPr txBox="1">
+            <a:spLocks/>
+          </p:cNvSpPr>
+          <p:nvPr/>
+        </p:nvSpPr>
+        <p:spPr>
+          <a:xfrm>
+            <a:off x="10435167" y="5958771"/>
+            <a:ext cx="12238567" cy="8256012"/>
+          </a:xfrm>
+          <a:prstGeom prst="rect">
+            <a:avLst/>
+          </a:prstGeom>
+          <a:ln w="12700">
+            <a:miter lim="400000"/>
+          </a:ln>
+          <a:extLst>
+            <a:ext uri="{C572A759-6A51-4108-AA02-DFA0A04FC94B}">
+              <ma14:wrappingTextBoxFlag xmlns:ma14="http://schemas.microsoft.com/office/mac/drawingml/2011/main" xmlns:a14="http://schemas.microsoft.com/office/drawing/2010/main" xmlns:m="http://schemas.openxmlformats.org/officeDocument/2006/math" xmlns="" val="1"/>
+            </a:ext>
+          </a:extLst>
+        </p:spPr>
+        <p:txBody>
+          <a:bodyPr lIns="50800" tIns="50800" rIns="50800" bIns="50800">
+            <a:normAutofit/>
+          </a:bodyPr>
+          <a:lstStyle>
+            <a:lvl1pPr marL="609600" marR="0" indent="-609600" algn="l" defTabSz="2438338" rtl="0" latinLnBrk="0">
+              <a:lnSpc>
+                <a:spcPct val="90000"/>
+              </a:lnSpc>
+              <a:spcBef>
+                <a:spcPts val="4500"/>
+              </a:spcBef>
+              <a:spcAft>
+                <a:spcPts val="0"/>
+              </a:spcAft>
+              <a:buClrTx/>
+              <a:buSzPct val="123000"/>
+              <a:buFontTx/>
+              <a:buChar char="•"/>
+              <a:tabLst/>
+              <a:defRPr sz="4800" b="0" i="0" u="none" strike="noStrike" cap="none" spc="0" baseline="0">
+                <a:solidFill>
+                  <a:srgbClr val="000000"/>
+                </a:solidFill>
+                <a:uFillTx/>
+                <a:latin typeface="+mn-lt"/>
+                <a:ea typeface="+mn-ea"/>
+                <a:cs typeface="+mn-cs"/>
+                <a:sym typeface="Helvetica Neue"/>
+              </a:defRPr>
+            </a:lvl1pPr>
+            <a:lvl2pPr marL="1219200" marR="0" indent="-609600" algn="l" defTabSz="2438338" rtl="0" latinLnBrk="0">
+              <a:lnSpc>
+                <a:spcPct val="90000"/>
+              </a:lnSpc>
+              <a:spcBef>
+                <a:spcPts val="4500"/>
+              </a:spcBef>
+              <a:spcAft>
+                <a:spcPts val="0"/>
+              </a:spcAft>
+              <a:buClrTx/>
+              <a:buSzPct val="123000"/>
+              <a:buFontTx/>
+              <a:buChar char="•"/>
+              <a:tabLst/>
+              <a:defRPr sz="4800" b="0" i="0" u="none" strike="noStrike" cap="none" spc="0" baseline="0">
+                <a:solidFill>
+                  <a:srgbClr val="000000"/>
+                </a:solidFill>
+                <a:uFillTx/>
+                <a:latin typeface="+mn-lt"/>
+                <a:ea typeface="+mn-ea"/>
+                <a:cs typeface="+mn-cs"/>
+                <a:sym typeface="Helvetica Neue"/>
+              </a:defRPr>
+            </a:lvl2pPr>
+            <a:lvl3pPr marL="1828800" marR="0" indent="-609600" algn="l" defTabSz="2438338" rtl="0" latinLnBrk="0">
+              <a:lnSpc>
+                <a:spcPct val="90000"/>
+              </a:lnSpc>
+              <a:spcBef>
+                <a:spcPts val="4500"/>
+              </a:spcBef>
+              <a:spcAft>
+                <a:spcPts val="0"/>
+              </a:spcAft>
+              <a:buClrTx/>
+              <a:buSzPct val="123000"/>
+              <a:buFontTx/>
+              <a:buChar char="•"/>
+              <a:tabLst/>
+              <a:defRPr sz="4800" b="0" i="0" u="none" strike="noStrike" cap="none" spc="0" baseline="0">
+                <a:solidFill>
+                  <a:srgbClr val="000000"/>
+                </a:solidFill>
+                <a:uFillTx/>
+                <a:latin typeface="+mn-lt"/>
+                <a:ea typeface="+mn-ea"/>
+                <a:cs typeface="+mn-cs"/>
+                <a:sym typeface="Helvetica Neue"/>
+              </a:defRPr>
+            </a:lvl3pPr>
+            <a:lvl4pPr marL="2438400" marR="0" indent="-609600" algn="l" defTabSz="2438338" rtl="0" latinLnBrk="0">
+              <a:lnSpc>
+                <a:spcPct val="90000"/>
+              </a:lnSpc>
+              <a:spcBef>
+                <a:spcPts val="4500"/>
+              </a:spcBef>
+              <a:spcAft>
+                <a:spcPts val="0"/>
+              </a:spcAft>
+              <a:buClrTx/>
+              <a:buSzPct val="123000"/>
+              <a:buFontTx/>
+              <a:buChar char="•"/>
+              <a:tabLst/>
+              <a:defRPr sz="4800" b="0" i="0" u="none" strike="noStrike" cap="none" spc="0" baseline="0">
+                <a:solidFill>
+                  <a:srgbClr val="000000"/>
+                </a:solidFill>
+                <a:uFillTx/>
+                <a:latin typeface="+mn-lt"/>
+                <a:ea typeface="+mn-ea"/>
+                <a:cs typeface="+mn-cs"/>
+                <a:sym typeface="Helvetica Neue"/>
+              </a:defRPr>
+            </a:lvl4pPr>
+            <a:lvl5pPr marL="3048000" marR="0" indent="-609600" algn="l" defTabSz="2438338" rtl="0" latinLnBrk="0">
+              <a:lnSpc>
+                <a:spcPct val="90000"/>
+              </a:lnSpc>
+              <a:spcBef>
+                <a:spcPts val="4500"/>
+              </a:spcBef>
+              <a:spcAft>
+                <a:spcPts val="0"/>
+              </a:spcAft>
+              <a:buClrTx/>
+              <a:buSzPct val="123000"/>
+              <a:buFontTx/>
+              <a:buChar char="•"/>
+              <a:tabLst/>
+              <a:defRPr sz="4800" b="0" i="0" u="none" strike="noStrike" cap="none" spc="0" baseline="0">
+                <a:solidFill>
+                  <a:srgbClr val="000000"/>
+                </a:solidFill>
+                <a:uFillTx/>
+                <a:latin typeface="+mn-lt"/>
+                <a:ea typeface="+mn-ea"/>
+                <a:cs typeface="+mn-cs"/>
+                <a:sym typeface="Helvetica Neue"/>
+              </a:defRPr>
+            </a:lvl5pPr>
+            <a:lvl6pPr marL="3657600" marR="0" indent="-609600" algn="l" defTabSz="2438338" rtl="0" latinLnBrk="0">
+              <a:lnSpc>
+                <a:spcPct val="90000"/>
+              </a:lnSpc>
+              <a:spcBef>
+                <a:spcPts val="4500"/>
+              </a:spcBef>
+              <a:spcAft>
+                <a:spcPts val="0"/>
+              </a:spcAft>
+              <a:buClrTx/>
+              <a:buSzPct val="123000"/>
+              <a:buFontTx/>
+              <a:buChar char="•"/>
+              <a:tabLst/>
+              <a:defRPr sz="4800" b="0" i="0" u="none" strike="noStrike" cap="none" spc="0" baseline="0">
+                <a:solidFill>
+                  <a:srgbClr val="000000"/>
+                </a:solidFill>
+                <a:uFillTx/>
+                <a:latin typeface="+mn-lt"/>
+                <a:ea typeface="+mn-ea"/>
+                <a:cs typeface="+mn-cs"/>
+                <a:sym typeface="Helvetica Neue"/>
+              </a:defRPr>
+            </a:lvl6pPr>
+            <a:lvl7pPr marL="4267200" marR="0" indent="-609600" algn="l" defTabSz="2438338" rtl="0" latinLnBrk="0">
+              <a:lnSpc>
+                <a:spcPct val="90000"/>
+              </a:lnSpc>
+              <a:spcBef>
+                <a:spcPts val="4500"/>
+              </a:spcBef>
+              <a:spcAft>
+                <a:spcPts val="0"/>
+              </a:spcAft>
+              <a:buClrTx/>
+              <a:buSzPct val="123000"/>
+              <a:buFontTx/>
+              <a:buChar char="•"/>
+              <a:tabLst/>
+              <a:defRPr sz="4800" b="0" i="0" u="none" strike="noStrike" cap="none" spc="0" baseline="0">
+                <a:solidFill>
+                  <a:srgbClr val="000000"/>
+                </a:solidFill>
+                <a:uFillTx/>
+                <a:latin typeface="+mn-lt"/>
+                <a:ea typeface="+mn-ea"/>
+                <a:cs typeface="+mn-cs"/>
+                <a:sym typeface="Helvetica Neue"/>
+              </a:defRPr>
+            </a:lvl7pPr>
+            <a:lvl8pPr marL="4876800" marR="0" indent="-609600" algn="l" defTabSz="2438338" rtl="0" latinLnBrk="0">
+              <a:lnSpc>
+                <a:spcPct val="90000"/>
+              </a:lnSpc>
+              <a:spcBef>
+                <a:spcPts val="4500"/>
+              </a:spcBef>
+              <a:spcAft>
+                <a:spcPts val="0"/>
+              </a:spcAft>
+              <a:buClrTx/>
+              <a:buSzPct val="123000"/>
+              <a:buFontTx/>
+              <a:buChar char="•"/>
+              <a:tabLst/>
+              <a:defRPr sz="4800" b="0" i="0" u="none" strike="noStrike" cap="none" spc="0" baseline="0">
+                <a:solidFill>
+                  <a:srgbClr val="000000"/>
+                </a:solidFill>
+                <a:uFillTx/>
+                <a:latin typeface="+mn-lt"/>
+                <a:ea typeface="+mn-ea"/>
+                <a:cs typeface="+mn-cs"/>
+                <a:sym typeface="Helvetica Neue"/>
+              </a:defRPr>
+            </a:lvl8pPr>
+            <a:lvl9pPr marL="5486400" marR="0" indent="-609600" algn="l" defTabSz="2438338" rtl="0" latinLnBrk="0">
+              <a:lnSpc>
+                <a:spcPct val="90000"/>
+              </a:lnSpc>
+              <a:spcBef>
+                <a:spcPts val="4500"/>
+              </a:spcBef>
+              <a:spcAft>
+                <a:spcPts val="0"/>
+              </a:spcAft>
+              <a:buClrTx/>
+              <a:buSzPct val="123000"/>
+              <a:buFontTx/>
+              <a:buChar char="•"/>
+              <a:tabLst/>
+              <a:defRPr sz="4800" b="0" i="0" u="none" strike="noStrike" cap="none" spc="0" baseline="0">
+                <a:solidFill>
+                  <a:srgbClr val="000000"/>
+                </a:solidFill>
+                <a:uFillTx/>
+                <a:latin typeface="+mn-lt"/>
+                <a:ea typeface="+mn-ea"/>
+                <a:cs typeface="+mn-cs"/>
+                <a:sym typeface="Helvetica Neue"/>
+              </a:defRPr>
+            </a:lvl9pPr>
+          </a:lstStyle>
+          <a:p>
+            <a:pPr marL="0" indent="0" hangingPunct="1">
+              <a:buSzTx/>
+              <a:buFontTx/>
+              <a:buNone/>
+              <a:defRPr sz="3000"/>
+            </a:pPr>
+            <a:r>
+              <a:rPr lang="en-US" sz="4400" dirty="0"/>
+              <a:t>Suppose you want your function to be symmetric for input 1 and 2.</a:t>
+            </a:r>
+          </a:p>
+          <a:p>
+            <a:pPr marL="0" indent="0" hangingPunct="1">
+              <a:buSzTx/>
+              <a:buFontTx/>
+              <a:buNone/>
+              <a:defRPr sz="3000"/>
+            </a:pPr>
+            <a:r>
+              <a:rPr lang="en-US" sz="4400" dirty="0"/>
+              <a:t>Meaning:</a:t>
+            </a:r>
+          </a:p>
+          <a:p>
+            <a:pPr marL="0" indent="0" hangingPunct="1">
+              <a:buSzTx/>
+              <a:buFontTx/>
+              <a:buNone/>
+              <a:defRPr sz="3000"/>
+            </a:pPr>
+            <a:endParaRPr lang="en-US" sz="4400" dirty="0"/>
+          </a:p>
+        </p:txBody>
+      </p:sp>
+      <p:pic>
+        <p:nvPicPr>
+          <p:cNvPr id="3" name="Picture 2">
+            <a:extLst>
+              <a:ext uri="{FF2B5EF4-FFF2-40B4-BE49-F238E27FC236}">
+                <a16:creationId xmlns:a16="http://schemas.microsoft.com/office/drawing/2014/main" id="{A442EEC2-0535-C34F-94FF-3032CAB295F4}"/>
+              </a:ext>
+            </a:extLst>
+          </p:cNvPr>
+          <p:cNvPicPr>
+            <a:picLocks noChangeAspect="1"/>
+          </p:cNvPicPr>
+          <p:nvPr/>
+        </p:nvPicPr>
+        <p:blipFill>
+          <a:blip r:embed="rId4"/>
+          <a:stretch>
+            <a:fillRect/>
+          </a:stretch>
+        </p:blipFill>
+        <p:spPr>
+          <a:xfrm>
+            <a:off x="10938933" y="8971333"/>
+            <a:ext cx="12238567" cy="602966"/>
+          </a:xfrm>
+          <a:prstGeom prst="rect">
+            <a:avLst/>
+          </a:prstGeom>
+        </p:spPr>
+      </p:pic>
+      <p:sp>
+        <p:nvSpPr>
+          <p:cNvPr id="12" name="Rounded Rectangle 11">
+            <a:extLst>
+              <a:ext uri="{FF2B5EF4-FFF2-40B4-BE49-F238E27FC236}">
+                <a16:creationId xmlns:a16="http://schemas.microsoft.com/office/drawing/2014/main" id="{61352BCD-915B-5041-8CA8-446B603040FA}"/>
+              </a:ext>
+            </a:extLst>
+          </p:cNvPr>
+          <p:cNvSpPr/>
+          <p:nvPr/>
+        </p:nvSpPr>
+        <p:spPr>
+          <a:xfrm>
+            <a:off x="12220098" y="10504594"/>
+            <a:ext cx="9676236" cy="2165171"/>
+          </a:xfrm>
+          <a:prstGeom prst="roundRect">
+            <a:avLst/>
+          </a:prstGeom>
+          <a:ln/>
+        </p:spPr>
+        <p:style>
+          <a:lnRef idx="2">
+            <a:schemeClr val="accent1">
+              <a:shade val="50000"/>
+            </a:schemeClr>
+          </a:lnRef>
+          <a:fillRef idx="1">
+            <a:schemeClr val="accent1"/>
+          </a:fillRef>
+          <a:effectRef idx="0">
+            <a:schemeClr val="accent1"/>
+          </a:effectRef>
+          <a:fontRef idx="minor">
+            <a:schemeClr val="lt1"/>
+          </a:fontRef>
+        </p:style>
+        <p:txBody>
+          <a:bodyPr rot="0" spcFirstLastPara="1" vertOverflow="overflow" horzOverflow="overflow" vert="horz" wrap="square" lIns="50800" tIns="50800" rIns="50800" bIns="50800" numCol="1" spcCol="38100" rtlCol="0" anchor="ctr">
+            <a:noAutofit/>
+          </a:bodyPr>
+          <a:lstStyle/>
+          <a:p>
+            <a:pPr marL="0" marR="0" indent="0" algn="ctr" defTabSz="825500" rtl="0" fontAlgn="auto" latinLnBrk="0" hangingPunct="0">
+              <a:lnSpc>
+                <a:spcPct val="100000"/>
+              </a:lnSpc>
+              <a:spcBef>
+                <a:spcPts val="0"/>
+              </a:spcBef>
+              <a:spcAft>
+                <a:spcPts val="0"/>
+              </a:spcAft>
+              <a:buClrTx/>
+              <a:buSzTx/>
+              <a:buFontTx/>
+              <a:buNone/>
+              <a:tabLst/>
+            </a:pPr>
+            <a:r>
+              <a:rPr kumimoji="0" lang="en-US" sz="3200" b="0" i="0" u="none" strike="noStrike" cap="none" spc="0" normalizeH="0" baseline="0" dirty="0">
+                <a:ln>
+                  <a:noFill/>
+                </a:ln>
+                <a:solidFill>
+                  <a:srgbClr val="FFFFFF"/>
+                </a:solidFill>
+                <a:effectLst/>
+                <a:uFillTx/>
+                <a:latin typeface="Helvetica Neue Medium"/>
+                <a:ea typeface="Helvetica Neue Medium"/>
+                <a:cs typeface="Helvetica Neue Medium"/>
+                <a:sym typeface="Helvetica Neue Medium"/>
+              </a:rPr>
+              <a:t>A </a:t>
+            </a:r>
+            <a:r>
+              <a:rPr kumimoji="0" lang="en-US" sz="3200" b="0" i="1" u="none" strike="noStrike" cap="none" spc="0" normalizeH="0" baseline="0" dirty="0">
+                <a:ln>
+                  <a:noFill/>
+                </a:ln>
+                <a:solidFill>
+                  <a:srgbClr val="FFFFFF"/>
+                </a:solidFill>
+                <a:effectLst/>
+                <a:uFillTx/>
+                <a:latin typeface="Helvetica Neue Medium"/>
+                <a:ea typeface="Helvetica Neue Medium"/>
+                <a:cs typeface="Helvetica Neue Medium"/>
+                <a:sym typeface="Helvetica Neue Medium"/>
+              </a:rPr>
+              <a:t>dirty</a:t>
+            </a:r>
+            <a:r>
+              <a:rPr kumimoji="0" lang="en-US" sz="3200" b="0" i="0" u="none" strike="noStrike" cap="none" spc="0" normalizeH="0" baseline="0" dirty="0">
+                <a:ln>
+                  <a:noFill/>
+                </a:ln>
+                <a:solidFill>
+                  <a:srgbClr val="FFFFFF"/>
+                </a:solidFill>
+                <a:effectLst/>
+                <a:uFillTx/>
+                <a:latin typeface="Helvetica Neue Medium"/>
+                <a:ea typeface="Helvetica Neue Medium"/>
+                <a:cs typeface="Helvetica Neue Medium"/>
+                <a:sym typeface="Helvetica Neue Medium"/>
+              </a:rPr>
+              <a:t> way to do this is to make an ensemble prediction. Evaluate the model twice and the prediction is the average of both. </a:t>
+            </a:r>
+          </a:p>
+        </p:txBody>
+      </p:sp>
+      <p:sp>
+        <p:nvSpPr>
+          <p:cNvPr id="2" name="TextBox 1">
+            <a:extLst>
+              <a:ext uri="{FF2B5EF4-FFF2-40B4-BE49-F238E27FC236}">
+                <a16:creationId xmlns:a16="http://schemas.microsoft.com/office/drawing/2014/main" id="{60DE2FA6-F922-634E-BC98-22F97A02D642}"/>
+              </a:ext>
+            </a:extLst>
+          </p:cNvPr>
+          <p:cNvSpPr txBox="1"/>
+          <p:nvPr/>
+        </p:nvSpPr>
+        <p:spPr>
+          <a:xfrm>
+            <a:off x="2559633" y="11779729"/>
+            <a:ext cx="8493080" cy="1579920"/>
+          </a:xfrm>
+          <a:prstGeom prst="rect">
+            <a:avLst/>
+          </a:prstGeom>
+          <a:noFill/>
+          <a:ln w="12700" cap="flat">
+            <a:noFill/>
+            <a:miter lim="400000"/>
+          </a:ln>
+          <a:effectLst/>
+          <a:sp3d/>
+        </p:spPr>
+        <p:style>
+          <a:lnRef idx="0">
+            <a:scrgbClr r="0" g="0" b="0"/>
+          </a:lnRef>
+          <a:fillRef idx="0">
+            <a:scrgbClr r="0" g="0" b="0"/>
+          </a:fillRef>
+          <a:effectRef idx="0">
+            <a:scrgbClr r="0" g="0" b="0"/>
+          </a:effectRef>
+          <a:fontRef idx="none"/>
+        </p:style>
+        <p:txBody>
+          <a:bodyPr rot="0" spcFirstLastPara="1" vertOverflow="overflow" horzOverflow="overflow" vert="horz" wrap="square" lIns="50800" tIns="50800" rIns="50800" bIns="50800" numCol="1" spcCol="38100" rtlCol="0" anchor="ctr">
+            <a:spAutoFit/>
+          </a:bodyPr>
+          <a:lstStyle/>
+          <a:p>
+            <a:pPr marL="0" marR="0" indent="0" algn="ctr" defTabSz="2438338" rtl="0" fontAlgn="auto" latinLnBrk="0" hangingPunct="0">
+              <a:lnSpc>
+                <a:spcPct val="100000"/>
+              </a:lnSpc>
+              <a:spcBef>
+                <a:spcPts val="0"/>
+              </a:spcBef>
+              <a:spcAft>
+                <a:spcPts val="0"/>
+              </a:spcAft>
+              <a:buClrTx/>
+              <a:buSzTx/>
+              <a:buFontTx/>
+              <a:buNone/>
+              <a:tabLst/>
+            </a:pPr>
+            <a:r>
+              <a:rPr kumimoji="0" lang="en-US" sz="4800" b="0" i="0" u="none" strike="noStrike" cap="none" spc="0" normalizeH="0" baseline="0" dirty="0">
+                <a:ln>
+                  <a:noFill/>
+                </a:ln>
+                <a:solidFill>
+                  <a:srgbClr val="FF0000"/>
+                </a:solidFill>
+                <a:effectLst/>
+                <a:uFillTx/>
+                <a:latin typeface="+mn-lt"/>
+                <a:ea typeface="+mn-ea"/>
+                <a:cs typeface="+mn-cs"/>
+                <a:sym typeface="Helvetica Neue"/>
+              </a:rPr>
+              <a:t>Computationally intractable for most things </a:t>
+            </a:r>
+          </a:p>
+        </p:txBody>
+      </p:sp>
+    </p:spTree>
+    <p:extLst>
+      <p:ext uri="{BB962C8B-B14F-4D97-AF65-F5344CB8AC3E}">
+        <p14:creationId xmlns:p14="http://schemas.microsoft.com/office/powerpoint/2010/main" val="3293124465"/>
+      </p:ext>
+    </p:extLst>
+  </p:cSld>
+  <p:clrMapOvr>
+    <a:masterClrMapping/>
+  </p:clrMapOvr>
+  <p:transition spd="med"/>
+</p:sld>
+</file>
+
+<file path=ppt/slides/slide29.xml><?xml version="1.0" encoding="utf-8"?>
+<p:sld xmlns:a="http://schemas.openxmlformats.org/drawingml/2006/main" xmlns:r="http://schemas.openxmlformats.org/officeDocument/2006/relationships" xmlns:p="http://schemas.openxmlformats.org/presentationml/2006/main">
+  <p:cSld>
+    <p:spTree>
+      <p:nvGrpSpPr>
+        <p:cNvPr id="1" name=""/>
+        <p:cNvGrpSpPr/>
+        <p:nvPr/>
+      </p:nvGrpSpPr>
+      <p:grpSpPr>
+        <a:xfrm>
+          <a:off x="0" y="0"/>
+          <a:ext cx="0" cy="0"/>
+          <a:chOff x="0" y="0"/>
+          <a:chExt cx="0" cy="0"/>
+        </a:xfrm>
+      </p:grpSpPr>
+      <p:sp>
+        <p:nvSpPr>
+          <p:cNvPr id="195" name="Incorporating domain knowledge"/>
+          <p:cNvSpPr txBox="1">
+            <a:spLocks noGrp="1"/>
+          </p:cNvSpPr>
+          <p:nvPr>
+            <p:ph type="title"/>
+          </p:nvPr>
+        </p:nvSpPr>
+        <p:spPr>
+          <a:prstGeom prst="rect">
+            <a:avLst/>
+          </a:prstGeom>
+        </p:spPr>
+        <p:txBody>
+          <a:bodyPr/>
+          <a:lstStyle/>
+          <a:p>
+            <a:r>
+              <a:t>Incorporating domain knowledge </a:t>
+            </a:r>
+          </a:p>
+        </p:txBody>
+      </p:sp>
+      <p:sp>
+        <p:nvSpPr>
+          <p:cNvPr id="196" name="Slide Subtitle"/>
+          <p:cNvSpPr txBox="1">
+            <a:spLocks noGrp="1"/>
+          </p:cNvSpPr>
+          <p:nvPr>
+            <p:ph type="body" idx="21"/>
+          </p:nvPr>
+        </p:nvSpPr>
+        <p:spPr>
+          <a:prstGeom prst="rect">
+            <a:avLst/>
+          </a:prstGeom>
+        </p:spPr>
+        <p:txBody>
+          <a:bodyPr/>
+          <a:lstStyle/>
+          <a:p>
+            <a:r>
+              <a:rPr lang="en-US" dirty="0"/>
+              <a:t>Neural networks</a:t>
+            </a:r>
+            <a:endParaRPr dirty="0"/>
+          </a:p>
+        </p:txBody>
+      </p:sp>
+      <p:sp>
+        <p:nvSpPr>
+          <p:cNvPr id="197" name="bayesian framework: prior information…"/>
+          <p:cNvSpPr txBox="1">
+            <a:spLocks noGrp="1"/>
+          </p:cNvSpPr>
+          <p:nvPr>
+            <p:ph type="body" idx="1"/>
+          </p:nvPr>
+        </p:nvSpPr>
+        <p:spPr>
+          <a:prstGeom prst="rect">
+            <a:avLst/>
+          </a:prstGeom>
+        </p:spPr>
+        <p:txBody>
+          <a:bodyPr/>
+          <a:lstStyle/>
+          <a:p>
+            <a:pPr marL="0" indent="0">
+              <a:buSzTx/>
+              <a:buNone/>
+              <a:defRPr sz="3000"/>
+            </a:pPr>
+            <a:r>
+              <a:rPr lang="en-US" dirty="0"/>
+              <a:t>Framework</a:t>
+            </a:r>
+            <a:endParaRPr dirty="0"/>
+          </a:p>
+        </p:txBody>
+      </p:sp>
+    </p:spTree>
+    <p:extLst>
+      <p:ext uri="{BB962C8B-B14F-4D97-AF65-F5344CB8AC3E}">
+        <p14:creationId xmlns:p14="http://schemas.microsoft.com/office/powerpoint/2010/main" val="2963556070"/>
+      </p:ext>
+    </p:extLst>
+  </p:cSld>
+  <p:clrMapOvr>
+    <a:masterClrMapping/>
+  </p:clrMapOvr>
+  <p:transition spd="med"/>
+</p:sld>
+</file>
+
+<file path=ppt/slides/slide3.xml><?xml version="1.0" encoding="utf-8"?>
+<p:sld xmlns:a="http://schemas.openxmlformats.org/drawingml/2006/main" xmlns:r="http://schemas.openxmlformats.org/officeDocument/2006/relationships" xmlns:p="http://schemas.openxmlformats.org/presentationml/2006/main">
+  <p:cSld>
+    <p:spTree>
+      <p:nvGrpSpPr>
+        <p:cNvPr id="1" name=""/>
+        <p:cNvGrpSpPr/>
+        <p:nvPr/>
+      </p:nvGrpSpPr>
+      <p:grpSpPr>
+        <a:xfrm>
+          <a:off x="0" y="0"/>
+          <a:ext cx="0" cy="0"/>
+          <a:chOff x="0" y="0"/>
+          <a:chExt cx="0" cy="0"/>
+        </a:xfrm>
+      </p:grpSpPr>
+      <p:sp>
+        <p:nvSpPr>
+          <p:cNvPr id="159" name="What is this workshop about?"/>
+          <p:cNvSpPr txBox="1">
+            <a:spLocks noGrp="1"/>
+          </p:cNvSpPr>
+          <p:nvPr>
+            <p:ph type="title"/>
+          </p:nvPr>
+        </p:nvSpPr>
+        <p:spPr>
+          <a:prstGeom prst="rect">
+            <a:avLst/>
+          </a:prstGeom>
+        </p:spPr>
+        <p:txBody>
+          <a:bodyPr/>
+          <a:lstStyle/>
+          <a:p>
+            <a:r>
+              <a:t>What is this workshop about?</a:t>
+            </a:r>
+          </a:p>
+        </p:txBody>
+      </p:sp>
+      <p:sp>
+        <p:nvSpPr>
+          <p:cNvPr id="160" name="Slide Subtitle"/>
+          <p:cNvSpPr txBox="1">
+            <a:spLocks noGrp="1"/>
+          </p:cNvSpPr>
+          <p:nvPr>
+            <p:ph type="body" idx="21"/>
+          </p:nvPr>
+        </p:nvSpPr>
+        <p:spPr>
+          <a:prstGeom prst="rect">
+            <a:avLst/>
+          </a:prstGeom>
+        </p:spPr>
+        <p:txBody>
+          <a:bodyPr/>
+          <a:lstStyle/>
+          <a:p>
             <a:endParaRPr/>
           </a:p>
         </p:txBody>
       </p:sp>
       <p:sp>
         <p:nvSpPr>
-          <p:cNvPr id="209" name="There’s no standard practices for ML development in the scientific context…"/>
+          <p:cNvPr id="161" name="Focus on relevant ML practices in academia / scientific context…"/>
           <p:cNvSpPr txBox="1">
             <a:spLocks noGrp="1"/>
           </p:cNvSpPr>
@@ -8726,18 +12674,58 @@
           <a:bodyPr/>
           <a:lstStyle/>
           <a:p>
-            <a:r>
-              <a:t>There’s no standard practices for ML development in the scientific context</a:t>
-            </a:r>
-          </a:p>
-          <a:p>
-            <a:r>
-              <a:t>There are various guides in industry (e.g: google hand book, etc)</a:t>
-            </a:r>
-          </a:p>
-          <a:p>
-            <a:r>
-              <a:t>There is a difference between ML for industry and ML for academia</a:t>
+            <a:pPr marL="603504" indent="-603504" defTabSz="2413955">
+              <a:spcBef>
+                <a:spcPts val="4400"/>
+              </a:spcBef>
+              <a:defRPr sz="4752"/>
+            </a:pPr>
+            <a:r>
+              <a:t>Focus on relevant ML practices in academia / scientific context</a:t>
+            </a:r>
+          </a:p>
+          <a:p>
+            <a:pPr marL="603504" indent="-603504" defTabSz="2413955">
+              <a:spcBef>
+                <a:spcPts val="4400"/>
+              </a:spcBef>
+              <a:defRPr sz="4752"/>
+            </a:pPr>
+            <a:r>
+              <a:t>ML is used as a tool to give us insights into problems, solve problems quicker, understanding things better</a:t>
+            </a:r>
+          </a:p>
+          <a:p>
+            <a:pPr marL="603504" indent="-603504" defTabSz="2413955">
+              <a:spcBef>
+                <a:spcPts val="4400"/>
+              </a:spcBef>
+              <a:defRPr sz="4752"/>
+            </a:pPr>
+            <a:r>
+              <a:t>It is another tool, as numerical simulations (for example), are a tool to best understand science</a:t>
+            </a:r>
+          </a:p>
+          <a:p>
+            <a:pPr marL="603504" indent="-603504" defTabSz="2413955">
+              <a:spcBef>
+                <a:spcPts val="4400"/>
+              </a:spcBef>
+              <a:defRPr sz="4752"/>
+            </a:pPr>
+            <a:r>
+              <a:t>As such, we need good practices and standards to use ML</a:t>
+            </a:r>
+          </a:p>
+          <a:p>
+            <a:pPr marL="603504" indent="-603504" defTabSz="2413955">
+              <a:spcBef>
+                <a:spcPts val="4400"/>
+              </a:spcBef>
+              <a:defRPr sz="4752"/>
+            </a:pPr>
+            <a:r>
+              <a:t>Difference between ML in industry and in Science — we often have answers to the problems — we have constraints that must be fulfilled. Things which are obviously wrong — that traditional metrics do not measure.</a:t>
             </a:r>
           </a:p>
         </p:txBody>
@@ -8751,7 +12739,724 @@
 </p:sld>
 </file>
 
-<file path=ppt/slides/slide25.xml><?xml version="1.0" encoding="utf-8"?>
+<file path=ppt/slides/slide30.xml><?xml version="1.0" encoding="utf-8"?>
+<p:sld xmlns:a="http://schemas.openxmlformats.org/drawingml/2006/main" xmlns:r="http://schemas.openxmlformats.org/officeDocument/2006/relationships" xmlns:p="http://schemas.openxmlformats.org/presentationml/2006/main">
+  <p:cSld>
+    <p:spTree>
+      <p:nvGrpSpPr>
+        <p:cNvPr id="1" name=""/>
+        <p:cNvGrpSpPr/>
+        <p:nvPr/>
+      </p:nvGrpSpPr>
+      <p:grpSpPr>
+        <a:xfrm>
+          <a:off x="0" y="0"/>
+          <a:ext cx="0" cy="0"/>
+          <a:chOff x="0" y="0"/>
+          <a:chExt cx="0" cy="0"/>
+        </a:xfrm>
+      </p:grpSpPr>
+      <p:sp>
+        <p:nvSpPr>
+          <p:cNvPr id="195" name="Incorporating domain knowledge"/>
+          <p:cNvSpPr txBox="1">
+            <a:spLocks noGrp="1"/>
+          </p:cNvSpPr>
+          <p:nvPr>
+            <p:ph type="title"/>
+          </p:nvPr>
+        </p:nvSpPr>
+        <p:spPr>
+          <a:prstGeom prst="rect">
+            <a:avLst/>
+          </a:prstGeom>
+        </p:spPr>
+        <p:txBody>
+          <a:bodyPr/>
+          <a:lstStyle/>
+          <a:p>
+            <a:r>
+              <a:t>Incorporating domain knowledge </a:t>
+            </a:r>
+          </a:p>
+        </p:txBody>
+      </p:sp>
+      <p:sp>
+        <p:nvSpPr>
+          <p:cNvPr id="196" name="Slide Subtitle"/>
+          <p:cNvSpPr txBox="1">
+            <a:spLocks noGrp="1"/>
+          </p:cNvSpPr>
+          <p:nvPr>
+            <p:ph type="body" idx="21"/>
+          </p:nvPr>
+        </p:nvSpPr>
+        <p:spPr>
+          <a:prstGeom prst="rect">
+            <a:avLst/>
+          </a:prstGeom>
+        </p:spPr>
+        <p:txBody>
+          <a:bodyPr/>
+          <a:lstStyle/>
+          <a:p>
+            <a:r>
+              <a:rPr lang="en-US" dirty="0"/>
+              <a:t>Kernel methods</a:t>
+            </a:r>
+            <a:endParaRPr dirty="0"/>
+          </a:p>
+        </p:txBody>
+      </p:sp>
+      <p:sp>
+        <p:nvSpPr>
+          <p:cNvPr id="197" name="bayesian framework: prior information…"/>
+          <p:cNvSpPr txBox="1">
+            <a:spLocks noGrp="1"/>
+          </p:cNvSpPr>
+          <p:nvPr>
+            <p:ph type="body" idx="1"/>
+          </p:nvPr>
+        </p:nvSpPr>
+        <p:spPr>
+          <a:prstGeom prst="rect">
+            <a:avLst/>
+          </a:prstGeom>
+        </p:spPr>
+        <p:txBody>
+          <a:bodyPr/>
+          <a:lstStyle/>
+          <a:p>
+            <a:pPr marL="0" indent="0">
+              <a:buSzTx/>
+              <a:buNone/>
+              <a:defRPr sz="3000"/>
+            </a:pPr>
+            <a:r>
+              <a:rPr lang="en-US" dirty="0"/>
+              <a:t>Gaussian processes</a:t>
+            </a:r>
+            <a:endParaRPr dirty="0"/>
+          </a:p>
+        </p:txBody>
+      </p:sp>
+    </p:spTree>
+    <p:extLst>
+      <p:ext uri="{BB962C8B-B14F-4D97-AF65-F5344CB8AC3E}">
+        <p14:creationId xmlns:p14="http://schemas.microsoft.com/office/powerpoint/2010/main" val="2908764543"/>
+      </p:ext>
+    </p:extLst>
+  </p:cSld>
+  <p:clrMapOvr>
+    <a:masterClrMapping/>
+  </p:clrMapOvr>
+  <p:transition spd="med"/>
+</p:sld>
+</file>
+
+<file path=ppt/slides/slide31.xml><?xml version="1.0" encoding="utf-8"?>
+<p:sld xmlns:a="http://schemas.openxmlformats.org/drawingml/2006/main" xmlns:r="http://schemas.openxmlformats.org/officeDocument/2006/relationships" xmlns:p="http://schemas.openxmlformats.org/presentationml/2006/main">
+  <p:cSld>
+    <p:spTree>
+      <p:nvGrpSpPr>
+        <p:cNvPr id="1" name=""/>
+        <p:cNvGrpSpPr/>
+        <p:nvPr/>
+      </p:nvGrpSpPr>
+      <p:grpSpPr>
+        <a:xfrm>
+          <a:off x="0" y="0"/>
+          <a:ext cx="0" cy="0"/>
+          <a:chOff x="0" y="0"/>
+          <a:chExt cx="0" cy="0"/>
+        </a:xfrm>
+      </p:grpSpPr>
+      <p:sp>
+        <p:nvSpPr>
+          <p:cNvPr id="195" name="Incorporating domain knowledge"/>
+          <p:cNvSpPr txBox="1">
+            <a:spLocks noGrp="1"/>
+          </p:cNvSpPr>
+          <p:nvPr>
+            <p:ph type="title"/>
+          </p:nvPr>
+        </p:nvSpPr>
+        <p:spPr>
+          <a:prstGeom prst="rect">
+            <a:avLst/>
+          </a:prstGeom>
+        </p:spPr>
+        <p:txBody>
+          <a:bodyPr/>
+          <a:lstStyle/>
+          <a:p>
+            <a:r>
+              <a:t>Incorporating domain knowledge </a:t>
+            </a:r>
+          </a:p>
+        </p:txBody>
+      </p:sp>
+      <p:sp>
+        <p:nvSpPr>
+          <p:cNvPr id="196" name="Slide Subtitle"/>
+          <p:cNvSpPr txBox="1">
+            <a:spLocks noGrp="1"/>
+          </p:cNvSpPr>
+          <p:nvPr>
+            <p:ph type="body" idx="21"/>
+          </p:nvPr>
+        </p:nvSpPr>
+        <p:spPr>
+          <a:prstGeom prst="rect">
+            <a:avLst/>
+          </a:prstGeom>
+        </p:spPr>
+        <p:txBody>
+          <a:bodyPr/>
+          <a:lstStyle/>
+          <a:p>
+            <a:r>
+              <a:rPr lang="en-US" dirty="0"/>
+              <a:t>Bayesian methods</a:t>
+            </a:r>
+            <a:endParaRPr dirty="0"/>
+          </a:p>
+        </p:txBody>
+      </p:sp>
+      <p:sp>
+        <p:nvSpPr>
+          <p:cNvPr id="197" name="bayesian framework: prior information…"/>
+          <p:cNvSpPr txBox="1">
+            <a:spLocks noGrp="1"/>
+          </p:cNvSpPr>
+          <p:nvPr>
+            <p:ph type="body" idx="1"/>
+          </p:nvPr>
+        </p:nvSpPr>
+        <p:spPr>
+          <a:prstGeom prst="rect">
+            <a:avLst/>
+          </a:prstGeom>
+        </p:spPr>
+        <p:txBody>
+          <a:bodyPr/>
+          <a:lstStyle/>
+          <a:p>
+            <a:pPr marL="0" indent="0">
+              <a:buSzTx/>
+              <a:buNone/>
+              <a:defRPr sz="3000"/>
+            </a:pPr>
+            <a:endParaRPr dirty="0"/>
+          </a:p>
+        </p:txBody>
+      </p:sp>
+    </p:spTree>
+    <p:extLst>
+      <p:ext uri="{BB962C8B-B14F-4D97-AF65-F5344CB8AC3E}">
+        <p14:creationId xmlns:p14="http://schemas.microsoft.com/office/powerpoint/2010/main" val="2205794309"/>
+      </p:ext>
+    </p:extLst>
+  </p:cSld>
+  <p:clrMapOvr>
+    <a:masterClrMapping/>
+  </p:clrMapOvr>
+  <p:transition spd="med"/>
+</p:sld>
+</file>
+
+<file path=ppt/slides/slide32.xml><?xml version="1.0" encoding="utf-8"?>
+<p:sld xmlns:a="http://schemas.openxmlformats.org/drawingml/2006/main" xmlns:r="http://schemas.openxmlformats.org/officeDocument/2006/relationships" xmlns:p="http://schemas.openxmlformats.org/presentationml/2006/main">
+  <p:cSld>
+    <p:spTree>
+      <p:nvGrpSpPr>
+        <p:cNvPr id="1" name=""/>
+        <p:cNvGrpSpPr/>
+        <p:nvPr/>
+      </p:nvGrpSpPr>
+      <p:grpSpPr>
+        <a:xfrm>
+          <a:off x="0" y="0"/>
+          <a:ext cx="0" cy="0"/>
+          <a:chOff x="0" y="0"/>
+          <a:chExt cx="0" cy="0"/>
+        </a:xfrm>
+      </p:grpSpPr>
+      <p:sp>
+        <p:nvSpPr>
+          <p:cNvPr id="195" name="Incorporating domain knowledge"/>
+          <p:cNvSpPr txBox="1">
+            <a:spLocks noGrp="1"/>
+          </p:cNvSpPr>
+          <p:nvPr>
+            <p:ph type="title"/>
+          </p:nvPr>
+        </p:nvSpPr>
+        <p:spPr>
+          <a:prstGeom prst="rect">
+            <a:avLst/>
+          </a:prstGeom>
+        </p:spPr>
+        <p:txBody>
+          <a:bodyPr/>
+          <a:lstStyle/>
+          <a:p>
+            <a:r>
+              <a:t>Incorporating domain knowledge </a:t>
+            </a:r>
+          </a:p>
+        </p:txBody>
+      </p:sp>
+      <p:sp>
+        <p:nvSpPr>
+          <p:cNvPr id="196" name="Slide Subtitle"/>
+          <p:cNvSpPr txBox="1">
+            <a:spLocks noGrp="1"/>
+          </p:cNvSpPr>
+          <p:nvPr>
+            <p:ph type="body" idx="21"/>
+          </p:nvPr>
+        </p:nvSpPr>
+        <p:spPr>
+          <a:prstGeom prst="rect">
+            <a:avLst/>
+          </a:prstGeom>
+        </p:spPr>
+        <p:txBody>
+          <a:bodyPr/>
+          <a:lstStyle/>
+          <a:p>
+            <a:endParaRPr/>
+          </a:p>
+        </p:txBody>
+      </p:sp>
+      <p:sp>
+        <p:nvSpPr>
+          <p:cNvPr id="197" name="bayesian framework: prior information…"/>
+          <p:cNvSpPr txBox="1">
+            <a:spLocks noGrp="1"/>
+          </p:cNvSpPr>
+          <p:nvPr>
+            <p:ph type="body" idx="1"/>
+          </p:nvPr>
+        </p:nvSpPr>
+        <p:spPr>
+          <a:prstGeom prst="rect">
+            <a:avLst/>
+          </a:prstGeom>
+        </p:spPr>
+        <p:txBody>
+          <a:bodyPr/>
+          <a:lstStyle/>
+          <a:p>
+            <a:pPr marL="0" indent="0">
+              <a:buSzTx/>
+              <a:buNone/>
+              <a:defRPr sz="3000"/>
+            </a:pPr>
+            <a:r>
+              <a:t>bayesian framework: prior information</a:t>
+            </a:r>
+          </a:p>
+          <a:p>
+            <a:pPr marL="0" indent="0">
+              <a:buSzTx/>
+              <a:buNone/>
+              <a:defRPr sz="3000"/>
+            </a:pPr>
+            <a:r>
+              <a:t>	- neural networks:</a:t>
+            </a:r>
+          </a:p>
+          <a:p>
+            <a:pPr marL="0" indent="0">
+              <a:buSzTx/>
+              <a:buNone/>
+              <a:defRPr sz="3000"/>
+            </a:pPr>
+            <a:r>
+              <a:t>		- loss function</a:t>
+            </a:r>
+          </a:p>
+          <a:p>
+            <a:pPr marL="0" indent="0">
+              <a:buSzTx/>
+              <a:buNone/>
+              <a:defRPr sz="3000"/>
+            </a:pPr>
+            <a:r>
+              <a:t>		- encoding it in the structure of the neural network </a:t>
+            </a:r>
+          </a:p>
+          <a:p>
+            <a:pPr marL="0" indent="0">
+              <a:buSzTx/>
+              <a:buNone/>
+              <a:defRPr sz="3000"/>
+            </a:pPr>
+            <a:r>
+              <a:t>		- ad hoc solutions</a:t>
+            </a:r>
+          </a:p>
+          <a:p>
+            <a:pPr marL="0" indent="0">
+              <a:buSzTx/>
+              <a:buNone/>
+              <a:defRPr sz="3000"/>
+            </a:pPr>
+            <a:r>
+              <a:t>	- physics guided initialization </a:t>
+            </a:r>
+          </a:p>
+          <a:p>
+            <a:pPr marL="0" indent="0">
+              <a:buSzTx/>
+              <a:buNone/>
+              <a:defRPr sz="3000"/>
+            </a:pPr>
+            <a:r>
+              <a:t>	- gaussian processes </a:t>
+            </a:r>
+          </a:p>
+        </p:txBody>
+      </p:sp>
+    </p:spTree>
+    <p:extLst>
+      <p:ext uri="{BB962C8B-B14F-4D97-AF65-F5344CB8AC3E}">
+        <p14:creationId xmlns:p14="http://schemas.microsoft.com/office/powerpoint/2010/main" val="2827619596"/>
+      </p:ext>
+    </p:extLst>
+  </p:cSld>
+  <p:clrMapOvr>
+    <a:masterClrMapping/>
+  </p:clrMapOvr>
+  <p:transition spd="med"/>
+</p:sld>
+</file>
+
+<file path=ppt/slides/slide33.xml><?xml version="1.0" encoding="utf-8"?>
+<p:sld xmlns:a="http://schemas.openxmlformats.org/drawingml/2006/main" xmlns:r="http://schemas.openxmlformats.org/officeDocument/2006/relationships" xmlns:p="http://schemas.openxmlformats.org/presentationml/2006/main">
+  <p:cSld>
+    <p:spTree>
+      <p:nvGrpSpPr>
+        <p:cNvPr id="1" name=""/>
+        <p:cNvGrpSpPr/>
+        <p:nvPr/>
+      </p:nvGrpSpPr>
+      <p:grpSpPr>
+        <a:xfrm>
+          <a:off x="0" y="0"/>
+          <a:ext cx="0" cy="0"/>
+          <a:chOff x="0" y="0"/>
+          <a:chExt cx="0" cy="0"/>
+        </a:xfrm>
+      </p:grpSpPr>
+      <p:sp>
+        <p:nvSpPr>
+          <p:cNvPr id="199" name="Author and Date"/>
+          <p:cNvSpPr txBox="1">
+            <a:spLocks noGrp="1"/>
+          </p:cNvSpPr>
+          <p:nvPr>
+            <p:ph type="body" idx="21"/>
+          </p:nvPr>
+        </p:nvSpPr>
+        <p:spPr>
+          <a:prstGeom prst="rect">
+            <a:avLst/>
+          </a:prstGeom>
+        </p:spPr>
+        <p:txBody>
+          <a:bodyPr>
+            <a:normAutofit lnSpcReduction="10000"/>
+          </a:bodyPr>
+          <a:lstStyle/>
+          <a:p>
+            <a:endParaRPr/>
+          </a:p>
+        </p:txBody>
+      </p:sp>
+      <p:sp>
+        <p:nvSpPr>
+          <p:cNvPr id="200" name="Reproducibility in (Scientific) Machine Learning"/>
+          <p:cNvSpPr txBox="1">
+            <a:spLocks noGrp="1"/>
+          </p:cNvSpPr>
+          <p:nvPr>
+            <p:ph type="ctrTitle"/>
+          </p:nvPr>
+        </p:nvSpPr>
+        <p:spPr>
+          <a:prstGeom prst="rect">
+            <a:avLst/>
+          </a:prstGeom>
+        </p:spPr>
+        <p:txBody>
+          <a:bodyPr/>
+          <a:lstStyle/>
+          <a:p>
+            <a:r>
+              <a:t>Reproducibility in (Scientific) Machine Learning</a:t>
+            </a:r>
+          </a:p>
+        </p:txBody>
+      </p:sp>
+      <p:sp>
+        <p:nvSpPr>
+          <p:cNvPr id="201" name="Presentation Subtitle"/>
+          <p:cNvSpPr txBox="1">
+            <a:spLocks noGrp="1"/>
+          </p:cNvSpPr>
+          <p:nvPr>
+            <p:ph type="subTitle" sz="quarter" idx="1"/>
+          </p:nvPr>
+        </p:nvSpPr>
+        <p:spPr>
+          <a:prstGeom prst="rect">
+            <a:avLst/>
+          </a:prstGeom>
+        </p:spPr>
+        <p:txBody>
+          <a:bodyPr/>
+          <a:lstStyle/>
+          <a:p>
+            <a:endParaRPr/>
+          </a:p>
+        </p:txBody>
+      </p:sp>
+    </p:spTree>
+  </p:cSld>
+  <p:clrMapOvr>
+    <a:masterClrMapping/>
+  </p:clrMapOvr>
+  <p:transition spd="med"/>
+</p:sld>
+</file>
+
+<file path=ppt/slides/slide34.xml><?xml version="1.0" encoding="utf-8"?>
+<p:sld xmlns:a="http://schemas.openxmlformats.org/drawingml/2006/main" xmlns:r="http://schemas.openxmlformats.org/officeDocument/2006/relationships" xmlns:p="http://schemas.openxmlformats.org/presentationml/2006/main">
+  <p:cSld>
+    <p:spTree>
+      <p:nvGrpSpPr>
+        <p:cNvPr id="1" name=""/>
+        <p:cNvGrpSpPr/>
+        <p:nvPr/>
+      </p:nvGrpSpPr>
+      <p:grpSpPr>
+        <a:xfrm>
+          <a:off x="0" y="0"/>
+          <a:ext cx="0" cy="0"/>
+          <a:chOff x="0" y="0"/>
+          <a:chExt cx="0" cy="0"/>
+        </a:xfrm>
+      </p:grpSpPr>
+      <p:sp>
+        <p:nvSpPr>
+          <p:cNvPr id="203" name="Agenda"/>
+          <p:cNvSpPr txBox="1">
+            <a:spLocks noGrp="1"/>
+          </p:cNvSpPr>
+          <p:nvPr>
+            <p:ph type="title"/>
+          </p:nvPr>
+        </p:nvSpPr>
+        <p:spPr>
+          <a:prstGeom prst="rect">
+            <a:avLst/>
+          </a:prstGeom>
+        </p:spPr>
+        <p:txBody>
+          <a:bodyPr/>
+          <a:lstStyle/>
+          <a:p>
+            <a:r>
+              <a:t>Agenda</a:t>
+            </a:r>
+          </a:p>
+        </p:txBody>
+      </p:sp>
+      <p:sp>
+        <p:nvSpPr>
+          <p:cNvPr id="204" name="Slide Subtitle"/>
+          <p:cNvSpPr txBox="1">
+            <a:spLocks noGrp="1"/>
+          </p:cNvSpPr>
+          <p:nvPr>
+            <p:ph type="body" idx="21"/>
+          </p:nvPr>
+        </p:nvSpPr>
+        <p:spPr>
+          <a:prstGeom prst="rect">
+            <a:avLst/>
+          </a:prstGeom>
+        </p:spPr>
+        <p:txBody>
+          <a:bodyPr/>
+          <a:lstStyle/>
+          <a:p>
+            <a:endParaRPr/>
+          </a:p>
+        </p:txBody>
+      </p:sp>
+      <p:sp>
+        <p:nvSpPr>
+          <p:cNvPr id="205" name="State of affairs…"/>
+          <p:cNvSpPr txBox="1">
+            <a:spLocks noGrp="1"/>
+          </p:cNvSpPr>
+          <p:nvPr>
+            <p:ph type="body" idx="1"/>
+          </p:nvPr>
+        </p:nvSpPr>
+        <p:spPr>
+          <a:prstGeom prst="rect">
+            <a:avLst/>
+          </a:prstGeom>
+        </p:spPr>
+        <p:txBody>
+          <a:bodyPr/>
+          <a:lstStyle/>
+          <a:p>
+            <a:r>
+              <a:t>State of affairs</a:t>
+            </a:r>
+          </a:p>
+          <a:p>
+            <a:r>
+              <a:t>Types of reproducibility</a:t>
+            </a:r>
+          </a:p>
+          <a:p>
+            <a:r>
+              <a:t>Reproducibility checklist</a:t>
+            </a:r>
+          </a:p>
+          <a:p>
+            <a:r>
+              <a:t>Useful tools</a:t>
+            </a:r>
+          </a:p>
+        </p:txBody>
+      </p:sp>
+    </p:spTree>
+  </p:cSld>
+  <p:clrMapOvr>
+    <a:masterClrMapping/>
+  </p:clrMapOvr>
+  <p:transition spd="med"/>
+</p:sld>
+</file>
+
+<file path=ppt/slides/slide35.xml><?xml version="1.0" encoding="utf-8"?>
+<p:sld xmlns:a="http://schemas.openxmlformats.org/drawingml/2006/main" xmlns:r="http://schemas.openxmlformats.org/officeDocument/2006/relationships" xmlns:p="http://schemas.openxmlformats.org/presentationml/2006/main">
+  <p:cSld>
+    <p:spTree>
+      <p:nvGrpSpPr>
+        <p:cNvPr id="1" name=""/>
+        <p:cNvGrpSpPr/>
+        <p:nvPr/>
+      </p:nvGrpSpPr>
+      <p:grpSpPr>
+        <a:xfrm>
+          <a:off x="0" y="0"/>
+          <a:ext cx="0" cy="0"/>
+          <a:chOff x="0" y="0"/>
+          <a:chExt cx="0" cy="0"/>
+        </a:xfrm>
+      </p:grpSpPr>
+      <p:sp>
+        <p:nvSpPr>
+          <p:cNvPr id="207" name="State of affairs"/>
+          <p:cNvSpPr txBox="1">
+            <a:spLocks noGrp="1"/>
+          </p:cNvSpPr>
+          <p:nvPr>
+            <p:ph type="title"/>
+          </p:nvPr>
+        </p:nvSpPr>
+        <p:spPr>
+          <a:prstGeom prst="rect">
+            <a:avLst/>
+          </a:prstGeom>
+        </p:spPr>
+        <p:txBody>
+          <a:bodyPr/>
+          <a:lstStyle/>
+          <a:p>
+            <a:r>
+              <a:t>State of affairs</a:t>
+            </a:r>
+          </a:p>
+        </p:txBody>
+      </p:sp>
+      <p:sp>
+        <p:nvSpPr>
+          <p:cNvPr id="208" name="Slide Subtitle"/>
+          <p:cNvSpPr txBox="1">
+            <a:spLocks noGrp="1"/>
+          </p:cNvSpPr>
+          <p:nvPr>
+            <p:ph type="body" idx="21"/>
+          </p:nvPr>
+        </p:nvSpPr>
+        <p:spPr>
+          <a:prstGeom prst="rect">
+            <a:avLst/>
+          </a:prstGeom>
+        </p:spPr>
+        <p:txBody>
+          <a:bodyPr/>
+          <a:lstStyle/>
+          <a:p>
+            <a:endParaRPr/>
+          </a:p>
+        </p:txBody>
+      </p:sp>
+      <p:sp>
+        <p:nvSpPr>
+          <p:cNvPr id="209" name="There’s no standard practices for ML development in the scientific context…"/>
+          <p:cNvSpPr txBox="1">
+            <a:spLocks noGrp="1"/>
+          </p:cNvSpPr>
+          <p:nvPr>
+            <p:ph type="body" idx="1"/>
+          </p:nvPr>
+        </p:nvSpPr>
+        <p:spPr>
+          <a:prstGeom prst="rect">
+            <a:avLst/>
+          </a:prstGeom>
+        </p:spPr>
+        <p:txBody>
+          <a:bodyPr/>
+          <a:lstStyle/>
+          <a:p>
+            <a:r>
+              <a:t>There’s no standard practices for ML development in the scientific context</a:t>
+            </a:r>
+          </a:p>
+          <a:p>
+            <a:r>
+              <a:t>There are various guides in industry (e.g: google hand book, etc)</a:t>
+            </a:r>
+          </a:p>
+          <a:p>
+            <a:r>
+              <a:t>There is a difference between ML for industry and ML for academia</a:t>
+            </a:r>
+          </a:p>
+        </p:txBody>
+      </p:sp>
+    </p:spTree>
+  </p:cSld>
+  <p:clrMapOvr>
+    <a:masterClrMapping/>
+  </p:clrMapOvr>
+  <p:transition spd="med"/>
+</p:sld>
+</file>
+
+<file path=ppt/slides/slide36.xml><?xml version="1.0" encoding="utf-8"?>
 <p:sld xmlns:a="http://schemas.openxmlformats.org/drawingml/2006/main" xmlns:r="http://schemas.openxmlformats.org/officeDocument/2006/relationships" xmlns:p="http://schemas.openxmlformats.org/presentationml/2006/main">
   <p:cSld>
     <p:spTree>
@@ -9420,7 +14125,7 @@
 </p:sld>
 </file>
 
-<file path=ppt/slides/slide26.xml><?xml version="1.0" encoding="utf-8"?>
+<file path=ppt/slides/slide37.xml><?xml version="1.0" encoding="utf-8"?>
 <p:sld xmlns:a="http://schemas.openxmlformats.org/drawingml/2006/main" xmlns:r="http://schemas.openxmlformats.org/officeDocument/2006/relationships" xmlns:p="http://schemas.openxmlformats.org/presentationml/2006/main">
   <p:cSld>
     <p:spTree>
@@ -9521,7 +14226,7 @@
 </p:sld>
 </file>
 
-<file path=ppt/slides/slide27.xml><?xml version="1.0" encoding="utf-8"?>
+<file path=ppt/slides/slide38.xml><?xml version="1.0" encoding="utf-8"?>
 <p:sld xmlns:a="http://schemas.openxmlformats.org/drawingml/2006/main" xmlns:r="http://schemas.openxmlformats.org/officeDocument/2006/relationships" xmlns:p="http://schemas.openxmlformats.org/presentationml/2006/main">
   <p:cSld>
     <p:spTree>
@@ -9622,7 +14327,7 @@
 </p:sld>
 </file>
 
-<file path=ppt/slides/slide28.xml><?xml version="1.0" encoding="utf-8"?>
+<file path=ppt/slides/slide39.xml><?xml version="1.0" encoding="utf-8"?>
 <p:sld xmlns:a="http://schemas.openxmlformats.org/drawingml/2006/main" xmlns:r="http://schemas.openxmlformats.org/officeDocument/2006/relationships" xmlns:p="http://schemas.openxmlformats.org/presentationml/2006/main">
   <p:cSld>
     <p:spTree>
@@ -9727,671 +14432,6 @@
             <a:r>
               <a:t>Inferential</a:t>
             </a:r>
-          </a:p>
-        </p:txBody>
-      </p:sp>
-    </p:spTree>
-  </p:cSld>
-  <p:clrMapOvr>
-    <a:masterClrMapping/>
-  </p:clrMapOvr>
-  <p:transition spd="med"/>
-</p:sld>
-</file>
-
-<file path=ppt/slides/slide29.xml><?xml version="1.0" encoding="utf-8"?>
-<p:sld xmlns:a="http://schemas.openxmlformats.org/drawingml/2006/main" xmlns:r="http://schemas.openxmlformats.org/officeDocument/2006/relationships" xmlns:p="http://schemas.openxmlformats.org/presentationml/2006/main">
-  <p:cSld>
-    <p:spTree>
-      <p:nvGrpSpPr>
-        <p:cNvPr id="1" name=""/>
-        <p:cNvGrpSpPr/>
-        <p:nvPr/>
-      </p:nvGrpSpPr>
-      <p:grpSpPr>
-        <a:xfrm>
-          <a:off x="0" y="0"/>
-          <a:ext cx="0" cy="0"/>
-          <a:chOff x="0" y="0"/>
-          <a:chExt cx="0" cy="0"/>
-        </a:xfrm>
-      </p:grpSpPr>
-      <p:sp>
-        <p:nvSpPr>
-          <p:cNvPr id="250" name="Methods reproducibility"/>
-          <p:cNvSpPr txBox="1">
-            <a:spLocks noGrp="1"/>
-          </p:cNvSpPr>
-          <p:nvPr>
-            <p:ph type="title"/>
-          </p:nvPr>
-        </p:nvSpPr>
-        <p:spPr>
-          <a:prstGeom prst="rect">
-            <a:avLst/>
-          </a:prstGeom>
-        </p:spPr>
-        <p:txBody>
-          <a:bodyPr/>
-          <a:lstStyle/>
-          <a:p>
-            <a:r>
-              <a:t>Methods reproducibility</a:t>
-            </a:r>
-          </a:p>
-        </p:txBody>
-      </p:sp>
-      <p:sp>
-        <p:nvSpPr>
-          <p:cNvPr id="251" name="Slide Subtitle"/>
-          <p:cNvSpPr txBox="1">
-            <a:spLocks noGrp="1"/>
-          </p:cNvSpPr>
-          <p:nvPr>
-            <p:ph type="body" idx="21"/>
-          </p:nvPr>
-        </p:nvSpPr>
-        <p:spPr>
-          <a:prstGeom prst="rect">
-            <a:avLst/>
-          </a:prstGeom>
-        </p:spPr>
-        <p:txBody>
-          <a:bodyPr/>
-          <a:lstStyle/>
-          <a:p>
-            <a:endParaRPr/>
-          </a:p>
-        </p:txBody>
-      </p:sp>
-      <p:sp>
-        <p:nvSpPr>
-          <p:cNvPr id="252" name="Slide bullet text"/>
-          <p:cNvSpPr txBox="1">
-            <a:spLocks noGrp="1"/>
-          </p:cNvSpPr>
-          <p:nvPr>
-            <p:ph type="body" idx="1"/>
-          </p:nvPr>
-        </p:nvSpPr>
-        <p:spPr>
-          <a:prstGeom prst="rect">
-            <a:avLst/>
-          </a:prstGeom>
-        </p:spPr>
-        <p:txBody>
-          <a:bodyPr/>
-          <a:lstStyle/>
-          <a:p>
-            <a:endParaRPr/>
-          </a:p>
-        </p:txBody>
-      </p:sp>
-    </p:spTree>
-  </p:cSld>
-  <p:clrMapOvr>
-    <a:masterClrMapping/>
-  </p:clrMapOvr>
-  <p:transition spd="med"/>
-</p:sld>
-</file>
-
-<file path=ppt/slides/slide3.xml><?xml version="1.0" encoding="utf-8"?>
-<p:sld xmlns:a="http://schemas.openxmlformats.org/drawingml/2006/main" xmlns:r="http://schemas.openxmlformats.org/officeDocument/2006/relationships" xmlns:p="http://schemas.openxmlformats.org/presentationml/2006/main">
-  <p:cSld>
-    <p:spTree>
-      <p:nvGrpSpPr>
-        <p:cNvPr id="1" name=""/>
-        <p:cNvGrpSpPr/>
-        <p:nvPr/>
-      </p:nvGrpSpPr>
-      <p:grpSpPr>
-        <a:xfrm>
-          <a:off x="0" y="0"/>
-          <a:ext cx="0" cy="0"/>
-          <a:chOff x="0" y="0"/>
-          <a:chExt cx="0" cy="0"/>
-        </a:xfrm>
-      </p:grpSpPr>
-      <p:sp>
-        <p:nvSpPr>
-          <p:cNvPr id="159" name="What is this workshop about?"/>
-          <p:cNvSpPr txBox="1">
-            <a:spLocks noGrp="1"/>
-          </p:cNvSpPr>
-          <p:nvPr>
-            <p:ph type="title"/>
-          </p:nvPr>
-        </p:nvSpPr>
-        <p:spPr>
-          <a:prstGeom prst="rect">
-            <a:avLst/>
-          </a:prstGeom>
-        </p:spPr>
-        <p:txBody>
-          <a:bodyPr/>
-          <a:lstStyle/>
-          <a:p>
-            <a:r>
-              <a:t>What is this workshop about?</a:t>
-            </a:r>
-          </a:p>
-        </p:txBody>
-      </p:sp>
-      <p:sp>
-        <p:nvSpPr>
-          <p:cNvPr id="160" name="Slide Subtitle"/>
-          <p:cNvSpPr txBox="1">
-            <a:spLocks noGrp="1"/>
-          </p:cNvSpPr>
-          <p:nvPr>
-            <p:ph type="body" idx="21"/>
-          </p:nvPr>
-        </p:nvSpPr>
-        <p:spPr>
-          <a:prstGeom prst="rect">
-            <a:avLst/>
-          </a:prstGeom>
-        </p:spPr>
-        <p:txBody>
-          <a:bodyPr/>
-          <a:lstStyle/>
-          <a:p>
-            <a:endParaRPr/>
-          </a:p>
-        </p:txBody>
-      </p:sp>
-      <p:sp>
-        <p:nvSpPr>
-          <p:cNvPr id="161" name="Focus on relevant ML practices in academia / scientific context…"/>
-          <p:cNvSpPr txBox="1">
-            <a:spLocks noGrp="1"/>
-          </p:cNvSpPr>
-          <p:nvPr>
-            <p:ph type="body" idx="1"/>
-          </p:nvPr>
-        </p:nvSpPr>
-        <p:spPr>
-          <a:prstGeom prst="rect">
-            <a:avLst/>
-          </a:prstGeom>
-        </p:spPr>
-        <p:txBody>
-          <a:bodyPr/>
-          <a:lstStyle/>
-          <a:p>
-            <a:pPr marL="603504" indent="-603504" defTabSz="2413955">
-              <a:spcBef>
-                <a:spcPts val="4400"/>
-              </a:spcBef>
-              <a:defRPr sz="4752"/>
-            </a:pPr>
-            <a:r>
-              <a:t>Focus on relevant ML practices in academia / scientific context</a:t>
-            </a:r>
-          </a:p>
-          <a:p>
-            <a:pPr marL="603504" indent="-603504" defTabSz="2413955">
-              <a:spcBef>
-                <a:spcPts val="4400"/>
-              </a:spcBef>
-              <a:defRPr sz="4752"/>
-            </a:pPr>
-            <a:r>
-              <a:t>ML is used as a tool to give us insights into problems, solve problems quicker, understanding things better</a:t>
-            </a:r>
-          </a:p>
-          <a:p>
-            <a:pPr marL="603504" indent="-603504" defTabSz="2413955">
-              <a:spcBef>
-                <a:spcPts val="4400"/>
-              </a:spcBef>
-              <a:defRPr sz="4752"/>
-            </a:pPr>
-            <a:r>
-              <a:t>It is another tool, as numerical simulations (for example), are a tool to best understand science</a:t>
-            </a:r>
-          </a:p>
-          <a:p>
-            <a:pPr marL="603504" indent="-603504" defTabSz="2413955">
-              <a:spcBef>
-                <a:spcPts val="4400"/>
-              </a:spcBef>
-              <a:defRPr sz="4752"/>
-            </a:pPr>
-            <a:r>
-              <a:t>As such, we need good practices and standards to use ML</a:t>
-            </a:r>
-          </a:p>
-          <a:p>
-            <a:pPr marL="603504" indent="-603504" defTabSz="2413955">
-              <a:spcBef>
-                <a:spcPts val="4400"/>
-              </a:spcBef>
-              <a:defRPr sz="4752"/>
-            </a:pPr>
-            <a:r>
-              <a:t>Difference between ML in industry and in Science — we often have answers to the problems — we have constraints that must be fulfilled. Things which are obviously wrong — that traditional metrics do not measure.</a:t>
-            </a:r>
-          </a:p>
-        </p:txBody>
-      </p:sp>
-    </p:spTree>
-  </p:cSld>
-  <p:clrMapOvr>
-    <a:masterClrMapping/>
-  </p:clrMapOvr>
-  <p:transition spd="med"/>
-</p:sld>
-</file>
-
-<file path=ppt/slides/slide30.xml><?xml version="1.0" encoding="utf-8"?>
-<p:sld xmlns:a="http://schemas.openxmlformats.org/drawingml/2006/main" xmlns:r="http://schemas.openxmlformats.org/officeDocument/2006/relationships" xmlns:p="http://schemas.openxmlformats.org/presentationml/2006/main">
-  <p:cSld>
-    <p:spTree>
-      <p:nvGrpSpPr>
-        <p:cNvPr id="1" name=""/>
-        <p:cNvGrpSpPr/>
-        <p:nvPr/>
-      </p:nvGrpSpPr>
-      <p:grpSpPr>
-        <a:xfrm>
-          <a:off x="0" y="0"/>
-          <a:ext cx="0" cy="0"/>
-          <a:chOff x="0" y="0"/>
-          <a:chExt cx="0" cy="0"/>
-        </a:xfrm>
-      </p:grpSpPr>
-      <p:sp>
-        <p:nvSpPr>
-          <p:cNvPr id="256" name="Results reproducibility"/>
-          <p:cNvSpPr txBox="1">
-            <a:spLocks noGrp="1"/>
-          </p:cNvSpPr>
-          <p:nvPr>
-            <p:ph type="title"/>
-          </p:nvPr>
-        </p:nvSpPr>
-        <p:spPr>
-          <a:prstGeom prst="rect">
-            <a:avLst/>
-          </a:prstGeom>
-        </p:spPr>
-        <p:txBody>
-          <a:bodyPr/>
-          <a:lstStyle/>
-          <a:p>
-            <a:r>
-              <a:t>Results reproducibility</a:t>
-            </a:r>
-          </a:p>
-        </p:txBody>
-      </p:sp>
-      <p:sp>
-        <p:nvSpPr>
-          <p:cNvPr id="257" name="Slide Subtitle"/>
-          <p:cNvSpPr txBox="1">
-            <a:spLocks noGrp="1"/>
-          </p:cNvSpPr>
-          <p:nvPr>
-            <p:ph type="body" idx="21"/>
-          </p:nvPr>
-        </p:nvSpPr>
-        <p:spPr>
-          <a:prstGeom prst="rect">
-            <a:avLst/>
-          </a:prstGeom>
-        </p:spPr>
-        <p:txBody>
-          <a:bodyPr/>
-          <a:lstStyle/>
-          <a:p>
-            <a:endParaRPr/>
-          </a:p>
-        </p:txBody>
-      </p:sp>
-      <p:sp>
-        <p:nvSpPr>
-          <p:cNvPr id="258" name="Slide bullet text"/>
-          <p:cNvSpPr txBox="1">
-            <a:spLocks noGrp="1"/>
-          </p:cNvSpPr>
-          <p:nvPr>
-            <p:ph type="body" idx="1"/>
-          </p:nvPr>
-        </p:nvSpPr>
-        <p:spPr>
-          <a:prstGeom prst="rect">
-            <a:avLst/>
-          </a:prstGeom>
-        </p:spPr>
-        <p:txBody>
-          <a:bodyPr/>
-          <a:lstStyle/>
-          <a:p>
-            <a:endParaRPr/>
-          </a:p>
-        </p:txBody>
-      </p:sp>
-    </p:spTree>
-  </p:cSld>
-  <p:clrMapOvr>
-    <a:masterClrMapping/>
-  </p:clrMapOvr>
-  <p:transition spd="med"/>
-</p:sld>
-</file>
-
-<file path=ppt/slides/slide31.xml><?xml version="1.0" encoding="utf-8"?>
-<p:sld xmlns:a="http://schemas.openxmlformats.org/drawingml/2006/main" xmlns:r="http://schemas.openxmlformats.org/officeDocument/2006/relationships" xmlns:p="http://schemas.openxmlformats.org/presentationml/2006/main">
-  <p:cSld>
-    <p:spTree>
-      <p:nvGrpSpPr>
-        <p:cNvPr id="1" name=""/>
-        <p:cNvGrpSpPr/>
-        <p:nvPr/>
-      </p:nvGrpSpPr>
-      <p:grpSpPr>
-        <a:xfrm>
-          <a:off x="0" y="0"/>
-          <a:ext cx="0" cy="0"/>
-          <a:chOff x="0" y="0"/>
-          <a:chExt cx="0" cy="0"/>
-        </a:xfrm>
-      </p:grpSpPr>
-      <p:sp>
-        <p:nvSpPr>
-          <p:cNvPr id="262" name="Inferential reproducibility"/>
-          <p:cNvSpPr txBox="1">
-            <a:spLocks noGrp="1"/>
-          </p:cNvSpPr>
-          <p:nvPr>
-            <p:ph type="title"/>
-          </p:nvPr>
-        </p:nvSpPr>
-        <p:spPr>
-          <a:prstGeom prst="rect">
-            <a:avLst/>
-          </a:prstGeom>
-        </p:spPr>
-        <p:txBody>
-          <a:bodyPr/>
-          <a:lstStyle/>
-          <a:p>
-            <a:r>
-              <a:t>Inferential reproducibility</a:t>
-            </a:r>
-          </a:p>
-        </p:txBody>
-      </p:sp>
-      <p:sp>
-        <p:nvSpPr>
-          <p:cNvPr id="263" name="Slide Subtitle"/>
-          <p:cNvSpPr txBox="1">
-            <a:spLocks noGrp="1"/>
-          </p:cNvSpPr>
-          <p:nvPr>
-            <p:ph type="body" idx="21"/>
-          </p:nvPr>
-        </p:nvSpPr>
-        <p:spPr>
-          <a:prstGeom prst="rect">
-            <a:avLst/>
-          </a:prstGeom>
-        </p:spPr>
-        <p:txBody>
-          <a:bodyPr/>
-          <a:lstStyle/>
-          <a:p>
-            <a:endParaRPr/>
-          </a:p>
-        </p:txBody>
-      </p:sp>
-      <p:sp>
-        <p:nvSpPr>
-          <p:cNvPr id="264" name="Slide bullet text"/>
-          <p:cNvSpPr txBox="1">
-            <a:spLocks noGrp="1"/>
-          </p:cNvSpPr>
-          <p:nvPr>
-            <p:ph type="body" idx="1"/>
-          </p:nvPr>
-        </p:nvSpPr>
-        <p:spPr>
-          <a:prstGeom prst="rect">
-            <a:avLst/>
-          </a:prstGeom>
-        </p:spPr>
-        <p:txBody>
-          <a:bodyPr/>
-          <a:lstStyle/>
-          <a:p>
-            <a:endParaRPr/>
-          </a:p>
-        </p:txBody>
-      </p:sp>
-    </p:spTree>
-  </p:cSld>
-  <p:clrMapOvr>
-    <a:masterClrMapping/>
-  </p:clrMapOvr>
-  <p:transition spd="med"/>
-</p:sld>
-</file>
-
-<file path=ppt/slides/slide32.xml><?xml version="1.0" encoding="utf-8"?>
-<p:sld xmlns:a="http://schemas.openxmlformats.org/drawingml/2006/main" xmlns:r="http://schemas.openxmlformats.org/officeDocument/2006/relationships" xmlns:p="http://schemas.openxmlformats.org/presentationml/2006/main">
-  <p:cSld>
-    <p:spTree>
-      <p:nvGrpSpPr>
-        <p:cNvPr id="1" name=""/>
-        <p:cNvGrpSpPr/>
-        <p:nvPr/>
-      </p:nvGrpSpPr>
-      <p:grpSpPr>
-        <a:xfrm>
-          <a:off x="0" y="0"/>
-          <a:ext cx="0" cy="0"/>
-          <a:chOff x="0" y="0"/>
-          <a:chExt cx="0" cy="0"/>
-        </a:xfrm>
-      </p:grpSpPr>
-      <p:sp>
-        <p:nvSpPr>
-          <p:cNvPr id="268" name="The Machine Learning Reproducibility Checklist"/>
-          <p:cNvSpPr txBox="1">
-            <a:spLocks noGrp="1"/>
-          </p:cNvSpPr>
-          <p:nvPr>
-            <p:ph type="title"/>
-          </p:nvPr>
-        </p:nvSpPr>
-        <p:spPr>
-          <a:prstGeom prst="rect">
-            <a:avLst/>
-          </a:prstGeom>
-        </p:spPr>
-        <p:txBody>
-          <a:bodyPr/>
-          <a:lstStyle>
-            <a:lvl1pPr defTabSz="2243271">
-              <a:defRPr sz="7820" spc="-156"/>
-            </a:lvl1pPr>
-          </a:lstStyle>
-          <a:p>
-            <a:r>
-              <a:t>The Machine Learning Reproducibility Checklist </a:t>
-            </a:r>
-          </a:p>
-        </p:txBody>
-      </p:sp>
-      <p:sp>
-        <p:nvSpPr>
-          <p:cNvPr id="269" name="Slide Subtitle"/>
-          <p:cNvSpPr txBox="1">
-            <a:spLocks noGrp="1"/>
-          </p:cNvSpPr>
-          <p:nvPr>
-            <p:ph type="body" idx="21"/>
-          </p:nvPr>
-        </p:nvSpPr>
-        <p:spPr>
-          <a:prstGeom prst="rect">
-            <a:avLst/>
-          </a:prstGeom>
-        </p:spPr>
-        <p:txBody>
-          <a:bodyPr/>
-          <a:lstStyle/>
-          <a:p>
-            <a:endParaRPr/>
-          </a:p>
-        </p:txBody>
-      </p:sp>
-      <p:sp>
-        <p:nvSpPr>
-          <p:cNvPr id="270" name="Slide bullet text"/>
-          <p:cNvSpPr txBox="1">
-            <a:spLocks noGrp="1"/>
-          </p:cNvSpPr>
-          <p:nvPr>
-            <p:ph type="body" idx="1"/>
-          </p:nvPr>
-        </p:nvSpPr>
-        <p:spPr>
-          <a:prstGeom prst="rect">
-            <a:avLst/>
-          </a:prstGeom>
-        </p:spPr>
-        <p:txBody>
-          <a:bodyPr/>
-          <a:lstStyle/>
-          <a:p>
-            <a:endParaRPr/>
-          </a:p>
-        </p:txBody>
-      </p:sp>
-      <p:pic>
-        <p:nvPicPr>
-          <p:cNvPr id="271" name="Image" descr="Image"/>
-          <p:cNvPicPr>
-            <a:picLocks noChangeAspect="1"/>
-          </p:cNvPicPr>
-          <p:nvPr/>
-        </p:nvPicPr>
-        <p:blipFill>
-          <a:blip r:embed="rId3"/>
-          <a:stretch>
-            <a:fillRect/>
-          </a:stretch>
-        </p:blipFill>
-        <p:spPr>
-          <a:xfrm>
-            <a:off x="9902442" y="5404710"/>
-            <a:ext cx="4579116" cy="5943601"/>
-          </a:xfrm>
-          <a:prstGeom prst="rect">
-            <a:avLst/>
-          </a:prstGeom>
-          <a:ln w="12700">
-            <a:miter lim="400000"/>
-          </a:ln>
-        </p:spPr>
-      </p:pic>
-    </p:spTree>
-  </p:cSld>
-  <p:clrMapOvr>
-    <a:masterClrMapping/>
-  </p:clrMapOvr>
-  <p:transition spd="med"/>
-</p:sld>
-</file>
-
-<file path=ppt/slides/slide33.xml><?xml version="1.0" encoding="utf-8"?>
-<p:sld xmlns:a="http://schemas.openxmlformats.org/drawingml/2006/main" xmlns:r="http://schemas.openxmlformats.org/officeDocument/2006/relationships" xmlns:p="http://schemas.openxmlformats.org/presentationml/2006/main">
-  <p:cSld>
-    <p:spTree>
-      <p:nvGrpSpPr>
-        <p:cNvPr id="1" name=""/>
-        <p:cNvGrpSpPr/>
-        <p:nvPr/>
-      </p:nvGrpSpPr>
-      <p:grpSpPr>
-        <a:xfrm>
-          <a:off x="0" y="0"/>
-          <a:ext cx="0" cy="0"/>
-          <a:chOff x="0" y="0"/>
-          <a:chExt cx="0" cy="0"/>
-        </a:xfrm>
-      </p:grpSpPr>
-      <p:sp>
-        <p:nvSpPr>
-          <p:cNvPr id="275" name="Tools that can help us"/>
-          <p:cNvSpPr txBox="1">
-            <a:spLocks noGrp="1"/>
-          </p:cNvSpPr>
-          <p:nvPr>
-            <p:ph type="title"/>
-          </p:nvPr>
-        </p:nvSpPr>
-        <p:spPr>
-          <a:prstGeom prst="rect">
-            <a:avLst/>
-          </a:prstGeom>
-        </p:spPr>
-        <p:txBody>
-          <a:bodyPr/>
-          <a:lstStyle/>
-          <a:p>
-            <a:r>
-              <a:t>Tools that can help us</a:t>
-            </a:r>
-          </a:p>
-        </p:txBody>
-      </p:sp>
-      <p:sp>
-        <p:nvSpPr>
-          <p:cNvPr id="276" name="Slide Subtitle"/>
-          <p:cNvSpPr txBox="1">
-            <a:spLocks noGrp="1"/>
-          </p:cNvSpPr>
-          <p:nvPr>
-            <p:ph type="body" idx="21"/>
-          </p:nvPr>
-        </p:nvSpPr>
-        <p:spPr>
-          <a:prstGeom prst="rect">
-            <a:avLst/>
-          </a:prstGeom>
-        </p:spPr>
-        <p:txBody>
-          <a:bodyPr/>
-          <a:lstStyle/>
-          <a:p>
-            <a:endParaRPr/>
-          </a:p>
-        </p:txBody>
-      </p:sp>
-      <p:sp>
-        <p:nvSpPr>
-          <p:cNvPr id="277" name="Slide bullet text"/>
-          <p:cNvSpPr txBox="1">
-            <a:spLocks noGrp="1"/>
-          </p:cNvSpPr>
-          <p:nvPr>
-            <p:ph type="body" idx="1"/>
-          </p:nvPr>
-        </p:nvSpPr>
-        <p:spPr>
-          <a:prstGeom prst="rect">
-            <a:avLst/>
-          </a:prstGeom>
-        </p:spPr>
-        <p:txBody>
-          <a:bodyPr/>
-          <a:lstStyle/>
-          <a:p>
-            <a:endParaRPr/>
           </a:p>
         </p:txBody>
       </p:sp>
@@ -10472,6 +14512,522 @@
       <p:sp>
         <p:nvSpPr>
           <p:cNvPr id="165" name="Slide bullet text"/>
+          <p:cNvSpPr txBox="1">
+            <a:spLocks noGrp="1"/>
+          </p:cNvSpPr>
+          <p:nvPr>
+            <p:ph type="body" idx="1"/>
+          </p:nvPr>
+        </p:nvSpPr>
+        <p:spPr>
+          <a:prstGeom prst="rect">
+            <a:avLst/>
+          </a:prstGeom>
+        </p:spPr>
+        <p:txBody>
+          <a:bodyPr/>
+          <a:lstStyle/>
+          <a:p>
+            <a:endParaRPr/>
+          </a:p>
+        </p:txBody>
+      </p:sp>
+    </p:spTree>
+  </p:cSld>
+  <p:clrMapOvr>
+    <a:masterClrMapping/>
+  </p:clrMapOvr>
+  <p:transition spd="med"/>
+</p:sld>
+</file>
+
+<file path=ppt/slides/slide40.xml><?xml version="1.0" encoding="utf-8"?>
+<p:sld xmlns:a="http://schemas.openxmlformats.org/drawingml/2006/main" xmlns:r="http://schemas.openxmlformats.org/officeDocument/2006/relationships" xmlns:p="http://schemas.openxmlformats.org/presentationml/2006/main">
+  <p:cSld>
+    <p:spTree>
+      <p:nvGrpSpPr>
+        <p:cNvPr id="1" name=""/>
+        <p:cNvGrpSpPr/>
+        <p:nvPr/>
+      </p:nvGrpSpPr>
+      <p:grpSpPr>
+        <a:xfrm>
+          <a:off x="0" y="0"/>
+          <a:ext cx="0" cy="0"/>
+          <a:chOff x="0" y="0"/>
+          <a:chExt cx="0" cy="0"/>
+        </a:xfrm>
+      </p:grpSpPr>
+      <p:sp>
+        <p:nvSpPr>
+          <p:cNvPr id="250" name="Methods reproducibility"/>
+          <p:cNvSpPr txBox="1">
+            <a:spLocks noGrp="1"/>
+          </p:cNvSpPr>
+          <p:nvPr>
+            <p:ph type="title"/>
+          </p:nvPr>
+        </p:nvSpPr>
+        <p:spPr>
+          <a:prstGeom prst="rect">
+            <a:avLst/>
+          </a:prstGeom>
+        </p:spPr>
+        <p:txBody>
+          <a:bodyPr/>
+          <a:lstStyle/>
+          <a:p>
+            <a:r>
+              <a:t>Methods reproducibility</a:t>
+            </a:r>
+          </a:p>
+        </p:txBody>
+      </p:sp>
+      <p:sp>
+        <p:nvSpPr>
+          <p:cNvPr id="251" name="Slide Subtitle"/>
+          <p:cNvSpPr txBox="1">
+            <a:spLocks noGrp="1"/>
+          </p:cNvSpPr>
+          <p:nvPr>
+            <p:ph type="body" idx="21"/>
+          </p:nvPr>
+        </p:nvSpPr>
+        <p:spPr>
+          <a:prstGeom prst="rect">
+            <a:avLst/>
+          </a:prstGeom>
+        </p:spPr>
+        <p:txBody>
+          <a:bodyPr/>
+          <a:lstStyle/>
+          <a:p>
+            <a:endParaRPr/>
+          </a:p>
+        </p:txBody>
+      </p:sp>
+      <p:sp>
+        <p:nvSpPr>
+          <p:cNvPr id="252" name="Slide bullet text"/>
+          <p:cNvSpPr txBox="1">
+            <a:spLocks noGrp="1"/>
+          </p:cNvSpPr>
+          <p:nvPr>
+            <p:ph type="body" idx="1"/>
+          </p:nvPr>
+        </p:nvSpPr>
+        <p:spPr>
+          <a:prstGeom prst="rect">
+            <a:avLst/>
+          </a:prstGeom>
+        </p:spPr>
+        <p:txBody>
+          <a:bodyPr/>
+          <a:lstStyle/>
+          <a:p>
+            <a:endParaRPr/>
+          </a:p>
+        </p:txBody>
+      </p:sp>
+    </p:spTree>
+  </p:cSld>
+  <p:clrMapOvr>
+    <a:masterClrMapping/>
+  </p:clrMapOvr>
+  <p:transition spd="med"/>
+</p:sld>
+</file>
+
+<file path=ppt/slides/slide41.xml><?xml version="1.0" encoding="utf-8"?>
+<p:sld xmlns:a="http://schemas.openxmlformats.org/drawingml/2006/main" xmlns:r="http://schemas.openxmlformats.org/officeDocument/2006/relationships" xmlns:p="http://schemas.openxmlformats.org/presentationml/2006/main">
+  <p:cSld>
+    <p:spTree>
+      <p:nvGrpSpPr>
+        <p:cNvPr id="1" name=""/>
+        <p:cNvGrpSpPr/>
+        <p:nvPr/>
+      </p:nvGrpSpPr>
+      <p:grpSpPr>
+        <a:xfrm>
+          <a:off x="0" y="0"/>
+          <a:ext cx="0" cy="0"/>
+          <a:chOff x="0" y="0"/>
+          <a:chExt cx="0" cy="0"/>
+        </a:xfrm>
+      </p:grpSpPr>
+      <p:sp>
+        <p:nvSpPr>
+          <p:cNvPr id="256" name="Results reproducibility"/>
+          <p:cNvSpPr txBox="1">
+            <a:spLocks noGrp="1"/>
+          </p:cNvSpPr>
+          <p:nvPr>
+            <p:ph type="title"/>
+          </p:nvPr>
+        </p:nvSpPr>
+        <p:spPr>
+          <a:prstGeom prst="rect">
+            <a:avLst/>
+          </a:prstGeom>
+        </p:spPr>
+        <p:txBody>
+          <a:bodyPr/>
+          <a:lstStyle/>
+          <a:p>
+            <a:r>
+              <a:t>Results reproducibility</a:t>
+            </a:r>
+          </a:p>
+        </p:txBody>
+      </p:sp>
+      <p:sp>
+        <p:nvSpPr>
+          <p:cNvPr id="257" name="Slide Subtitle"/>
+          <p:cNvSpPr txBox="1">
+            <a:spLocks noGrp="1"/>
+          </p:cNvSpPr>
+          <p:nvPr>
+            <p:ph type="body" idx="21"/>
+          </p:nvPr>
+        </p:nvSpPr>
+        <p:spPr>
+          <a:prstGeom prst="rect">
+            <a:avLst/>
+          </a:prstGeom>
+        </p:spPr>
+        <p:txBody>
+          <a:bodyPr/>
+          <a:lstStyle/>
+          <a:p>
+            <a:endParaRPr/>
+          </a:p>
+        </p:txBody>
+      </p:sp>
+      <p:sp>
+        <p:nvSpPr>
+          <p:cNvPr id="258" name="Slide bullet text"/>
+          <p:cNvSpPr txBox="1">
+            <a:spLocks noGrp="1"/>
+          </p:cNvSpPr>
+          <p:nvPr>
+            <p:ph type="body" idx="1"/>
+          </p:nvPr>
+        </p:nvSpPr>
+        <p:spPr>
+          <a:prstGeom prst="rect">
+            <a:avLst/>
+          </a:prstGeom>
+        </p:spPr>
+        <p:txBody>
+          <a:bodyPr/>
+          <a:lstStyle/>
+          <a:p>
+            <a:endParaRPr/>
+          </a:p>
+        </p:txBody>
+      </p:sp>
+    </p:spTree>
+  </p:cSld>
+  <p:clrMapOvr>
+    <a:masterClrMapping/>
+  </p:clrMapOvr>
+  <p:transition spd="med"/>
+</p:sld>
+</file>
+
+<file path=ppt/slides/slide42.xml><?xml version="1.0" encoding="utf-8"?>
+<p:sld xmlns:a="http://schemas.openxmlformats.org/drawingml/2006/main" xmlns:r="http://schemas.openxmlformats.org/officeDocument/2006/relationships" xmlns:p="http://schemas.openxmlformats.org/presentationml/2006/main">
+  <p:cSld>
+    <p:spTree>
+      <p:nvGrpSpPr>
+        <p:cNvPr id="1" name=""/>
+        <p:cNvGrpSpPr/>
+        <p:nvPr/>
+      </p:nvGrpSpPr>
+      <p:grpSpPr>
+        <a:xfrm>
+          <a:off x="0" y="0"/>
+          <a:ext cx="0" cy="0"/>
+          <a:chOff x="0" y="0"/>
+          <a:chExt cx="0" cy="0"/>
+        </a:xfrm>
+      </p:grpSpPr>
+      <p:sp>
+        <p:nvSpPr>
+          <p:cNvPr id="262" name="Inferential reproducibility"/>
+          <p:cNvSpPr txBox="1">
+            <a:spLocks noGrp="1"/>
+          </p:cNvSpPr>
+          <p:nvPr>
+            <p:ph type="title"/>
+          </p:nvPr>
+        </p:nvSpPr>
+        <p:spPr>
+          <a:prstGeom prst="rect">
+            <a:avLst/>
+          </a:prstGeom>
+        </p:spPr>
+        <p:txBody>
+          <a:bodyPr/>
+          <a:lstStyle/>
+          <a:p>
+            <a:r>
+              <a:t>Inferential reproducibility</a:t>
+            </a:r>
+          </a:p>
+        </p:txBody>
+      </p:sp>
+      <p:sp>
+        <p:nvSpPr>
+          <p:cNvPr id="263" name="Slide Subtitle"/>
+          <p:cNvSpPr txBox="1">
+            <a:spLocks noGrp="1"/>
+          </p:cNvSpPr>
+          <p:nvPr>
+            <p:ph type="body" idx="21"/>
+          </p:nvPr>
+        </p:nvSpPr>
+        <p:spPr>
+          <a:prstGeom prst="rect">
+            <a:avLst/>
+          </a:prstGeom>
+        </p:spPr>
+        <p:txBody>
+          <a:bodyPr/>
+          <a:lstStyle/>
+          <a:p>
+            <a:endParaRPr/>
+          </a:p>
+        </p:txBody>
+      </p:sp>
+      <p:sp>
+        <p:nvSpPr>
+          <p:cNvPr id="264" name="Slide bullet text"/>
+          <p:cNvSpPr txBox="1">
+            <a:spLocks noGrp="1"/>
+          </p:cNvSpPr>
+          <p:nvPr>
+            <p:ph type="body" idx="1"/>
+          </p:nvPr>
+        </p:nvSpPr>
+        <p:spPr>
+          <a:prstGeom prst="rect">
+            <a:avLst/>
+          </a:prstGeom>
+        </p:spPr>
+        <p:txBody>
+          <a:bodyPr/>
+          <a:lstStyle/>
+          <a:p>
+            <a:endParaRPr/>
+          </a:p>
+        </p:txBody>
+      </p:sp>
+    </p:spTree>
+  </p:cSld>
+  <p:clrMapOvr>
+    <a:masterClrMapping/>
+  </p:clrMapOvr>
+  <p:transition spd="med"/>
+</p:sld>
+</file>
+
+<file path=ppt/slides/slide43.xml><?xml version="1.0" encoding="utf-8"?>
+<p:sld xmlns:a="http://schemas.openxmlformats.org/drawingml/2006/main" xmlns:r="http://schemas.openxmlformats.org/officeDocument/2006/relationships" xmlns:p="http://schemas.openxmlformats.org/presentationml/2006/main">
+  <p:cSld>
+    <p:spTree>
+      <p:nvGrpSpPr>
+        <p:cNvPr id="1" name=""/>
+        <p:cNvGrpSpPr/>
+        <p:nvPr/>
+      </p:nvGrpSpPr>
+      <p:grpSpPr>
+        <a:xfrm>
+          <a:off x="0" y="0"/>
+          <a:ext cx="0" cy="0"/>
+          <a:chOff x="0" y="0"/>
+          <a:chExt cx="0" cy="0"/>
+        </a:xfrm>
+      </p:grpSpPr>
+      <p:sp>
+        <p:nvSpPr>
+          <p:cNvPr id="268" name="The Machine Learning Reproducibility Checklist"/>
+          <p:cNvSpPr txBox="1">
+            <a:spLocks noGrp="1"/>
+          </p:cNvSpPr>
+          <p:nvPr>
+            <p:ph type="title"/>
+          </p:nvPr>
+        </p:nvSpPr>
+        <p:spPr>
+          <a:prstGeom prst="rect">
+            <a:avLst/>
+          </a:prstGeom>
+        </p:spPr>
+        <p:txBody>
+          <a:bodyPr/>
+          <a:lstStyle>
+            <a:lvl1pPr defTabSz="2243271">
+              <a:defRPr sz="7820" spc="-156"/>
+            </a:lvl1pPr>
+          </a:lstStyle>
+          <a:p>
+            <a:r>
+              <a:t>The Machine Learning Reproducibility Checklist </a:t>
+            </a:r>
+          </a:p>
+        </p:txBody>
+      </p:sp>
+      <p:sp>
+        <p:nvSpPr>
+          <p:cNvPr id="269" name="Slide Subtitle"/>
+          <p:cNvSpPr txBox="1">
+            <a:spLocks noGrp="1"/>
+          </p:cNvSpPr>
+          <p:nvPr>
+            <p:ph type="body" idx="21"/>
+          </p:nvPr>
+        </p:nvSpPr>
+        <p:spPr>
+          <a:prstGeom prst="rect">
+            <a:avLst/>
+          </a:prstGeom>
+        </p:spPr>
+        <p:txBody>
+          <a:bodyPr/>
+          <a:lstStyle/>
+          <a:p>
+            <a:endParaRPr/>
+          </a:p>
+        </p:txBody>
+      </p:sp>
+      <p:sp>
+        <p:nvSpPr>
+          <p:cNvPr id="270" name="Slide bullet text"/>
+          <p:cNvSpPr txBox="1">
+            <a:spLocks noGrp="1"/>
+          </p:cNvSpPr>
+          <p:nvPr>
+            <p:ph type="body" idx="1"/>
+          </p:nvPr>
+        </p:nvSpPr>
+        <p:spPr>
+          <a:prstGeom prst="rect">
+            <a:avLst/>
+          </a:prstGeom>
+        </p:spPr>
+        <p:txBody>
+          <a:bodyPr/>
+          <a:lstStyle/>
+          <a:p>
+            <a:endParaRPr/>
+          </a:p>
+        </p:txBody>
+      </p:sp>
+      <p:pic>
+        <p:nvPicPr>
+          <p:cNvPr id="271" name="Image" descr="Image"/>
+          <p:cNvPicPr>
+            <a:picLocks noChangeAspect="1"/>
+          </p:cNvPicPr>
+          <p:nvPr/>
+        </p:nvPicPr>
+        <p:blipFill>
+          <a:blip r:embed="rId3"/>
+          <a:stretch>
+            <a:fillRect/>
+          </a:stretch>
+        </p:blipFill>
+        <p:spPr>
+          <a:xfrm>
+            <a:off x="9902442" y="5404710"/>
+            <a:ext cx="4579116" cy="5943601"/>
+          </a:xfrm>
+          <a:prstGeom prst="rect">
+            <a:avLst/>
+          </a:prstGeom>
+          <a:ln w="12700">
+            <a:miter lim="400000"/>
+          </a:ln>
+        </p:spPr>
+      </p:pic>
+    </p:spTree>
+  </p:cSld>
+  <p:clrMapOvr>
+    <a:masterClrMapping/>
+  </p:clrMapOvr>
+  <p:transition spd="med"/>
+</p:sld>
+</file>
+
+<file path=ppt/slides/slide44.xml><?xml version="1.0" encoding="utf-8"?>
+<p:sld xmlns:a="http://schemas.openxmlformats.org/drawingml/2006/main" xmlns:r="http://schemas.openxmlformats.org/officeDocument/2006/relationships" xmlns:p="http://schemas.openxmlformats.org/presentationml/2006/main">
+  <p:cSld>
+    <p:spTree>
+      <p:nvGrpSpPr>
+        <p:cNvPr id="1" name=""/>
+        <p:cNvGrpSpPr/>
+        <p:nvPr/>
+      </p:nvGrpSpPr>
+      <p:grpSpPr>
+        <a:xfrm>
+          <a:off x="0" y="0"/>
+          <a:ext cx="0" cy="0"/>
+          <a:chOff x="0" y="0"/>
+          <a:chExt cx="0" cy="0"/>
+        </a:xfrm>
+      </p:grpSpPr>
+      <p:sp>
+        <p:nvSpPr>
+          <p:cNvPr id="275" name="Tools that can help us"/>
+          <p:cNvSpPr txBox="1">
+            <a:spLocks noGrp="1"/>
+          </p:cNvSpPr>
+          <p:nvPr>
+            <p:ph type="title"/>
+          </p:nvPr>
+        </p:nvSpPr>
+        <p:spPr>
+          <a:prstGeom prst="rect">
+            <a:avLst/>
+          </a:prstGeom>
+        </p:spPr>
+        <p:txBody>
+          <a:bodyPr/>
+          <a:lstStyle/>
+          <a:p>
+            <a:r>
+              <a:t>Tools that can help us</a:t>
+            </a:r>
+          </a:p>
+        </p:txBody>
+      </p:sp>
+      <p:sp>
+        <p:nvSpPr>
+          <p:cNvPr id="276" name="Slide Subtitle"/>
+          <p:cNvSpPr txBox="1">
+            <a:spLocks noGrp="1"/>
+          </p:cNvSpPr>
+          <p:nvPr>
+            <p:ph type="body" idx="21"/>
+          </p:nvPr>
+        </p:nvSpPr>
+        <p:spPr>
+          <a:prstGeom prst="rect">
+            <a:avLst/>
+          </a:prstGeom>
+        </p:spPr>
+        <p:txBody>
+          <a:bodyPr/>
+          <a:lstStyle/>
+          <a:p>
+            <a:endParaRPr/>
+          </a:p>
+        </p:txBody>
+      </p:sp>
+      <p:sp>
+        <p:nvSpPr>
+          <p:cNvPr id="277" name="Slide bullet text"/>
           <p:cNvSpPr txBox="1">
             <a:spLocks noGrp="1"/>
           </p:cNvSpPr>
